--- a/Lecture Slides/IntroSlides/7_Intro.pptx
+++ b/Lecture Slides/IntroSlides/7_Intro.pptx
@@ -4,12 +4,8 @@
   <p:sldMasterIdLst>
     <p:sldMasterId id="2147483648" r:id="rId1"/>
   </p:sldMasterIdLst>
-  <p:notesMasterIdLst>
-    <p:notesMasterId r:id="rId4"/>
-  </p:notesMasterIdLst>
   <p:sldIdLst>
     <p:sldId id="256" r:id="rId2"/>
-    <p:sldId id="257" r:id="rId3"/>
   </p:sldIdLst>
   <p:sldSz cx="12192000" cy="6858000"/>
   <p:notesSz cx="6858000" cy="9144000"/>
@@ -116,439 +112,6 @@
 </p:presentation>
 </file>
 
-<file path=ppt/notesMasters/notesMaster1.xml><?xml version="1.0" encoding="utf-8"?>
-<p:notesMaster xmlns:a="http://schemas.openxmlformats.org/drawingml/2006/main" xmlns:r="http://schemas.openxmlformats.org/officeDocument/2006/relationships" xmlns:p="http://schemas.openxmlformats.org/presentationml/2006/main">
-  <p:cSld>
-    <p:bg>
-      <p:bgRef idx="1001">
-        <a:schemeClr val="bg1"/>
-      </p:bgRef>
-    </p:bg>
-    <p:spTree>
-      <p:nvGrpSpPr>
-        <p:cNvPr id="1" name=""/>
-        <p:cNvGrpSpPr/>
-        <p:nvPr/>
-      </p:nvGrpSpPr>
-      <p:grpSpPr>
-        <a:xfrm>
-          <a:off x="0" y="0"/>
-          <a:ext cx="0" cy="0"/>
-          <a:chOff x="0" y="0"/>
-          <a:chExt cx="0" cy="0"/>
-        </a:xfrm>
-      </p:grpSpPr>
-      <p:sp>
-        <p:nvSpPr>
-          <p:cNvPr id="2" name="Header Placeholder 1"/>
-          <p:cNvSpPr>
-            <a:spLocks noGrp="1"/>
-          </p:cNvSpPr>
-          <p:nvPr>
-            <p:ph type="hdr" sz="quarter"/>
-          </p:nvPr>
-        </p:nvSpPr>
-        <p:spPr>
-          <a:xfrm>
-            <a:off x="0" y="0"/>
-            <a:ext cx="2971800" cy="458788"/>
-          </a:xfrm>
-          <a:prstGeom prst="rect">
-            <a:avLst/>
-          </a:prstGeom>
-        </p:spPr>
-        <p:txBody>
-          <a:bodyPr vert="horz" lIns="91440" tIns="45720" rIns="91440" bIns="45720" rtlCol="0"/>
-          <a:lstStyle>
-            <a:lvl1pPr algn="l">
-              <a:defRPr sz="1200"/>
-            </a:lvl1pPr>
-          </a:lstStyle>
-          <a:p>
-            <a:endParaRPr lang="en-US"/>
-          </a:p>
-        </p:txBody>
-      </p:sp>
-      <p:sp>
-        <p:nvSpPr>
-          <p:cNvPr id="3" name="Date Placeholder 2"/>
-          <p:cNvSpPr>
-            <a:spLocks noGrp="1"/>
-          </p:cNvSpPr>
-          <p:nvPr>
-            <p:ph type="dt" idx="1"/>
-          </p:nvPr>
-        </p:nvSpPr>
-        <p:spPr>
-          <a:xfrm>
-            <a:off x="3884613" y="0"/>
-            <a:ext cx="2971800" cy="458788"/>
-          </a:xfrm>
-          <a:prstGeom prst="rect">
-            <a:avLst/>
-          </a:prstGeom>
-        </p:spPr>
-        <p:txBody>
-          <a:bodyPr vert="horz" lIns="91440" tIns="45720" rIns="91440" bIns="45720" rtlCol="0"/>
-          <a:lstStyle>
-            <a:lvl1pPr algn="r">
-              <a:defRPr sz="1200"/>
-            </a:lvl1pPr>
-          </a:lstStyle>
-          <a:p>
-            <a:fld id="{4C800654-3420-43CA-8869-17E19CB5F5D7}" type="datetimeFigureOut">
-              <a:rPr lang="en-US" smtClean="0"/>
-              <a:t>1/10/2020</a:t>
-            </a:fld>
-            <a:endParaRPr lang="en-US"/>
-          </a:p>
-        </p:txBody>
-      </p:sp>
-      <p:sp>
-        <p:nvSpPr>
-          <p:cNvPr id="4" name="Slide Image Placeholder 3"/>
-          <p:cNvSpPr>
-            <a:spLocks noGrp="1" noRot="1" noChangeAspect="1"/>
-          </p:cNvSpPr>
-          <p:nvPr>
-            <p:ph type="sldImg" idx="2"/>
-          </p:nvPr>
-        </p:nvSpPr>
-        <p:spPr>
-          <a:xfrm>
-            <a:off x="685800" y="1143000"/>
-            <a:ext cx="5486400" cy="3086100"/>
-          </a:xfrm>
-          <a:prstGeom prst="rect">
-            <a:avLst/>
-          </a:prstGeom>
-          <a:noFill/>
-          <a:ln w="12700">
-            <a:solidFill>
-              <a:prstClr val="black"/>
-            </a:solidFill>
-          </a:ln>
-        </p:spPr>
-        <p:txBody>
-          <a:bodyPr vert="horz" lIns="91440" tIns="45720" rIns="91440" bIns="45720" rtlCol="0" anchor="ctr"/>
-          <a:lstStyle/>
-          <a:p>
-            <a:endParaRPr lang="en-US"/>
-          </a:p>
-        </p:txBody>
-      </p:sp>
-      <p:sp>
-        <p:nvSpPr>
-          <p:cNvPr id="5" name="Notes Placeholder 4"/>
-          <p:cNvSpPr>
-            <a:spLocks noGrp="1"/>
-          </p:cNvSpPr>
-          <p:nvPr>
-            <p:ph type="body" sz="quarter" idx="3"/>
-          </p:nvPr>
-        </p:nvSpPr>
-        <p:spPr>
-          <a:xfrm>
-            <a:off x="685800" y="4400550"/>
-            <a:ext cx="5486400" cy="3600450"/>
-          </a:xfrm>
-          <a:prstGeom prst="rect">
-            <a:avLst/>
-          </a:prstGeom>
-        </p:spPr>
-        <p:txBody>
-          <a:bodyPr vert="horz" lIns="91440" tIns="45720" rIns="91440" bIns="45720" rtlCol="0"/>
-          <a:lstStyle/>
-          <a:p>
-            <a:pPr lvl="0"/>
-            <a:r>
-              <a:rPr lang="en-US"/>
-              <a:t>Click to edit Master text styles</a:t>
-            </a:r>
-          </a:p>
-          <a:p>
-            <a:pPr lvl="1"/>
-            <a:r>
-              <a:rPr lang="en-US"/>
-              <a:t>Second level</a:t>
-            </a:r>
-          </a:p>
-          <a:p>
-            <a:pPr lvl="2"/>
-            <a:r>
-              <a:rPr lang="en-US"/>
-              <a:t>Third level</a:t>
-            </a:r>
-          </a:p>
-          <a:p>
-            <a:pPr lvl="3"/>
-            <a:r>
-              <a:rPr lang="en-US"/>
-              <a:t>Fourth level</a:t>
-            </a:r>
-          </a:p>
-          <a:p>
-            <a:pPr lvl="4"/>
-            <a:r>
-              <a:rPr lang="en-US"/>
-              <a:t>Fifth level</a:t>
-            </a:r>
-          </a:p>
-        </p:txBody>
-      </p:sp>
-      <p:sp>
-        <p:nvSpPr>
-          <p:cNvPr id="6" name="Footer Placeholder 5"/>
-          <p:cNvSpPr>
-            <a:spLocks noGrp="1"/>
-          </p:cNvSpPr>
-          <p:nvPr>
-            <p:ph type="ftr" sz="quarter" idx="4"/>
-          </p:nvPr>
-        </p:nvSpPr>
-        <p:spPr>
-          <a:xfrm>
-            <a:off x="0" y="8685213"/>
-            <a:ext cx="2971800" cy="458787"/>
-          </a:xfrm>
-          <a:prstGeom prst="rect">
-            <a:avLst/>
-          </a:prstGeom>
-        </p:spPr>
-        <p:txBody>
-          <a:bodyPr vert="horz" lIns="91440" tIns="45720" rIns="91440" bIns="45720" rtlCol="0" anchor="b"/>
-          <a:lstStyle>
-            <a:lvl1pPr algn="l">
-              <a:defRPr sz="1200"/>
-            </a:lvl1pPr>
-          </a:lstStyle>
-          <a:p>
-            <a:endParaRPr lang="en-US"/>
-          </a:p>
-        </p:txBody>
-      </p:sp>
-      <p:sp>
-        <p:nvSpPr>
-          <p:cNvPr id="7" name="Slide Number Placeholder 6"/>
-          <p:cNvSpPr>
-            <a:spLocks noGrp="1"/>
-          </p:cNvSpPr>
-          <p:nvPr>
-            <p:ph type="sldNum" sz="quarter" idx="5"/>
-          </p:nvPr>
-        </p:nvSpPr>
-        <p:spPr>
-          <a:xfrm>
-            <a:off x="3884613" y="8685213"/>
-            <a:ext cx="2971800" cy="458787"/>
-          </a:xfrm>
-          <a:prstGeom prst="rect">
-            <a:avLst/>
-          </a:prstGeom>
-        </p:spPr>
-        <p:txBody>
-          <a:bodyPr vert="horz" lIns="91440" tIns="45720" rIns="91440" bIns="45720" rtlCol="0" anchor="b"/>
-          <a:lstStyle>
-            <a:lvl1pPr algn="r">
-              <a:defRPr sz="1200"/>
-            </a:lvl1pPr>
-          </a:lstStyle>
-          <a:p>
-            <a:fld id="{8C4803DD-3B58-4FA0-9839-B92CB9F9E86D}" type="slidenum">
-              <a:rPr lang="en-US" smtClean="0"/>
-              <a:t>‹#›</a:t>
-            </a:fld>
-            <a:endParaRPr lang="en-US"/>
-          </a:p>
-        </p:txBody>
-      </p:sp>
-    </p:spTree>
-    <p:extLst>
-      <p:ext uri="{BB962C8B-B14F-4D97-AF65-F5344CB8AC3E}">
-        <p14:creationId xmlns:p14="http://schemas.microsoft.com/office/powerpoint/2010/main" val="1544005827"/>
-      </p:ext>
-    </p:extLst>
-  </p:cSld>
-  <p:clrMap bg1="lt1" tx1="dk1" bg2="lt2" tx2="dk2" accent1="accent1" accent2="accent2" accent3="accent3" accent4="accent4" accent5="accent5" accent6="accent6" hlink="hlink" folHlink="folHlink"/>
-  <p:notesStyle>
-    <a:lvl1pPr marL="0" algn="l" defTabSz="914400" rtl="0" eaLnBrk="1" latinLnBrk="0" hangingPunct="1">
-      <a:defRPr sz="1200" kern="1200">
-        <a:solidFill>
-          <a:schemeClr val="tx1"/>
-        </a:solidFill>
-        <a:latin typeface="+mn-lt"/>
-        <a:ea typeface="+mn-ea"/>
-        <a:cs typeface="+mn-cs"/>
-      </a:defRPr>
-    </a:lvl1pPr>
-    <a:lvl2pPr marL="457200" algn="l" defTabSz="914400" rtl="0" eaLnBrk="1" latinLnBrk="0" hangingPunct="1">
-      <a:defRPr sz="1200" kern="1200">
-        <a:solidFill>
-          <a:schemeClr val="tx1"/>
-        </a:solidFill>
-        <a:latin typeface="+mn-lt"/>
-        <a:ea typeface="+mn-ea"/>
-        <a:cs typeface="+mn-cs"/>
-      </a:defRPr>
-    </a:lvl2pPr>
-    <a:lvl3pPr marL="914400" algn="l" defTabSz="914400" rtl="0" eaLnBrk="1" latinLnBrk="0" hangingPunct="1">
-      <a:defRPr sz="1200" kern="1200">
-        <a:solidFill>
-          <a:schemeClr val="tx1"/>
-        </a:solidFill>
-        <a:latin typeface="+mn-lt"/>
-        <a:ea typeface="+mn-ea"/>
-        <a:cs typeface="+mn-cs"/>
-      </a:defRPr>
-    </a:lvl3pPr>
-    <a:lvl4pPr marL="1371600" algn="l" defTabSz="914400" rtl="0" eaLnBrk="1" latinLnBrk="0" hangingPunct="1">
-      <a:defRPr sz="1200" kern="1200">
-        <a:solidFill>
-          <a:schemeClr val="tx1"/>
-        </a:solidFill>
-        <a:latin typeface="+mn-lt"/>
-        <a:ea typeface="+mn-ea"/>
-        <a:cs typeface="+mn-cs"/>
-      </a:defRPr>
-    </a:lvl4pPr>
-    <a:lvl5pPr marL="1828800" algn="l" defTabSz="914400" rtl="0" eaLnBrk="1" latinLnBrk="0" hangingPunct="1">
-      <a:defRPr sz="1200" kern="1200">
-        <a:solidFill>
-          <a:schemeClr val="tx1"/>
-        </a:solidFill>
-        <a:latin typeface="+mn-lt"/>
-        <a:ea typeface="+mn-ea"/>
-        <a:cs typeface="+mn-cs"/>
-      </a:defRPr>
-    </a:lvl5pPr>
-    <a:lvl6pPr marL="2286000" algn="l" defTabSz="914400" rtl="0" eaLnBrk="1" latinLnBrk="0" hangingPunct="1">
-      <a:defRPr sz="1200" kern="1200">
-        <a:solidFill>
-          <a:schemeClr val="tx1"/>
-        </a:solidFill>
-        <a:latin typeface="+mn-lt"/>
-        <a:ea typeface="+mn-ea"/>
-        <a:cs typeface="+mn-cs"/>
-      </a:defRPr>
-    </a:lvl6pPr>
-    <a:lvl7pPr marL="2743200" algn="l" defTabSz="914400" rtl="0" eaLnBrk="1" latinLnBrk="0" hangingPunct="1">
-      <a:defRPr sz="1200" kern="1200">
-        <a:solidFill>
-          <a:schemeClr val="tx1"/>
-        </a:solidFill>
-        <a:latin typeface="+mn-lt"/>
-        <a:ea typeface="+mn-ea"/>
-        <a:cs typeface="+mn-cs"/>
-      </a:defRPr>
-    </a:lvl7pPr>
-    <a:lvl8pPr marL="3200400" algn="l" defTabSz="914400" rtl="0" eaLnBrk="1" latinLnBrk="0" hangingPunct="1">
-      <a:defRPr sz="1200" kern="1200">
-        <a:solidFill>
-          <a:schemeClr val="tx1"/>
-        </a:solidFill>
-        <a:latin typeface="+mn-lt"/>
-        <a:ea typeface="+mn-ea"/>
-        <a:cs typeface="+mn-cs"/>
-      </a:defRPr>
-    </a:lvl8pPr>
-    <a:lvl9pPr marL="3657600" algn="l" defTabSz="914400" rtl="0" eaLnBrk="1" latinLnBrk="0" hangingPunct="1">
-      <a:defRPr sz="1200" kern="1200">
-        <a:solidFill>
-          <a:schemeClr val="tx1"/>
-        </a:solidFill>
-        <a:latin typeface="+mn-lt"/>
-        <a:ea typeface="+mn-ea"/>
-        <a:cs typeface="+mn-cs"/>
-      </a:defRPr>
-    </a:lvl9pPr>
-  </p:notesStyle>
-</p:notesMaster>
-</file>
-
-<file path=ppt/notesSlides/notesSlide1.xml><?xml version="1.0" encoding="utf-8"?>
-<p:notes xmlns:a="http://schemas.openxmlformats.org/drawingml/2006/main" xmlns:r="http://schemas.openxmlformats.org/officeDocument/2006/relationships" xmlns:p="http://schemas.openxmlformats.org/presentationml/2006/main">
-  <p:cSld>
-    <p:spTree>
-      <p:nvGrpSpPr>
-        <p:cNvPr id="1" name=""/>
-        <p:cNvGrpSpPr/>
-        <p:nvPr/>
-      </p:nvGrpSpPr>
-      <p:grpSpPr>
-        <a:xfrm>
-          <a:off x="0" y="0"/>
-          <a:ext cx="0" cy="0"/>
-          <a:chOff x="0" y="0"/>
-          <a:chExt cx="0" cy="0"/>
-        </a:xfrm>
-      </p:grpSpPr>
-      <p:sp>
-        <p:nvSpPr>
-          <p:cNvPr id="2" name="Slide Image Placeholder 1"/>
-          <p:cNvSpPr>
-            <a:spLocks noGrp="1" noRot="1" noChangeAspect="1"/>
-          </p:cNvSpPr>
-          <p:nvPr>
-            <p:ph type="sldImg"/>
-          </p:nvPr>
-        </p:nvSpPr>
-        <p:spPr/>
-      </p:sp>
-      <p:sp>
-        <p:nvSpPr>
-          <p:cNvPr id="3" name="Notes Placeholder 2"/>
-          <p:cNvSpPr>
-            <a:spLocks noGrp="1"/>
-          </p:cNvSpPr>
-          <p:nvPr>
-            <p:ph type="body" idx="1"/>
-          </p:nvPr>
-        </p:nvSpPr>
-        <p:spPr/>
-        <p:txBody>
-          <a:bodyPr/>
-          <a:lstStyle/>
-          <a:p>
-            <a:endParaRPr lang="en-US" dirty="0"/>
-          </a:p>
-        </p:txBody>
-      </p:sp>
-      <p:sp>
-        <p:nvSpPr>
-          <p:cNvPr id="4" name="Slide Number Placeholder 3"/>
-          <p:cNvSpPr>
-            <a:spLocks noGrp="1"/>
-          </p:cNvSpPr>
-          <p:nvPr>
-            <p:ph type="sldNum" sz="quarter" idx="5"/>
-          </p:nvPr>
-        </p:nvSpPr>
-        <p:spPr/>
-        <p:txBody>
-          <a:bodyPr/>
-          <a:lstStyle/>
-          <a:p>
-            <a:fld id="{8C4803DD-3B58-4FA0-9839-B92CB9F9E86D}" type="slidenum">
-              <a:rPr lang="en-US" smtClean="0"/>
-              <a:t>1</a:t>
-            </a:fld>
-            <a:endParaRPr lang="en-US"/>
-          </a:p>
-        </p:txBody>
-      </p:sp>
-    </p:spTree>
-    <p:extLst>
-      <p:ext uri="{BB962C8B-B14F-4D97-AF65-F5344CB8AC3E}">
-        <p14:creationId xmlns:p14="http://schemas.microsoft.com/office/powerpoint/2010/main" val="3475289065"/>
-      </p:ext>
-    </p:extLst>
-  </p:cSld>
-  <p:clrMapOvr>
-    <a:masterClrMapping/>
-  </p:clrMapOvr>
-</p:notes>
-</file>
-
 <file path=ppt/slideLayouts/slideLayout1.xml><?xml version="1.0" encoding="utf-8"?>
 <p:sldLayout xmlns:a="http://schemas.openxmlformats.org/drawingml/2006/main" xmlns:r="http://schemas.openxmlformats.org/officeDocument/2006/relationships" xmlns:p="http://schemas.openxmlformats.org/presentationml/2006/main" type="title" preserve="1">
   <p:cSld name="Title Slide">
@@ -591,9 +154,10 @@
           </a:lstStyle>
           <a:p>
             <a:r>
-              <a:rPr lang="en-US"/>
+              <a:rPr lang="en-US" smtClean="0"/>
               <a:t>Click to edit Master title style</a:t>
             </a:r>
+            <a:endParaRPr lang="en-US"/>
           </a:p>
         </p:txBody>
       </p:sp>
@@ -655,9 +219,10 @@
           </a:lstStyle>
           <a:p>
             <a:r>
-              <a:rPr lang="en-US"/>
+              <a:rPr lang="en-US" smtClean="0"/>
               <a:t>Click to edit Master subtitle style</a:t>
             </a:r>
+            <a:endParaRPr lang="en-US"/>
           </a:p>
         </p:txBody>
       </p:sp>
@@ -678,7 +243,7 @@
           <a:p>
             <a:fld id="{AA15078D-9DE8-47D0-8F0F-AA243E1A2060}" type="datetimeFigureOut">
               <a:rPr lang="en-US" smtClean="0"/>
-              <a:t>1/10/2020</a:t>
+              <a:t>8/11/2017</a:t>
             </a:fld>
             <a:endParaRPr lang="en-US"/>
           </a:p>
@@ -772,9 +337,10 @@
           <a:lstStyle/>
           <a:p>
             <a:r>
-              <a:rPr lang="en-US"/>
+              <a:rPr lang="en-US" smtClean="0"/>
               <a:t>Click to edit Master title style</a:t>
             </a:r>
+            <a:endParaRPr lang="en-US"/>
           </a:p>
         </p:txBody>
       </p:sp>
@@ -795,37 +361,38 @@
           <a:p>
             <a:pPr lvl="0"/>
             <a:r>
-              <a:rPr lang="en-US"/>
+              <a:rPr lang="en-US" smtClean="0"/>
               <a:t>Edit Master text styles</a:t>
             </a:r>
           </a:p>
           <a:p>
             <a:pPr lvl="1"/>
             <a:r>
-              <a:rPr lang="en-US"/>
+              <a:rPr lang="en-US" smtClean="0"/>
               <a:t>Second level</a:t>
             </a:r>
           </a:p>
           <a:p>
             <a:pPr lvl="2"/>
             <a:r>
-              <a:rPr lang="en-US"/>
+              <a:rPr lang="en-US" smtClean="0"/>
               <a:t>Third level</a:t>
             </a:r>
           </a:p>
           <a:p>
             <a:pPr lvl="3"/>
             <a:r>
-              <a:rPr lang="en-US"/>
+              <a:rPr lang="en-US" smtClean="0"/>
               <a:t>Fourth level</a:t>
             </a:r>
           </a:p>
           <a:p>
             <a:pPr lvl="4"/>
             <a:r>
-              <a:rPr lang="en-US"/>
+              <a:rPr lang="en-US" smtClean="0"/>
               <a:t>Fifth level</a:t>
             </a:r>
+            <a:endParaRPr lang="en-US"/>
           </a:p>
         </p:txBody>
       </p:sp>
@@ -846,7 +413,7 @@
           <a:p>
             <a:fld id="{AA15078D-9DE8-47D0-8F0F-AA243E1A2060}" type="datetimeFigureOut">
               <a:rPr lang="en-US" smtClean="0"/>
-              <a:t>1/10/2020</a:t>
+              <a:t>8/11/2017</a:t>
             </a:fld>
             <a:endParaRPr lang="en-US"/>
           </a:p>
@@ -945,9 +512,10 @@
           <a:lstStyle/>
           <a:p>
             <a:r>
-              <a:rPr lang="en-US"/>
+              <a:rPr lang="en-US" smtClean="0"/>
               <a:t>Click to edit Master title style</a:t>
             </a:r>
+            <a:endParaRPr lang="en-US"/>
           </a:p>
         </p:txBody>
       </p:sp>
@@ -973,37 +541,38 @@
           <a:p>
             <a:pPr lvl="0"/>
             <a:r>
-              <a:rPr lang="en-US"/>
+              <a:rPr lang="en-US" smtClean="0"/>
               <a:t>Edit Master text styles</a:t>
             </a:r>
           </a:p>
           <a:p>
             <a:pPr lvl="1"/>
             <a:r>
-              <a:rPr lang="en-US"/>
+              <a:rPr lang="en-US" smtClean="0"/>
               <a:t>Second level</a:t>
             </a:r>
           </a:p>
           <a:p>
             <a:pPr lvl="2"/>
             <a:r>
-              <a:rPr lang="en-US"/>
+              <a:rPr lang="en-US" smtClean="0"/>
               <a:t>Third level</a:t>
             </a:r>
           </a:p>
           <a:p>
             <a:pPr lvl="3"/>
             <a:r>
-              <a:rPr lang="en-US"/>
+              <a:rPr lang="en-US" smtClean="0"/>
               <a:t>Fourth level</a:t>
             </a:r>
           </a:p>
           <a:p>
             <a:pPr lvl="4"/>
             <a:r>
-              <a:rPr lang="en-US"/>
+              <a:rPr lang="en-US" smtClean="0"/>
               <a:t>Fifth level</a:t>
             </a:r>
+            <a:endParaRPr lang="en-US"/>
           </a:p>
         </p:txBody>
       </p:sp>
@@ -1024,7 +593,7 @@
           <a:p>
             <a:fld id="{AA15078D-9DE8-47D0-8F0F-AA243E1A2060}" type="datetimeFigureOut">
               <a:rPr lang="en-US" smtClean="0"/>
-              <a:t>1/10/2020</a:t>
+              <a:t>8/11/2017</a:t>
             </a:fld>
             <a:endParaRPr lang="en-US"/>
           </a:p>
@@ -1118,9 +687,10 @@
           <a:lstStyle/>
           <a:p>
             <a:r>
-              <a:rPr lang="en-US"/>
+              <a:rPr lang="en-US" smtClean="0"/>
               <a:t>Click to edit Master title style</a:t>
             </a:r>
+            <a:endParaRPr lang="en-US"/>
           </a:p>
         </p:txBody>
       </p:sp>
@@ -1141,37 +711,38 @@
           <a:p>
             <a:pPr lvl="0"/>
             <a:r>
-              <a:rPr lang="en-US"/>
+              <a:rPr lang="en-US" smtClean="0"/>
               <a:t>Edit Master text styles</a:t>
             </a:r>
           </a:p>
           <a:p>
             <a:pPr lvl="1"/>
             <a:r>
-              <a:rPr lang="en-US"/>
+              <a:rPr lang="en-US" smtClean="0"/>
               <a:t>Second level</a:t>
             </a:r>
           </a:p>
           <a:p>
             <a:pPr lvl="2"/>
             <a:r>
-              <a:rPr lang="en-US"/>
+              <a:rPr lang="en-US" smtClean="0"/>
               <a:t>Third level</a:t>
             </a:r>
           </a:p>
           <a:p>
             <a:pPr lvl="3"/>
             <a:r>
-              <a:rPr lang="en-US"/>
+              <a:rPr lang="en-US" smtClean="0"/>
               <a:t>Fourth level</a:t>
             </a:r>
           </a:p>
           <a:p>
             <a:pPr lvl="4"/>
             <a:r>
-              <a:rPr lang="en-US"/>
+              <a:rPr lang="en-US" smtClean="0"/>
               <a:t>Fifth level</a:t>
             </a:r>
+            <a:endParaRPr lang="en-US"/>
           </a:p>
         </p:txBody>
       </p:sp>
@@ -1192,7 +763,7 @@
           <a:p>
             <a:fld id="{AA15078D-9DE8-47D0-8F0F-AA243E1A2060}" type="datetimeFigureOut">
               <a:rPr lang="en-US" smtClean="0"/>
-              <a:t>1/10/2020</a:t>
+              <a:t>8/11/2017</a:t>
             </a:fld>
             <a:endParaRPr lang="en-US"/>
           </a:p>
@@ -1295,9 +866,10 @@
           </a:lstStyle>
           <a:p>
             <a:r>
-              <a:rPr lang="en-US"/>
+              <a:rPr lang="en-US" smtClean="0"/>
               <a:t>Click to edit Master title style</a:t>
             </a:r>
+            <a:endParaRPr lang="en-US"/>
           </a:p>
         </p:txBody>
       </p:sp>
@@ -1414,7 +986,7 @@
           <a:p>
             <a:pPr lvl="0"/>
             <a:r>
-              <a:rPr lang="en-US"/>
+              <a:rPr lang="en-US" smtClean="0"/>
               <a:t>Edit Master text styles</a:t>
             </a:r>
           </a:p>
@@ -1437,7 +1009,7 @@
           <a:p>
             <a:fld id="{AA15078D-9DE8-47D0-8F0F-AA243E1A2060}" type="datetimeFigureOut">
               <a:rPr lang="en-US" smtClean="0"/>
-              <a:t>1/10/2020</a:t>
+              <a:t>8/11/2017</a:t>
             </a:fld>
             <a:endParaRPr lang="en-US"/>
           </a:p>
@@ -1531,9 +1103,10 @@
           <a:lstStyle/>
           <a:p>
             <a:r>
-              <a:rPr lang="en-US"/>
+              <a:rPr lang="en-US" smtClean="0"/>
               <a:t>Click to edit Master title style</a:t>
             </a:r>
+            <a:endParaRPr lang="en-US"/>
           </a:p>
         </p:txBody>
       </p:sp>
@@ -1559,37 +1132,38 @@
           <a:p>
             <a:pPr lvl="0"/>
             <a:r>
-              <a:rPr lang="en-US"/>
+              <a:rPr lang="en-US" smtClean="0"/>
               <a:t>Edit Master text styles</a:t>
             </a:r>
           </a:p>
           <a:p>
             <a:pPr lvl="1"/>
             <a:r>
-              <a:rPr lang="en-US"/>
+              <a:rPr lang="en-US" smtClean="0"/>
               <a:t>Second level</a:t>
             </a:r>
           </a:p>
           <a:p>
             <a:pPr lvl="2"/>
             <a:r>
-              <a:rPr lang="en-US"/>
+              <a:rPr lang="en-US" smtClean="0"/>
               <a:t>Third level</a:t>
             </a:r>
           </a:p>
           <a:p>
             <a:pPr lvl="3"/>
             <a:r>
-              <a:rPr lang="en-US"/>
+              <a:rPr lang="en-US" smtClean="0"/>
               <a:t>Fourth level</a:t>
             </a:r>
           </a:p>
           <a:p>
             <a:pPr lvl="4"/>
             <a:r>
-              <a:rPr lang="en-US"/>
+              <a:rPr lang="en-US" smtClean="0"/>
               <a:t>Fifth level</a:t>
             </a:r>
+            <a:endParaRPr lang="en-US"/>
           </a:p>
         </p:txBody>
       </p:sp>
@@ -1615,37 +1189,38 @@
           <a:p>
             <a:pPr lvl="0"/>
             <a:r>
-              <a:rPr lang="en-US"/>
+              <a:rPr lang="en-US" smtClean="0"/>
               <a:t>Edit Master text styles</a:t>
             </a:r>
           </a:p>
           <a:p>
             <a:pPr lvl="1"/>
             <a:r>
-              <a:rPr lang="en-US"/>
+              <a:rPr lang="en-US" smtClean="0"/>
               <a:t>Second level</a:t>
             </a:r>
           </a:p>
           <a:p>
             <a:pPr lvl="2"/>
             <a:r>
-              <a:rPr lang="en-US"/>
+              <a:rPr lang="en-US" smtClean="0"/>
               <a:t>Third level</a:t>
             </a:r>
           </a:p>
           <a:p>
             <a:pPr lvl="3"/>
             <a:r>
-              <a:rPr lang="en-US"/>
+              <a:rPr lang="en-US" smtClean="0"/>
               <a:t>Fourth level</a:t>
             </a:r>
           </a:p>
           <a:p>
             <a:pPr lvl="4"/>
             <a:r>
-              <a:rPr lang="en-US"/>
+              <a:rPr lang="en-US" smtClean="0"/>
               <a:t>Fifth level</a:t>
             </a:r>
+            <a:endParaRPr lang="en-US"/>
           </a:p>
         </p:txBody>
       </p:sp>
@@ -1666,7 +1241,7 @@
           <a:p>
             <a:fld id="{AA15078D-9DE8-47D0-8F0F-AA243E1A2060}" type="datetimeFigureOut">
               <a:rPr lang="en-US" smtClean="0"/>
-              <a:t>1/10/2020</a:t>
+              <a:t>8/11/2017</a:t>
             </a:fld>
             <a:endParaRPr lang="en-US"/>
           </a:p>
@@ -1765,9 +1340,10 @@
           <a:lstStyle/>
           <a:p>
             <a:r>
-              <a:rPr lang="en-US"/>
+              <a:rPr lang="en-US" smtClean="0"/>
               <a:t>Click to edit Master title style</a:t>
             </a:r>
+            <a:endParaRPr lang="en-US"/>
           </a:p>
         </p:txBody>
       </p:sp>
@@ -1830,7 +1406,7 @@
           <a:p>
             <a:pPr lvl="0"/>
             <a:r>
-              <a:rPr lang="en-US"/>
+              <a:rPr lang="en-US" smtClean="0"/>
               <a:t>Edit Master text styles</a:t>
             </a:r>
           </a:p>
@@ -1858,37 +1434,38 @@
           <a:p>
             <a:pPr lvl="0"/>
             <a:r>
-              <a:rPr lang="en-US"/>
+              <a:rPr lang="en-US" smtClean="0"/>
               <a:t>Edit Master text styles</a:t>
             </a:r>
           </a:p>
           <a:p>
             <a:pPr lvl="1"/>
             <a:r>
-              <a:rPr lang="en-US"/>
+              <a:rPr lang="en-US" smtClean="0"/>
               <a:t>Second level</a:t>
             </a:r>
           </a:p>
           <a:p>
             <a:pPr lvl="2"/>
             <a:r>
-              <a:rPr lang="en-US"/>
+              <a:rPr lang="en-US" smtClean="0"/>
               <a:t>Third level</a:t>
             </a:r>
           </a:p>
           <a:p>
             <a:pPr lvl="3"/>
             <a:r>
-              <a:rPr lang="en-US"/>
+              <a:rPr lang="en-US" smtClean="0"/>
               <a:t>Fourth level</a:t>
             </a:r>
           </a:p>
           <a:p>
             <a:pPr lvl="4"/>
             <a:r>
-              <a:rPr lang="en-US"/>
+              <a:rPr lang="en-US" smtClean="0"/>
               <a:t>Fifth level</a:t>
             </a:r>
+            <a:endParaRPr lang="en-US"/>
           </a:p>
         </p:txBody>
       </p:sp>
@@ -1951,7 +1528,7 @@
           <a:p>
             <a:pPr lvl="0"/>
             <a:r>
-              <a:rPr lang="en-US"/>
+              <a:rPr lang="en-US" smtClean="0"/>
               <a:t>Edit Master text styles</a:t>
             </a:r>
           </a:p>
@@ -1979,37 +1556,38 @@
           <a:p>
             <a:pPr lvl="0"/>
             <a:r>
-              <a:rPr lang="en-US"/>
+              <a:rPr lang="en-US" smtClean="0"/>
               <a:t>Edit Master text styles</a:t>
             </a:r>
           </a:p>
           <a:p>
             <a:pPr lvl="1"/>
             <a:r>
-              <a:rPr lang="en-US"/>
+              <a:rPr lang="en-US" smtClean="0"/>
               <a:t>Second level</a:t>
             </a:r>
           </a:p>
           <a:p>
             <a:pPr lvl="2"/>
             <a:r>
-              <a:rPr lang="en-US"/>
+              <a:rPr lang="en-US" smtClean="0"/>
               <a:t>Third level</a:t>
             </a:r>
           </a:p>
           <a:p>
             <a:pPr lvl="3"/>
             <a:r>
-              <a:rPr lang="en-US"/>
+              <a:rPr lang="en-US" smtClean="0"/>
               <a:t>Fourth level</a:t>
             </a:r>
           </a:p>
           <a:p>
             <a:pPr lvl="4"/>
             <a:r>
-              <a:rPr lang="en-US"/>
+              <a:rPr lang="en-US" smtClean="0"/>
               <a:t>Fifth level</a:t>
             </a:r>
+            <a:endParaRPr lang="en-US"/>
           </a:p>
         </p:txBody>
       </p:sp>
@@ -2030,7 +1608,7 @@
           <a:p>
             <a:fld id="{AA15078D-9DE8-47D0-8F0F-AA243E1A2060}" type="datetimeFigureOut">
               <a:rPr lang="en-US" smtClean="0"/>
-              <a:t>1/10/2020</a:t>
+              <a:t>8/11/2017</a:t>
             </a:fld>
             <a:endParaRPr lang="en-US"/>
           </a:p>
@@ -2124,9 +1702,10 @@
           <a:lstStyle/>
           <a:p>
             <a:r>
-              <a:rPr lang="en-US"/>
+              <a:rPr lang="en-US" smtClean="0"/>
               <a:t>Click to edit Master title style</a:t>
             </a:r>
+            <a:endParaRPr lang="en-US"/>
           </a:p>
         </p:txBody>
       </p:sp>
@@ -2147,7 +1726,7 @@
           <a:p>
             <a:fld id="{AA15078D-9DE8-47D0-8F0F-AA243E1A2060}" type="datetimeFigureOut">
               <a:rPr lang="en-US" smtClean="0"/>
-              <a:t>1/10/2020</a:t>
+              <a:t>8/11/2017</a:t>
             </a:fld>
             <a:endParaRPr lang="en-US"/>
           </a:p>
@@ -2242,7 +1821,7 @@
           <a:p>
             <a:fld id="{AA15078D-9DE8-47D0-8F0F-AA243E1A2060}" type="datetimeFigureOut">
               <a:rPr lang="en-US" smtClean="0"/>
-              <a:t>1/10/2020</a:t>
+              <a:t>8/11/2017</a:t>
             </a:fld>
             <a:endParaRPr lang="en-US"/>
           </a:p>
@@ -2345,9 +1924,10 @@
           </a:lstStyle>
           <a:p>
             <a:r>
-              <a:rPr lang="en-US"/>
+              <a:rPr lang="en-US" smtClean="0"/>
               <a:t>Click to edit Master title style</a:t>
             </a:r>
+            <a:endParaRPr lang="en-US"/>
           </a:p>
         </p:txBody>
       </p:sp>
@@ -2401,37 +1981,38 @@
           <a:p>
             <a:pPr lvl="0"/>
             <a:r>
-              <a:rPr lang="en-US"/>
+              <a:rPr lang="en-US" smtClean="0"/>
               <a:t>Edit Master text styles</a:t>
             </a:r>
           </a:p>
           <a:p>
             <a:pPr lvl="1"/>
             <a:r>
-              <a:rPr lang="en-US"/>
+              <a:rPr lang="en-US" smtClean="0"/>
               <a:t>Second level</a:t>
             </a:r>
           </a:p>
           <a:p>
             <a:pPr lvl="2"/>
             <a:r>
-              <a:rPr lang="en-US"/>
+              <a:rPr lang="en-US" smtClean="0"/>
               <a:t>Third level</a:t>
             </a:r>
           </a:p>
           <a:p>
             <a:pPr lvl="3"/>
             <a:r>
-              <a:rPr lang="en-US"/>
+              <a:rPr lang="en-US" smtClean="0"/>
               <a:t>Fourth level</a:t>
             </a:r>
           </a:p>
           <a:p>
             <a:pPr lvl="4"/>
             <a:r>
-              <a:rPr lang="en-US"/>
+              <a:rPr lang="en-US" smtClean="0"/>
               <a:t>Fifth level</a:t>
             </a:r>
+            <a:endParaRPr lang="en-US"/>
           </a:p>
         </p:txBody>
       </p:sp>
@@ -2494,7 +2075,7 @@
           <a:p>
             <a:pPr lvl="0"/>
             <a:r>
-              <a:rPr lang="en-US"/>
+              <a:rPr lang="en-US" smtClean="0"/>
               <a:t>Edit Master text styles</a:t>
             </a:r>
           </a:p>
@@ -2517,7 +2098,7 @@
           <a:p>
             <a:fld id="{AA15078D-9DE8-47D0-8F0F-AA243E1A2060}" type="datetimeFigureOut">
               <a:rPr lang="en-US" smtClean="0"/>
-              <a:t>1/10/2020</a:t>
+              <a:t>8/11/2017</a:t>
             </a:fld>
             <a:endParaRPr lang="en-US"/>
           </a:p>
@@ -2620,9 +2201,10 @@
           </a:lstStyle>
           <a:p>
             <a:r>
-              <a:rPr lang="en-US"/>
+              <a:rPr lang="en-US" smtClean="0"/>
               <a:t>Click to edit Master title style</a:t>
             </a:r>
+            <a:endParaRPr lang="en-US"/>
           </a:p>
         </p:txBody>
       </p:sp>
@@ -2746,7 +2328,7 @@
           <a:p>
             <a:pPr lvl="0"/>
             <a:r>
-              <a:rPr lang="en-US"/>
+              <a:rPr lang="en-US" smtClean="0"/>
               <a:t>Edit Master text styles</a:t>
             </a:r>
           </a:p>
@@ -2769,7 +2351,7 @@
           <a:p>
             <a:fld id="{AA15078D-9DE8-47D0-8F0F-AA243E1A2060}" type="datetimeFigureOut">
               <a:rPr lang="en-US" smtClean="0"/>
-              <a:t>1/10/2020</a:t>
+              <a:t>8/11/2017</a:t>
             </a:fld>
             <a:endParaRPr lang="en-US"/>
           </a:p>
@@ -2878,9 +2460,10 @@
           <a:lstStyle/>
           <a:p>
             <a:r>
-              <a:rPr lang="en-US"/>
+              <a:rPr lang="en-US" smtClean="0"/>
               <a:t>Click to edit Master title style</a:t>
             </a:r>
+            <a:endParaRPr lang="en-US"/>
           </a:p>
         </p:txBody>
       </p:sp>
@@ -2911,37 +2494,38 @@
           <a:p>
             <a:pPr lvl="0"/>
             <a:r>
-              <a:rPr lang="en-US"/>
+              <a:rPr lang="en-US" smtClean="0"/>
               <a:t>Edit Master text styles</a:t>
             </a:r>
           </a:p>
           <a:p>
             <a:pPr lvl="1"/>
             <a:r>
-              <a:rPr lang="en-US"/>
+              <a:rPr lang="en-US" smtClean="0"/>
               <a:t>Second level</a:t>
             </a:r>
           </a:p>
           <a:p>
             <a:pPr lvl="2"/>
             <a:r>
-              <a:rPr lang="en-US"/>
+              <a:rPr lang="en-US" smtClean="0"/>
               <a:t>Third level</a:t>
             </a:r>
           </a:p>
           <a:p>
             <a:pPr lvl="3"/>
             <a:r>
-              <a:rPr lang="en-US"/>
+              <a:rPr lang="en-US" smtClean="0"/>
               <a:t>Fourth level</a:t>
             </a:r>
           </a:p>
           <a:p>
             <a:pPr lvl="4"/>
             <a:r>
-              <a:rPr lang="en-US"/>
+              <a:rPr lang="en-US" smtClean="0"/>
               <a:t>Fifth level</a:t>
             </a:r>
+            <a:endParaRPr lang="en-US"/>
           </a:p>
         </p:txBody>
       </p:sp>
@@ -2980,7 +2564,7 @@
           <a:p>
             <a:fld id="{AA15078D-9DE8-47D0-8F0F-AA243E1A2060}" type="datetimeFigureOut">
               <a:rPr lang="en-US" smtClean="0"/>
-              <a:t>1/10/2020</a:t>
+              <a:t>8/11/2017</a:t>
             </a:fld>
             <a:endParaRPr lang="en-US"/>
           </a:p>
@@ -3387,117 +2971,14 @@
       </p:grpSpPr>
       <p:sp>
         <p:nvSpPr>
-          <p:cNvPr id="23" name="Rounded Rectangle 33">
-            <a:extLst>
-              <a:ext uri="{FF2B5EF4-FFF2-40B4-BE49-F238E27FC236}">
-                <a16:creationId xmlns:a16="http://schemas.microsoft.com/office/drawing/2014/main" id="{8A703092-CCE5-4592-8C86-A0052AF61789}"/>
-              </a:ext>
-            </a:extLst>
-          </p:cNvPr>
+          <p:cNvPr id="91" name="Rounded Rectangle 90"/>
           <p:cNvSpPr/>
           <p:nvPr/>
         </p:nvSpPr>
         <p:spPr>
           <a:xfrm>
-            <a:off x="2989542" y="137585"/>
-            <a:ext cx="6212916" cy="2201193"/>
-          </a:xfrm>
-          <a:prstGeom prst="roundRect">
-            <a:avLst>
-              <a:gd name="adj" fmla="val 9887"/>
-            </a:avLst>
-          </a:prstGeom>
-          <a:solidFill>
-            <a:schemeClr val="accent1">
-              <a:lumMod val="40000"/>
-              <a:lumOff val="60000"/>
-            </a:schemeClr>
-          </a:solidFill>
-        </p:spPr>
-        <p:style>
-          <a:lnRef idx="2">
-            <a:schemeClr val="accent1">
-              <a:shade val="50000"/>
-            </a:schemeClr>
-          </a:lnRef>
-          <a:fillRef idx="1">
-            <a:schemeClr val="accent1"/>
-          </a:fillRef>
-          <a:effectRef idx="0">
-            <a:schemeClr val="accent1"/>
-          </a:effectRef>
-          <a:fontRef idx="minor">
-            <a:schemeClr val="lt1"/>
-          </a:fontRef>
-        </p:style>
-        <p:txBody>
-          <a:bodyPr rtlCol="0" anchor="ctr"/>
-          <a:lstStyle/>
-          <a:p>
-            <a:pPr algn="ctr"/>
-            <a:r>
-              <a:rPr lang="en-US" b="1" dirty="0">
-                <a:solidFill>
-                  <a:schemeClr val="tx1"/>
-                </a:solidFill>
-              </a:rPr>
-              <a:t>Particle Kinematics</a:t>
-            </a:r>
-          </a:p>
-          <a:p>
-            <a:pPr algn="ctr"/>
-            <a:endParaRPr lang="en-US" b="1" dirty="0">
-              <a:solidFill>
-                <a:schemeClr val="tx1"/>
-              </a:solidFill>
-            </a:endParaRPr>
-          </a:p>
-          <a:p>
-            <a:pPr algn="ctr"/>
-            <a:endParaRPr lang="en-US" b="1" dirty="0">
-              <a:solidFill>
-                <a:schemeClr val="tx1"/>
-              </a:solidFill>
-            </a:endParaRPr>
-          </a:p>
-          <a:p>
-            <a:pPr algn="ctr"/>
-            <a:endParaRPr lang="en-US" b="1" dirty="0">
-              <a:solidFill>
-                <a:schemeClr val="tx1"/>
-              </a:solidFill>
-            </a:endParaRPr>
-          </a:p>
-          <a:p>
-            <a:pPr algn="ctr"/>
-            <a:endParaRPr lang="en-US" b="1" dirty="0">
-              <a:solidFill>
-                <a:schemeClr val="tx1"/>
-              </a:solidFill>
-            </a:endParaRPr>
-          </a:p>
-          <a:p>
-            <a:pPr algn="ctr"/>
-            <a:endParaRPr lang="en-US" dirty="0"/>
-          </a:p>
-        </p:txBody>
-      </p:sp>
-      <p:sp>
-        <p:nvSpPr>
-          <p:cNvPr id="20" name="Rounded Rectangle 90">
-            <a:extLst>
-              <a:ext uri="{FF2B5EF4-FFF2-40B4-BE49-F238E27FC236}">
-                <a16:creationId xmlns:a16="http://schemas.microsoft.com/office/drawing/2014/main" id="{0C175DE8-C900-4691-87BD-F4EBC57B14F1}"/>
-              </a:ext>
-            </a:extLst>
-          </p:cNvPr>
-          <p:cNvSpPr/>
-          <p:nvPr/>
-        </p:nvSpPr>
-        <p:spPr>
-          <a:xfrm>
-            <a:off x="3210630" y="1100030"/>
-            <a:ext cx="1554480" cy="914400"/>
+            <a:off x="5269167" y="2101846"/>
+            <a:ext cx="1787596" cy="1014844"/>
           </a:xfrm>
           <a:prstGeom prst="roundRect">
             <a:avLst/>
@@ -3525,28 +3006,103 @@
           <a:p>
             <a:pPr algn="ctr"/>
             <a:r>
-              <a:rPr lang="en-US" dirty="0"/>
-              <a:t>Position</a:t>
-            </a:r>
-          </a:p>
-        </p:txBody>
-      </p:sp>
-      <p:sp>
-        <p:nvSpPr>
-          <p:cNvPr id="24" name="Rounded Rectangle 90">
-            <a:extLst>
-              <a:ext uri="{FF2B5EF4-FFF2-40B4-BE49-F238E27FC236}">
-                <a16:creationId xmlns:a16="http://schemas.microsoft.com/office/drawing/2014/main" id="{D48CAA2C-DBDE-4071-8BDC-9A40CCADF5CB}"/>
-              </a:ext>
-            </a:extLst>
-          </p:cNvPr>
+              <a:rPr lang="en-US" dirty="0" smtClean="0"/>
+              <a:t>Dry Friction</a:t>
+            </a:r>
+            <a:endParaRPr lang="en-US" dirty="0"/>
+          </a:p>
+        </p:txBody>
+      </p:sp>
+      <p:sp>
+        <p:nvSpPr>
+          <p:cNvPr id="95" name="Rounded Rectangle 94"/>
           <p:cNvSpPr/>
           <p:nvPr/>
         </p:nvSpPr>
         <p:spPr>
           <a:xfrm>
-            <a:off x="5318760" y="1100030"/>
-            <a:ext cx="1554480" cy="914400"/>
+            <a:off x="5362195" y="645285"/>
+            <a:ext cx="1601539" cy="975694"/>
+          </a:xfrm>
+          <a:prstGeom prst="roundRect">
+            <a:avLst/>
+          </a:prstGeom>
+        </p:spPr>
+        <p:style>
+          <a:lnRef idx="2">
+            <a:schemeClr val="accent6">
+              <a:shade val="50000"/>
+            </a:schemeClr>
+          </a:lnRef>
+          <a:fillRef idx="1">
+            <a:schemeClr val="accent6"/>
+          </a:fillRef>
+          <a:effectRef idx="0">
+            <a:schemeClr val="accent6"/>
+          </a:effectRef>
+          <a:fontRef idx="minor">
+            <a:schemeClr val="lt1"/>
+          </a:fontRef>
+        </p:style>
+        <p:txBody>
+          <a:bodyPr rtlCol="0" anchor="ctr"/>
+          <a:lstStyle/>
+          <a:p>
+            <a:pPr algn="ctr"/>
+            <a:r>
+              <a:rPr lang="en-US" dirty="0" smtClean="0"/>
+              <a:t>Forces</a:t>
+            </a:r>
+            <a:endParaRPr lang="en-US" dirty="0"/>
+          </a:p>
+        </p:txBody>
+      </p:sp>
+      <p:cxnSp>
+        <p:nvCxnSpPr>
+          <p:cNvPr id="126" name="Straight Arrow Connector 125"/>
+          <p:cNvCxnSpPr>
+            <a:stCxn id="95" idx="2"/>
+            <a:endCxn id="91" idx="0"/>
+          </p:cNvCxnSpPr>
+          <p:nvPr/>
+        </p:nvCxnSpPr>
+        <p:spPr>
+          <a:xfrm>
+            <a:off x="6162965" y="1620979"/>
+            <a:ext cx="0" cy="480867"/>
+          </a:xfrm>
+          <a:prstGeom prst="straightConnector1">
+            <a:avLst/>
+          </a:prstGeom>
+          <a:ln w="38100">
+            <a:tailEnd type="triangle"/>
+          </a:ln>
+        </p:spPr>
+        <p:style>
+          <a:lnRef idx="3">
+            <a:schemeClr val="dk1"/>
+          </a:lnRef>
+          <a:fillRef idx="0">
+            <a:schemeClr val="dk1"/>
+          </a:fillRef>
+          <a:effectRef idx="2">
+            <a:schemeClr val="dk1"/>
+          </a:effectRef>
+          <a:fontRef idx="minor">
+            <a:schemeClr val="tx1"/>
+          </a:fontRef>
+        </p:style>
+      </p:cxnSp>
+      <p:sp>
+        <p:nvSpPr>
+          <p:cNvPr id="136" name="Rounded Rectangle 135"/>
+          <p:cNvSpPr/>
+          <p:nvPr/>
+        </p:nvSpPr>
+        <p:spPr>
+          <a:xfrm>
+            <a:off x="843622" y="4041477"/>
+            <a:ext cx="1787596" cy="1014844"/>
           </a:xfrm>
           <a:prstGeom prst="roundRect">
             <a:avLst/>
@@ -3574,28 +3130,67 @@
           <a:p>
             <a:pPr algn="ctr"/>
             <a:r>
-              <a:rPr lang="en-US" dirty="0"/>
-              <a:t>Velocity</a:t>
-            </a:r>
-          </a:p>
-        </p:txBody>
-      </p:sp>
-      <p:sp>
-        <p:nvSpPr>
-          <p:cNvPr id="25" name="Rounded Rectangle 90">
-            <a:extLst>
-              <a:ext uri="{FF2B5EF4-FFF2-40B4-BE49-F238E27FC236}">
-                <a16:creationId xmlns:a16="http://schemas.microsoft.com/office/drawing/2014/main" id="{F5F3B7AD-5434-4D87-AD82-0310621457A5}"/>
-              </a:ext>
-            </a:extLst>
-          </p:cNvPr>
+              <a:rPr lang="en-US" dirty="0" smtClean="0"/>
+              <a:t>Slipping vs. Tipping</a:t>
+            </a:r>
+            <a:endParaRPr lang="en-US" dirty="0"/>
+          </a:p>
+        </p:txBody>
+      </p:sp>
+      <p:sp>
+        <p:nvSpPr>
+          <p:cNvPr id="137" name="Rounded Rectangle 136"/>
           <p:cNvSpPr/>
           <p:nvPr/>
         </p:nvSpPr>
         <p:spPr>
           <a:xfrm>
-            <a:off x="7432935" y="1100030"/>
-            <a:ext cx="1554480" cy="914400"/>
+            <a:off x="936650" y="2303212"/>
+            <a:ext cx="1601539" cy="975694"/>
+          </a:xfrm>
+          <a:prstGeom prst="roundRect">
+            <a:avLst/>
+          </a:prstGeom>
+        </p:spPr>
+        <p:style>
+          <a:lnRef idx="2">
+            <a:schemeClr val="accent6">
+              <a:shade val="50000"/>
+            </a:schemeClr>
+          </a:lnRef>
+          <a:fillRef idx="1">
+            <a:schemeClr val="accent6"/>
+          </a:fillRef>
+          <a:effectRef idx="0">
+            <a:schemeClr val="accent6"/>
+          </a:effectRef>
+          <a:fontRef idx="minor">
+            <a:schemeClr val="lt1"/>
+          </a:fontRef>
+        </p:style>
+        <p:txBody>
+          <a:bodyPr rtlCol="0" anchor="ctr"/>
+          <a:lstStyle/>
+          <a:p>
+            <a:pPr algn="ctr"/>
+            <a:r>
+              <a:rPr lang="en-US" dirty="0" smtClean="0"/>
+              <a:t>Couples</a:t>
+            </a:r>
+            <a:endParaRPr lang="en-US" dirty="0"/>
+          </a:p>
+        </p:txBody>
+      </p:sp>
+      <p:sp>
+        <p:nvSpPr>
+          <p:cNvPr id="138" name="Rounded Rectangle 137"/>
+          <p:cNvSpPr/>
+          <p:nvPr/>
+        </p:nvSpPr>
+        <p:spPr>
+          <a:xfrm>
+            <a:off x="3056394" y="4041477"/>
+            <a:ext cx="1787596" cy="1014844"/>
           </a:xfrm>
           <a:prstGeom prst="roundRect">
             <a:avLst/>
@@ -3623,39 +3218,208 @@
           <a:p>
             <a:pPr algn="ctr"/>
             <a:r>
-              <a:rPr lang="en-US" dirty="0"/>
-              <a:t>Acceleration</a:t>
-            </a:r>
+              <a:rPr lang="en-US" dirty="0" smtClean="0"/>
+              <a:t>Wedges</a:t>
+            </a:r>
+            <a:endParaRPr lang="en-US" dirty="0"/>
+          </a:p>
+        </p:txBody>
+      </p:sp>
+      <p:sp>
+        <p:nvSpPr>
+          <p:cNvPr id="139" name="Rounded Rectangle 138"/>
+          <p:cNvSpPr/>
+          <p:nvPr/>
+        </p:nvSpPr>
+        <p:spPr>
+          <a:xfrm>
+            <a:off x="3056394" y="5459265"/>
+            <a:ext cx="1787596" cy="1014844"/>
+          </a:xfrm>
+          <a:prstGeom prst="roundRect">
+            <a:avLst/>
+          </a:prstGeom>
+        </p:spPr>
+        <p:style>
+          <a:lnRef idx="2">
+            <a:schemeClr val="accent1">
+              <a:shade val="50000"/>
+            </a:schemeClr>
+          </a:lnRef>
+          <a:fillRef idx="1">
+            <a:schemeClr val="accent1"/>
+          </a:fillRef>
+          <a:effectRef idx="0">
+            <a:schemeClr val="accent1"/>
+          </a:effectRef>
+          <a:fontRef idx="minor">
+            <a:schemeClr val="lt1"/>
+          </a:fontRef>
+        </p:style>
+        <p:txBody>
+          <a:bodyPr rtlCol="0" anchor="ctr"/>
+          <a:lstStyle/>
+          <a:p>
+            <a:pPr algn="ctr"/>
+            <a:r>
+              <a:rPr lang="en-US" dirty="0" smtClean="0"/>
+              <a:t>Power Screws</a:t>
+            </a:r>
+            <a:endParaRPr lang="en-US" dirty="0"/>
+          </a:p>
+        </p:txBody>
+      </p:sp>
+      <p:sp>
+        <p:nvSpPr>
+          <p:cNvPr id="140" name="Rounded Rectangle 139"/>
+          <p:cNvSpPr/>
+          <p:nvPr/>
+        </p:nvSpPr>
+        <p:spPr>
+          <a:xfrm>
+            <a:off x="5269166" y="4041477"/>
+            <a:ext cx="1787596" cy="1014844"/>
+          </a:xfrm>
+          <a:prstGeom prst="roundRect">
+            <a:avLst/>
+          </a:prstGeom>
+        </p:spPr>
+        <p:style>
+          <a:lnRef idx="2">
+            <a:schemeClr val="accent1">
+              <a:shade val="50000"/>
+            </a:schemeClr>
+          </a:lnRef>
+          <a:fillRef idx="1">
+            <a:schemeClr val="accent1"/>
+          </a:fillRef>
+          <a:effectRef idx="0">
+            <a:schemeClr val="accent1"/>
+          </a:effectRef>
+          <a:fontRef idx="minor">
+            <a:schemeClr val="lt1"/>
+          </a:fontRef>
+        </p:style>
+        <p:txBody>
+          <a:bodyPr rtlCol="0" anchor="ctr"/>
+          <a:lstStyle/>
+          <a:p>
+            <a:pPr algn="ctr"/>
+            <a:r>
+              <a:rPr lang="en-US" dirty="0" smtClean="0"/>
+              <a:t>Bearing Friction</a:t>
+            </a:r>
+            <a:endParaRPr lang="en-US" dirty="0"/>
+          </a:p>
+        </p:txBody>
+      </p:sp>
+      <p:sp>
+        <p:nvSpPr>
+          <p:cNvPr id="141" name="Rounded Rectangle 140"/>
+          <p:cNvSpPr/>
+          <p:nvPr/>
+        </p:nvSpPr>
+        <p:spPr>
+          <a:xfrm>
+            <a:off x="7481938" y="4041477"/>
+            <a:ext cx="1787596" cy="1014844"/>
+          </a:xfrm>
+          <a:prstGeom prst="roundRect">
+            <a:avLst/>
+          </a:prstGeom>
+        </p:spPr>
+        <p:style>
+          <a:lnRef idx="2">
+            <a:schemeClr val="accent1">
+              <a:shade val="50000"/>
+            </a:schemeClr>
+          </a:lnRef>
+          <a:fillRef idx="1">
+            <a:schemeClr val="accent1"/>
+          </a:fillRef>
+          <a:effectRef idx="0">
+            <a:schemeClr val="accent1"/>
+          </a:effectRef>
+          <a:fontRef idx="minor">
+            <a:schemeClr val="lt1"/>
+          </a:fontRef>
+        </p:style>
+        <p:txBody>
+          <a:bodyPr rtlCol="0" anchor="ctr"/>
+          <a:lstStyle/>
+          <a:p>
+            <a:pPr algn="ctr"/>
+            <a:r>
+              <a:rPr lang="en-US" dirty="0" smtClean="0"/>
+              <a:t>Disc Friction</a:t>
+            </a:r>
+            <a:endParaRPr lang="en-US" dirty="0"/>
+          </a:p>
+        </p:txBody>
+      </p:sp>
+      <p:sp>
+        <p:nvSpPr>
+          <p:cNvPr id="142" name="Rounded Rectangle 141"/>
+          <p:cNvSpPr/>
+          <p:nvPr/>
+        </p:nvSpPr>
+        <p:spPr>
+          <a:xfrm>
+            <a:off x="9694710" y="4041477"/>
+            <a:ext cx="1787596" cy="1014844"/>
+          </a:xfrm>
+          <a:prstGeom prst="roundRect">
+            <a:avLst/>
+          </a:prstGeom>
+        </p:spPr>
+        <p:style>
+          <a:lnRef idx="2">
+            <a:schemeClr val="accent1">
+              <a:shade val="50000"/>
+            </a:schemeClr>
+          </a:lnRef>
+          <a:fillRef idx="1">
+            <a:schemeClr val="accent1"/>
+          </a:fillRef>
+          <a:effectRef idx="0">
+            <a:schemeClr val="accent1"/>
+          </a:effectRef>
+          <a:fontRef idx="minor">
+            <a:schemeClr val="lt1"/>
+          </a:fontRef>
+        </p:style>
+        <p:txBody>
+          <a:bodyPr rtlCol="0" anchor="ctr"/>
+          <a:lstStyle/>
+          <a:p>
+            <a:pPr algn="ctr"/>
+            <a:r>
+              <a:rPr lang="en-US" dirty="0" smtClean="0"/>
+              <a:t>Belt Friction</a:t>
+            </a:r>
+            <a:endParaRPr lang="en-US" dirty="0"/>
           </a:p>
         </p:txBody>
       </p:sp>
       <p:cxnSp>
         <p:nvCxnSpPr>
-          <p:cNvPr id="16" name="Straight Arrow Connector 15">
-            <a:extLst>
-              <a:ext uri="{FF2B5EF4-FFF2-40B4-BE49-F238E27FC236}">
-                <a16:creationId xmlns:a16="http://schemas.microsoft.com/office/drawing/2014/main" id="{ACDE72E4-26F8-4F62-864F-620085505862}"/>
-              </a:ext>
-            </a:extLst>
-          </p:cNvPr>
+          <p:cNvPr id="143" name="Straight Arrow Connector 142"/>
           <p:cNvCxnSpPr>
-            <a:cxnSpLocks/>
-            <a:stCxn id="24" idx="1"/>
-            <a:endCxn id="20" idx="3"/>
+            <a:stCxn id="91" idx="2"/>
+            <a:endCxn id="136" idx="0"/>
           </p:cNvCxnSpPr>
           <p:nvPr/>
         </p:nvCxnSpPr>
         <p:spPr>
           <a:xfrm flipH="1">
-            <a:off x="4765110" y="1557230"/>
-            <a:ext cx="553650" cy="0"/>
+            <a:off x="1737420" y="3116690"/>
+            <a:ext cx="4425545" cy="924787"/>
           </a:xfrm>
           <a:prstGeom prst="straightConnector1">
             <a:avLst/>
           </a:prstGeom>
           <a:ln w="38100">
-            <a:headEnd type="triangle" w="med" len="med"/>
-            <a:tailEnd type="triangle" w="med" len="med"/>
+            <a:tailEnd type="triangle"/>
           </a:ln>
         </p:spPr>
         <p:style>
@@ -3675,31 +3439,203 @@
       </p:cxnSp>
       <p:cxnSp>
         <p:nvCxnSpPr>
-          <p:cNvPr id="34" name="Straight Arrow Connector 33">
-            <a:extLst>
-              <a:ext uri="{FF2B5EF4-FFF2-40B4-BE49-F238E27FC236}">
-                <a16:creationId xmlns:a16="http://schemas.microsoft.com/office/drawing/2014/main" id="{81D112D1-E86C-4B58-8B09-B6AAAFFDAA88}"/>
-              </a:ext>
-            </a:extLst>
-          </p:cNvPr>
+          <p:cNvPr id="146" name="Straight Arrow Connector 145"/>
           <p:cNvCxnSpPr>
-            <a:cxnSpLocks/>
-            <a:stCxn id="24" idx="3"/>
-            <a:endCxn id="25" idx="1"/>
+            <a:stCxn id="91" idx="2"/>
+            <a:endCxn id="138" idx="0"/>
+          </p:cNvCxnSpPr>
+          <p:nvPr/>
+        </p:nvCxnSpPr>
+        <p:spPr>
+          <a:xfrm flipH="1">
+            <a:off x="3950192" y="3116690"/>
+            <a:ext cx="2212773" cy="924787"/>
+          </a:xfrm>
+          <a:prstGeom prst="straightConnector1">
+            <a:avLst/>
+          </a:prstGeom>
+          <a:ln w="38100">
+            <a:tailEnd type="triangle"/>
+          </a:ln>
+        </p:spPr>
+        <p:style>
+          <a:lnRef idx="3">
+            <a:schemeClr val="dk1"/>
+          </a:lnRef>
+          <a:fillRef idx="0">
+            <a:schemeClr val="dk1"/>
+          </a:fillRef>
+          <a:effectRef idx="2">
+            <a:schemeClr val="dk1"/>
+          </a:effectRef>
+          <a:fontRef idx="minor">
+            <a:schemeClr val="tx1"/>
+          </a:fontRef>
+        </p:style>
+      </p:cxnSp>
+      <p:cxnSp>
+        <p:nvCxnSpPr>
+          <p:cNvPr id="149" name="Straight Arrow Connector 148"/>
+          <p:cNvCxnSpPr>
+            <a:stCxn id="91" idx="2"/>
+            <a:endCxn id="140" idx="0"/>
+          </p:cNvCxnSpPr>
+          <p:nvPr/>
+        </p:nvCxnSpPr>
+        <p:spPr>
+          <a:xfrm flipH="1">
+            <a:off x="6162964" y="3116690"/>
+            <a:ext cx="1" cy="924787"/>
+          </a:xfrm>
+          <a:prstGeom prst="straightConnector1">
+            <a:avLst/>
+          </a:prstGeom>
+          <a:ln w="38100">
+            <a:tailEnd type="triangle"/>
+          </a:ln>
+        </p:spPr>
+        <p:style>
+          <a:lnRef idx="3">
+            <a:schemeClr val="dk1"/>
+          </a:lnRef>
+          <a:fillRef idx="0">
+            <a:schemeClr val="dk1"/>
+          </a:fillRef>
+          <a:effectRef idx="2">
+            <a:schemeClr val="dk1"/>
+          </a:effectRef>
+          <a:fontRef idx="minor">
+            <a:schemeClr val="tx1"/>
+          </a:fontRef>
+        </p:style>
+      </p:cxnSp>
+      <p:cxnSp>
+        <p:nvCxnSpPr>
+          <p:cNvPr id="152" name="Straight Arrow Connector 151"/>
+          <p:cNvCxnSpPr>
+            <a:stCxn id="91" idx="2"/>
+            <a:endCxn id="141" idx="0"/>
           </p:cNvCxnSpPr>
           <p:nvPr/>
         </p:nvCxnSpPr>
         <p:spPr>
           <a:xfrm>
-            <a:off x="6873240" y="1557230"/>
-            <a:ext cx="559695" cy="0"/>
+            <a:off x="6162965" y="3116690"/>
+            <a:ext cx="2212771" cy="924787"/>
           </a:xfrm>
           <a:prstGeom prst="straightConnector1">
             <a:avLst/>
           </a:prstGeom>
           <a:ln w="38100">
-            <a:headEnd type="triangle" w="med" len="med"/>
-            <a:tailEnd type="triangle" w="med" len="med"/>
+            <a:tailEnd type="triangle"/>
+          </a:ln>
+        </p:spPr>
+        <p:style>
+          <a:lnRef idx="3">
+            <a:schemeClr val="dk1"/>
+          </a:lnRef>
+          <a:fillRef idx="0">
+            <a:schemeClr val="dk1"/>
+          </a:fillRef>
+          <a:effectRef idx="2">
+            <a:schemeClr val="dk1"/>
+          </a:effectRef>
+          <a:fontRef idx="minor">
+            <a:schemeClr val="tx1"/>
+          </a:fontRef>
+        </p:style>
+      </p:cxnSp>
+      <p:cxnSp>
+        <p:nvCxnSpPr>
+          <p:cNvPr id="155" name="Straight Arrow Connector 154"/>
+          <p:cNvCxnSpPr>
+            <a:stCxn id="91" idx="2"/>
+            <a:endCxn id="142" idx="0"/>
+          </p:cNvCxnSpPr>
+          <p:nvPr/>
+        </p:nvCxnSpPr>
+        <p:spPr>
+          <a:xfrm>
+            <a:off x="6162965" y="3116690"/>
+            <a:ext cx="4425543" cy="924787"/>
+          </a:xfrm>
+          <a:prstGeom prst="straightConnector1">
+            <a:avLst/>
+          </a:prstGeom>
+          <a:ln w="38100">
+            <a:tailEnd type="triangle"/>
+          </a:ln>
+        </p:spPr>
+        <p:style>
+          <a:lnRef idx="3">
+            <a:schemeClr val="dk1"/>
+          </a:lnRef>
+          <a:fillRef idx="0">
+            <a:schemeClr val="dk1"/>
+          </a:fillRef>
+          <a:effectRef idx="2">
+            <a:schemeClr val="dk1"/>
+          </a:effectRef>
+          <a:fontRef idx="minor">
+            <a:schemeClr val="tx1"/>
+          </a:fontRef>
+        </p:style>
+      </p:cxnSp>
+      <p:cxnSp>
+        <p:nvCxnSpPr>
+          <p:cNvPr id="158" name="Straight Arrow Connector 157"/>
+          <p:cNvCxnSpPr>
+            <a:stCxn id="138" idx="2"/>
+            <a:endCxn id="139" idx="0"/>
+          </p:cNvCxnSpPr>
+          <p:nvPr/>
+        </p:nvCxnSpPr>
+        <p:spPr>
+          <a:xfrm>
+            <a:off x="3950192" y="5056321"/>
+            <a:ext cx="0" cy="402944"/>
+          </a:xfrm>
+          <a:prstGeom prst="straightConnector1">
+            <a:avLst/>
+          </a:prstGeom>
+          <a:ln w="38100">
+            <a:tailEnd type="triangle"/>
+          </a:ln>
+        </p:spPr>
+        <p:style>
+          <a:lnRef idx="3">
+            <a:schemeClr val="dk1"/>
+          </a:lnRef>
+          <a:fillRef idx="0">
+            <a:schemeClr val="dk1"/>
+          </a:fillRef>
+          <a:effectRef idx="2">
+            <a:schemeClr val="dk1"/>
+          </a:effectRef>
+          <a:fontRef idx="minor">
+            <a:schemeClr val="tx1"/>
+          </a:fontRef>
+        </p:style>
+      </p:cxnSp>
+      <p:cxnSp>
+        <p:nvCxnSpPr>
+          <p:cNvPr id="161" name="Straight Arrow Connector 160"/>
+          <p:cNvCxnSpPr>
+            <a:stCxn id="137" idx="2"/>
+            <a:endCxn id="136" idx="0"/>
+          </p:cNvCxnSpPr>
+          <p:nvPr/>
+        </p:nvCxnSpPr>
+        <p:spPr>
+          <a:xfrm>
+            <a:off x="1737420" y="3278906"/>
+            <a:ext cx="0" cy="762571"/>
+          </a:xfrm>
+          <a:prstGeom prst="straightConnector1">
+            <a:avLst/>
+          </a:prstGeom>
+          <a:ln w="38100">
+            <a:tailEnd type="triangle"/>
           </a:ln>
         </p:spPr>
         <p:style>
@@ -3761,7 +3697,7 @@
                                           </p:stCondLst>
                                         </p:cTn>
                                         <p:tgtEl>
-                                          <p:spTgt spid="20"/>
+                                          <p:spTgt spid="91"/>
                                         </p:tgtEl>
                                         <p:attrNameLst>
                                           <p:attrName>style.visibility</p:attrName>
@@ -3775,7 +3711,7 @@
                                       <p:cBhvr>
                                         <p:cTn id="7" dur="500"/>
                                         <p:tgtEl>
-                                          <p:spTgt spid="20"/>
+                                          <p:spTgt spid="91"/>
                                         </p:tgtEl>
                                       </p:cBhvr>
                                     </p:animEffect>
@@ -3814,7 +3750,7 @@
                                           </p:stCondLst>
                                         </p:cTn>
                                         <p:tgtEl>
-                                          <p:spTgt spid="16"/>
+                                          <p:spTgt spid="126"/>
                                         </p:tgtEl>
                                         <p:attrNameLst>
                                           <p:attrName>style.visibility</p:attrName>
@@ -3828,7 +3764,7 @@
                                       <p:cBhvr>
                                         <p:cTn id="12" dur="500"/>
                                         <p:tgtEl>
-                                          <p:spTgt spid="16"/>
+                                          <p:spTgt spid="126"/>
                                         </p:tgtEl>
                                       </p:cBhvr>
                                     </p:animEffect>
@@ -3849,7 +3785,7 @@
                                           </p:stCondLst>
                                         </p:cTn>
                                         <p:tgtEl>
-                                          <p:spTgt spid="24"/>
+                                          <p:spTgt spid="95"/>
                                         </p:tgtEl>
                                         <p:attrNameLst>
                                           <p:attrName>style.visibility</p:attrName>
@@ -3863,7 +3799,7 @@
                                       <p:cBhvr>
                                         <p:cTn id="15" dur="500"/>
                                         <p:tgtEl>
-                                          <p:spTgt spid="24"/>
+                                          <p:spTgt spid="95"/>
                                         </p:tgtEl>
                                       </p:cBhvr>
                                     </p:animEffect>
@@ -3902,7 +3838,7 @@
                                           </p:stCondLst>
                                         </p:cTn>
                                         <p:tgtEl>
-                                          <p:spTgt spid="34"/>
+                                          <p:spTgt spid="143"/>
                                         </p:tgtEl>
                                         <p:attrNameLst>
                                           <p:attrName>style.visibility</p:attrName>
@@ -3916,7 +3852,7 @@
                                       <p:cBhvr>
                                         <p:cTn id="20" dur="500"/>
                                         <p:tgtEl>
-                                          <p:spTgt spid="34"/>
+                                          <p:spTgt spid="143"/>
                                         </p:tgtEl>
                                       </p:cBhvr>
                                     </p:animEffect>
@@ -3937,7 +3873,7 @@
                                           </p:stCondLst>
                                         </p:cTn>
                                         <p:tgtEl>
-                                          <p:spTgt spid="25"/>
+                                          <p:spTgt spid="136"/>
                                         </p:tgtEl>
                                         <p:attrNameLst>
                                           <p:attrName>style.visibility</p:attrName>
@@ -3951,7 +3887,535 @@
                                       <p:cBhvr>
                                         <p:cTn id="23" dur="500"/>
                                         <p:tgtEl>
-                                          <p:spTgt spid="25"/>
+                                          <p:spTgt spid="136"/>
+                                        </p:tgtEl>
+                                      </p:cBhvr>
+                                    </p:animEffect>
+                                  </p:childTnLst>
+                                </p:cTn>
+                              </p:par>
+                            </p:childTnLst>
+                          </p:cTn>
+                        </p:par>
+                      </p:childTnLst>
+                    </p:cTn>
+                  </p:par>
+                  <p:par>
+                    <p:cTn id="24" fill="hold">
+                      <p:stCondLst>
+                        <p:cond delay="indefinite"/>
+                      </p:stCondLst>
+                      <p:childTnLst>
+                        <p:par>
+                          <p:cTn id="25" fill="hold">
+                            <p:stCondLst>
+                              <p:cond delay="0"/>
+                            </p:stCondLst>
+                            <p:childTnLst>
+                              <p:par>
+                                <p:cTn id="26" presetID="10" presetClass="entr" presetSubtype="0" fill="hold" grpId="0" nodeType="clickEffect">
+                                  <p:stCondLst>
+                                    <p:cond delay="0"/>
+                                  </p:stCondLst>
+                                  <p:childTnLst>
+                                    <p:set>
+                                      <p:cBhvr>
+                                        <p:cTn id="27" dur="1" fill="hold">
+                                          <p:stCondLst>
+                                            <p:cond delay="0"/>
+                                          </p:stCondLst>
+                                        </p:cTn>
+                                        <p:tgtEl>
+                                          <p:spTgt spid="137"/>
+                                        </p:tgtEl>
+                                        <p:attrNameLst>
+                                          <p:attrName>style.visibility</p:attrName>
+                                        </p:attrNameLst>
+                                      </p:cBhvr>
+                                      <p:to>
+                                        <p:strVal val="visible"/>
+                                      </p:to>
+                                    </p:set>
+                                    <p:animEffect transition="in" filter="fade">
+                                      <p:cBhvr>
+                                        <p:cTn id="28" dur="500"/>
+                                        <p:tgtEl>
+                                          <p:spTgt spid="137"/>
+                                        </p:tgtEl>
+                                      </p:cBhvr>
+                                    </p:animEffect>
+                                  </p:childTnLst>
+                                </p:cTn>
+                              </p:par>
+                              <p:par>
+                                <p:cTn id="29" presetID="10" presetClass="entr" presetSubtype="0" fill="hold" nodeType="withEffect">
+                                  <p:stCondLst>
+                                    <p:cond delay="0"/>
+                                  </p:stCondLst>
+                                  <p:childTnLst>
+                                    <p:set>
+                                      <p:cBhvr>
+                                        <p:cTn id="30" dur="1" fill="hold">
+                                          <p:stCondLst>
+                                            <p:cond delay="0"/>
+                                          </p:stCondLst>
+                                        </p:cTn>
+                                        <p:tgtEl>
+                                          <p:spTgt spid="161"/>
+                                        </p:tgtEl>
+                                        <p:attrNameLst>
+                                          <p:attrName>style.visibility</p:attrName>
+                                        </p:attrNameLst>
+                                      </p:cBhvr>
+                                      <p:to>
+                                        <p:strVal val="visible"/>
+                                      </p:to>
+                                    </p:set>
+                                    <p:animEffect transition="in" filter="fade">
+                                      <p:cBhvr>
+                                        <p:cTn id="31" dur="500"/>
+                                        <p:tgtEl>
+                                          <p:spTgt spid="161"/>
+                                        </p:tgtEl>
+                                      </p:cBhvr>
+                                    </p:animEffect>
+                                  </p:childTnLst>
+                                </p:cTn>
+                              </p:par>
+                            </p:childTnLst>
+                          </p:cTn>
+                        </p:par>
+                      </p:childTnLst>
+                    </p:cTn>
+                  </p:par>
+                  <p:par>
+                    <p:cTn id="32" fill="hold">
+                      <p:stCondLst>
+                        <p:cond delay="indefinite"/>
+                      </p:stCondLst>
+                      <p:childTnLst>
+                        <p:par>
+                          <p:cTn id="33" fill="hold">
+                            <p:stCondLst>
+                              <p:cond delay="0"/>
+                            </p:stCondLst>
+                            <p:childTnLst>
+                              <p:par>
+                                <p:cTn id="34" presetID="10" presetClass="entr" presetSubtype="0" fill="hold" grpId="0" nodeType="clickEffect">
+                                  <p:stCondLst>
+                                    <p:cond delay="0"/>
+                                  </p:stCondLst>
+                                  <p:childTnLst>
+                                    <p:set>
+                                      <p:cBhvr>
+                                        <p:cTn id="35" dur="1" fill="hold">
+                                          <p:stCondLst>
+                                            <p:cond delay="0"/>
+                                          </p:stCondLst>
+                                        </p:cTn>
+                                        <p:tgtEl>
+                                          <p:spTgt spid="138"/>
+                                        </p:tgtEl>
+                                        <p:attrNameLst>
+                                          <p:attrName>style.visibility</p:attrName>
+                                        </p:attrNameLst>
+                                      </p:cBhvr>
+                                      <p:to>
+                                        <p:strVal val="visible"/>
+                                      </p:to>
+                                    </p:set>
+                                    <p:animEffect transition="in" filter="fade">
+                                      <p:cBhvr>
+                                        <p:cTn id="36" dur="500"/>
+                                        <p:tgtEl>
+                                          <p:spTgt spid="138"/>
+                                        </p:tgtEl>
+                                      </p:cBhvr>
+                                    </p:animEffect>
+                                  </p:childTnLst>
+                                </p:cTn>
+                              </p:par>
+                              <p:par>
+                                <p:cTn id="37" presetID="10" presetClass="entr" presetSubtype="0" fill="hold" nodeType="withEffect">
+                                  <p:stCondLst>
+                                    <p:cond delay="0"/>
+                                  </p:stCondLst>
+                                  <p:childTnLst>
+                                    <p:set>
+                                      <p:cBhvr>
+                                        <p:cTn id="38" dur="1" fill="hold">
+                                          <p:stCondLst>
+                                            <p:cond delay="0"/>
+                                          </p:stCondLst>
+                                        </p:cTn>
+                                        <p:tgtEl>
+                                          <p:spTgt spid="146"/>
+                                        </p:tgtEl>
+                                        <p:attrNameLst>
+                                          <p:attrName>style.visibility</p:attrName>
+                                        </p:attrNameLst>
+                                      </p:cBhvr>
+                                      <p:to>
+                                        <p:strVal val="visible"/>
+                                      </p:to>
+                                    </p:set>
+                                    <p:animEffect transition="in" filter="fade">
+                                      <p:cBhvr>
+                                        <p:cTn id="39" dur="500"/>
+                                        <p:tgtEl>
+                                          <p:spTgt spid="146"/>
+                                        </p:tgtEl>
+                                      </p:cBhvr>
+                                    </p:animEffect>
+                                  </p:childTnLst>
+                                </p:cTn>
+                              </p:par>
+                            </p:childTnLst>
+                          </p:cTn>
+                        </p:par>
+                      </p:childTnLst>
+                    </p:cTn>
+                  </p:par>
+                  <p:par>
+                    <p:cTn id="40" fill="hold">
+                      <p:stCondLst>
+                        <p:cond delay="indefinite"/>
+                      </p:stCondLst>
+                      <p:childTnLst>
+                        <p:par>
+                          <p:cTn id="41" fill="hold">
+                            <p:stCondLst>
+                              <p:cond delay="0"/>
+                            </p:stCondLst>
+                            <p:childTnLst>
+                              <p:par>
+                                <p:cTn id="42" presetID="10" presetClass="entr" presetSubtype="0" fill="hold" nodeType="clickEffect">
+                                  <p:stCondLst>
+                                    <p:cond delay="0"/>
+                                  </p:stCondLst>
+                                  <p:childTnLst>
+                                    <p:set>
+                                      <p:cBhvr>
+                                        <p:cTn id="43" dur="1" fill="hold">
+                                          <p:stCondLst>
+                                            <p:cond delay="0"/>
+                                          </p:stCondLst>
+                                        </p:cTn>
+                                        <p:tgtEl>
+                                          <p:spTgt spid="158"/>
+                                        </p:tgtEl>
+                                        <p:attrNameLst>
+                                          <p:attrName>style.visibility</p:attrName>
+                                        </p:attrNameLst>
+                                      </p:cBhvr>
+                                      <p:to>
+                                        <p:strVal val="visible"/>
+                                      </p:to>
+                                    </p:set>
+                                    <p:animEffect transition="in" filter="fade">
+                                      <p:cBhvr>
+                                        <p:cTn id="44" dur="500"/>
+                                        <p:tgtEl>
+                                          <p:spTgt spid="158"/>
+                                        </p:tgtEl>
+                                      </p:cBhvr>
+                                    </p:animEffect>
+                                  </p:childTnLst>
+                                </p:cTn>
+                              </p:par>
+                              <p:par>
+                                <p:cTn id="45" presetID="10" presetClass="entr" presetSubtype="0" fill="hold" grpId="0" nodeType="withEffect">
+                                  <p:stCondLst>
+                                    <p:cond delay="0"/>
+                                  </p:stCondLst>
+                                  <p:childTnLst>
+                                    <p:set>
+                                      <p:cBhvr>
+                                        <p:cTn id="46" dur="1" fill="hold">
+                                          <p:stCondLst>
+                                            <p:cond delay="0"/>
+                                          </p:stCondLst>
+                                        </p:cTn>
+                                        <p:tgtEl>
+                                          <p:spTgt spid="139"/>
+                                        </p:tgtEl>
+                                        <p:attrNameLst>
+                                          <p:attrName>style.visibility</p:attrName>
+                                        </p:attrNameLst>
+                                      </p:cBhvr>
+                                      <p:to>
+                                        <p:strVal val="visible"/>
+                                      </p:to>
+                                    </p:set>
+                                    <p:animEffect transition="in" filter="fade">
+                                      <p:cBhvr>
+                                        <p:cTn id="47" dur="500"/>
+                                        <p:tgtEl>
+                                          <p:spTgt spid="139"/>
+                                        </p:tgtEl>
+                                      </p:cBhvr>
+                                    </p:animEffect>
+                                  </p:childTnLst>
+                                </p:cTn>
+                              </p:par>
+                            </p:childTnLst>
+                          </p:cTn>
+                        </p:par>
+                      </p:childTnLst>
+                    </p:cTn>
+                  </p:par>
+                  <p:par>
+                    <p:cTn id="48" fill="hold">
+                      <p:stCondLst>
+                        <p:cond delay="indefinite"/>
+                      </p:stCondLst>
+                      <p:childTnLst>
+                        <p:par>
+                          <p:cTn id="49" fill="hold">
+                            <p:stCondLst>
+                              <p:cond delay="0"/>
+                            </p:stCondLst>
+                            <p:childTnLst>
+                              <p:par>
+                                <p:cTn id="50" presetID="10" presetClass="entr" presetSubtype="0" fill="hold" nodeType="clickEffect">
+                                  <p:stCondLst>
+                                    <p:cond delay="0"/>
+                                  </p:stCondLst>
+                                  <p:childTnLst>
+                                    <p:set>
+                                      <p:cBhvr>
+                                        <p:cTn id="51" dur="1" fill="hold">
+                                          <p:stCondLst>
+                                            <p:cond delay="0"/>
+                                          </p:stCondLst>
+                                        </p:cTn>
+                                        <p:tgtEl>
+                                          <p:spTgt spid="149"/>
+                                        </p:tgtEl>
+                                        <p:attrNameLst>
+                                          <p:attrName>style.visibility</p:attrName>
+                                        </p:attrNameLst>
+                                      </p:cBhvr>
+                                      <p:to>
+                                        <p:strVal val="visible"/>
+                                      </p:to>
+                                    </p:set>
+                                    <p:animEffect transition="in" filter="fade">
+                                      <p:cBhvr>
+                                        <p:cTn id="52" dur="500"/>
+                                        <p:tgtEl>
+                                          <p:spTgt spid="149"/>
+                                        </p:tgtEl>
+                                      </p:cBhvr>
+                                    </p:animEffect>
+                                  </p:childTnLst>
+                                </p:cTn>
+                              </p:par>
+                              <p:par>
+                                <p:cTn id="53" presetID="10" presetClass="entr" presetSubtype="0" fill="hold" grpId="0" nodeType="withEffect">
+                                  <p:stCondLst>
+                                    <p:cond delay="0"/>
+                                  </p:stCondLst>
+                                  <p:childTnLst>
+                                    <p:set>
+                                      <p:cBhvr>
+                                        <p:cTn id="54" dur="1" fill="hold">
+                                          <p:stCondLst>
+                                            <p:cond delay="0"/>
+                                          </p:stCondLst>
+                                        </p:cTn>
+                                        <p:tgtEl>
+                                          <p:spTgt spid="140"/>
+                                        </p:tgtEl>
+                                        <p:attrNameLst>
+                                          <p:attrName>style.visibility</p:attrName>
+                                        </p:attrNameLst>
+                                      </p:cBhvr>
+                                      <p:to>
+                                        <p:strVal val="visible"/>
+                                      </p:to>
+                                    </p:set>
+                                    <p:animEffect transition="in" filter="fade">
+                                      <p:cBhvr>
+                                        <p:cTn id="55" dur="500"/>
+                                        <p:tgtEl>
+                                          <p:spTgt spid="140"/>
+                                        </p:tgtEl>
+                                      </p:cBhvr>
+                                    </p:animEffect>
+                                  </p:childTnLst>
+                                </p:cTn>
+                              </p:par>
+                            </p:childTnLst>
+                          </p:cTn>
+                        </p:par>
+                      </p:childTnLst>
+                    </p:cTn>
+                  </p:par>
+                  <p:par>
+                    <p:cTn id="56" fill="hold">
+                      <p:stCondLst>
+                        <p:cond delay="indefinite"/>
+                      </p:stCondLst>
+                      <p:childTnLst>
+                        <p:par>
+                          <p:cTn id="57" fill="hold">
+                            <p:stCondLst>
+                              <p:cond delay="0"/>
+                            </p:stCondLst>
+                            <p:childTnLst>
+                              <p:par>
+                                <p:cTn id="58" presetID="10" presetClass="entr" presetSubtype="0" fill="hold" nodeType="clickEffect">
+                                  <p:stCondLst>
+                                    <p:cond delay="0"/>
+                                  </p:stCondLst>
+                                  <p:childTnLst>
+                                    <p:set>
+                                      <p:cBhvr>
+                                        <p:cTn id="59" dur="1" fill="hold">
+                                          <p:stCondLst>
+                                            <p:cond delay="0"/>
+                                          </p:stCondLst>
+                                        </p:cTn>
+                                        <p:tgtEl>
+                                          <p:spTgt spid="152"/>
+                                        </p:tgtEl>
+                                        <p:attrNameLst>
+                                          <p:attrName>style.visibility</p:attrName>
+                                        </p:attrNameLst>
+                                      </p:cBhvr>
+                                      <p:to>
+                                        <p:strVal val="visible"/>
+                                      </p:to>
+                                    </p:set>
+                                    <p:animEffect transition="in" filter="fade">
+                                      <p:cBhvr>
+                                        <p:cTn id="60" dur="500"/>
+                                        <p:tgtEl>
+                                          <p:spTgt spid="152"/>
+                                        </p:tgtEl>
+                                      </p:cBhvr>
+                                    </p:animEffect>
+                                  </p:childTnLst>
+                                </p:cTn>
+                              </p:par>
+                              <p:par>
+                                <p:cTn id="61" presetID="10" presetClass="entr" presetSubtype="0" fill="hold" grpId="0" nodeType="withEffect">
+                                  <p:stCondLst>
+                                    <p:cond delay="0"/>
+                                  </p:stCondLst>
+                                  <p:childTnLst>
+                                    <p:set>
+                                      <p:cBhvr>
+                                        <p:cTn id="62" dur="1" fill="hold">
+                                          <p:stCondLst>
+                                            <p:cond delay="0"/>
+                                          </p:stCondLst>
+                                        </p:cTn>
+                                        <p:tgtEl>
+                                          <p:spTgt spid="141"/>
+                                        </p:tgtEl>
+                                        <p:attrNameLst>
+                                          <p:attrName>style.visibility</p:attrName>
+                                        </p:attrNameLst>
+                                      </p:cBhvr>
+                                      <p:to>
+                                        <p:strVal val="visible"/>
+                                      </p:to>
+                                    </p:set>
+                                    <p:animEffect transition="in" filter="fade">
+                                      <p:cBhvr>
+                                        <p:cTn id="63" dur="500"/>
+                                        <p:tgtEl>
+                                          <p:spTgt spid="141"/>
+                                        </p:tgtEl>
+                                      </p:cBhvr>
+                                    </p:animEffect>
+                                  </p:childTnLst>
+                                </p:cTn>
+                              </p:par>
+                            </p:childTnLst>
+                          </p:cTn>
+                        </p:par>
+                      </p:childTnLst>
+                    </p:cTn>
+                  </p:par>
+                  <p:par>
+                    <p:cTn id="64" fill="hold">
+                      <p:stCondLst>
+                        <p:cond delay="indefinite"/>
+                      </p:stCondLst>
+                      <p:childTnLst>
+                        <p:par>
+                          <p:cTn id="65" fill="hold">
+                            <p:stCondLst>
+                              <p:cond delay="0"/>
+                            </p:stCondLst>
+                            <p:childTnLst>
+                              <p:par>
+                                <p:cTn id="66" presetID="10" presetClass="entr" presetSubtype="0" fill="hold" nodeType="clickEffect">
+                                  <p:stCondLst>
+                                    <p:cond delay="0"/>
+                                  </p:stCondLst>
+                                  <p:childTnLst>
+                                    <p:set>
+                                      <p:cBhvr>
+                                        <p:cTn id="67" dur="1" fill="hold">
+                                          <p:stCondLst>
+                                            <p:cond delay="0"/>
+                                          </p:stCondLst>
+                                        </p:cTn>
+                                        <p:tgtEl>
+                                          <p:spTgt spid="155"/>
+                                        </p:tgtEl>
+                                        <p:attrNameLst>
+                                          <p:attrName>style.visibility</p:attrName>
+                                        </p:attrNameLst>
+                                      </p:cBhvr>
+                                      <p:to>
+                                        <p:strVal val="visible"/>
+                                      </p:to>
+                                    </p:set>
+                                    <p:animEffect transition="in" filter="fade">
+                                      <p:cBhvr>
+                                        <p:cTn id="68" dur="500"/>
+                                        <p:tgtEl>
+                                          <p:spTgt spid="155"/>
+                                        </p:tgtEl>
+                                      </p:cBhvr>
+                                    </p:animEffect>
+                                  </p:childTnLst>
+                                </p:cTn>
+                              </p:par>
+                              <p:par>
+                                <p:cTn id="69" presetID="10" presetClass="entr" presetSubtype="0" fill="hold" grpId="0" nodeType="withEffect">
+                                  <p:stCondLst>
+                                    <p:cond delay="0"/>
+                                  </p:stCondLst>
+                                  <p:childTnLst>
+                                    <p:set>
+                                      <p:cBhvr>
+                                        <p:cTn id="70" dur="1" fill="hold">
+                                          <p:stCondLst>
+                                            <p:cond delay="0"/>
+                                          </p:stCondLst>
+                                        </p:cTn>
+                                        <p:tgtEl>
+                                          <p:spTgt spid="142"/>
+                                        </p:tgtEl>
+                                        <p:attrNameLst>
+                                          <p:attrName>style.visibility</p:attrName>
+                                        </p:attrNameLst>
+                                      </p:cBhvr>
+                                      <p:to>
+                                        <p:strVal val="visible"/>
+                                      </p:to>
+                                    </p:set>
+                                    <p:animEffect transition="in" filter="fade">
+                                      <p:cBhvr>
+                                        <p:cTn id="71" dur="500"/>
+                                        <p:tgtEl>
+                                          <p:spTgt spid="142"/>
                                         </p:tgtEl>
                                       </p:cBhvr>
                                     </p:animEffect>
@@ -3986,1974 +4450,15 @@
       </p:par>
     </p:tnLst>
     <p:bldLst>
-      <p:bldP spid="20" grpId="0" animBg="1"/>
-      <p:bldP spid="24" grpId="0" animBg="1"/>
-      <p:bldP spid="25" grpId="0" animBg="1"/>
-    </p:bldLst>
-  </p:timing>
-</p:sld>
-</file>
-
-<file path=ppt/slides/slide2.xml><?xml version="1.0" encoding="utf-8"?>
-<p:sld xmlns:a="http://schemas.openxmlformats.org/drawingml/2006/main" xmlns:r="http://schemas.openxmlformats.org/officeDocument/2006/relationships" xmlns:p="http://schemas.openxmlformats.org/presentationml/2006/main">
-  <p:cSld>
-    <p:spTree>
-      <p:nvGrpSpPr>
-        <p:cNvPr id="1" name=""/>
-        <p:cNvGrpSpPr/>
-        <p:nvPr/>
-      </p:nvGrpSpPr>
-      <p:grpSpPr>
-        <a:xfrm>
-          <a:off x="0" y="0"/>
-          <a:ext cx="0" cy="0"/>
-          <a:chOff x="0" y="0"/>
-          <a:chExt cx="0" cy="0"/>
-        </a:xfrm>
-      </p:grpSpPr>
-      <p:sp>
-        <p:nvSpPr>
-          <p:cNvPr id="23" name="Rounded Rectangle 33">
-            <a:extLst>
-              <a:ext uri="{FF2B5EF4-FFF2-40B4-BE49-F238E27FC236}">
-                <a16:creationId xmlns:a16="http://schemas.microsoft.com/office/drawing/2014/main" id="{8A703092-CCE5-4592-8C86-A0052AF61789}"/>
-              </a:ext>
-            </a:extLst>
-          </p:cNvPr>
-          <p:cNvSpPr/>
-          <p:nvPr/>
-        </p:nvSpPr>
-        <p:spPr>
-          <a:xfrm>
-            <a:off x="2989542" y="137585"/>
-            <a:ext cx="6212916" cy="2201193"/>
-          </a:xfrm>
-          <a:prstGeom prst="roundRect">
-            <a:avLst>
-              <a:gd name="adj" fmla="val 9887"/>
-            </a:avLst>
-          </a:prstGeom>
-          <a:solidFill>
-            <a:schemeClr val="accent1">
-              <a:lumMod val="40000"/>
-              <a:lumOff val="60000"/>
-            </a:schemeClr>
-          </a:solidFill>
-        </p:spPr>
-        <p:style>
-          <a:lnRef idx="2">
-            <a:schemeClr val="accent1">
-              <a:shade val="50000"/>
-            </a:schemeClr>
-          </a:lnRef>
-          <a:fillRef idx="1">
-            <a:schemeClr val="accent1"/>
-          </a:fillRef>
-          <a:effectRef idx="0">
-            <a:schemeClr val="accent1"/>
-          </a:effectRef>
-          <a:fontRef idx="minor">
-            <a:schemeClr val="lt1"/>
-          </a:fontRef>
-        </p:style>
-        <p:txBody>
-          <a:bodyPr rtlCol="0" anchor="ctr"/>
-          <a:lstStyle/>
-          <a:p>
-            <a:pPr algn="ctr"/>
-            <a:r>
-              <a:rPr lang="en-US" b="1" dirty="0">
-                <a:solidFill>
-                  <a:schemeClr val="tx1"/>
-                </a:solidFill>
-              </a:rPr>
-              <a:t>Particle Kinematics</a:t>
-            </a:r>
-          </a:p>
-          <a:p>
-            <a:pPr algn="ctr"/>
-            <a:endParaRPr lang="en-US" b="1" dirty="0">
-              <a:solidFill>
-                <a:schemeClr val="tx1"/>
-              </a:solidFill>
-            </a:endParaRPr>
-          </a:p>
-          <a:p>
-            <a:pPr algn="ctr"/>
-            <a:endParaRPr lang="en-US" b="1" dirty="0">
-              <a:solidFill>
-                <a:schemeClr val="tx1"/>
-              </a:solidFill>
-            </a:endParaRPr>
-          </a:p>
-          <a:p>
-            <a:pPr algn="ctr"/>
-            <a:endParaRPr lang="en-US" b="1" dirty="0">
-              <a:solidFill>
-                <a:schemeClr val="tx1"/>
-              </a:solidFill>
-            </a:endParaRPr>
-          </a:p>
-          <a:p>
-            <a:pPr algn="ctr"/>
-            <a:endParaRPr lang="en-US" b="1" dirty="0">
-              <a:solidFill>
-                <a:schemeClr val="tx1"/>
-              </a:solidFill>
-            </a:endParaRPr>
-          </a:p>
-          <a:p>
-            <a:pPr algn="ctr"/>
-            <a:endParaRPr lang="en-US" dirty="0"/>
-          </a:p>
-        </p:txBody>
-      </p:sp>
-      <p:sp>
-        <p:nvSpPr>
-          <p:cNvPr id="20" name="Rounded Rectangle 90">
-            <a:extLst>
-              <a:ext uri="{FF2B5EF4-FFF2-40B4-BE49-F238E27FC236}">
-                <a16:creationId xmlns:a16="http://schemas.microsoft.com/office/drawing/2014/main" id="{0C175DE8-C900-4691-87BD-F4EBC57B14F1}"/>
-              </a:ext>
-            </a:extLst>
-          </p:cNvPr>
-          <p:cNvSpPr/>
-          <p:nvPr/>
-        </p:nvSpPr>
-        <p:spPr>
-          <a:xfrm>
-            <a:off x="3210630" y="1100030"/>
-            <a:ext cx="1554480" cy="914400"/>
-          </a:xfrm>
-          <a:prstGeom prst="roundRect">
-            <a:avLst/>
-          </a:prstGeom>
-        </p:spPr>
-        <p:style>
-          <a:lnRef idx="2">
-            <a:schemeClr val="accent1">
-              <a:shade val="50000"/>
-            </a:schemeClr>
-          </a:lnRef>
-          <a:fillRef idx="1">
-            <a:schemeClr val="accent1"/>
-          </a:fillRef>
-          <a:effectRef idx="0">
-            <a:schemeClr val="accent1"/>
-          </a:effectRef>
-          <a:fontRef idx="minor">
-            <a:schemeClr val="lt1"/>
-          </a:fontRef>
-        </p:style>
-        <p:txBody>
-          <a:bodyPr rtlCol="0" anchor="ctr"/>
-          <a:lstStyle/>
-          <a:p>
-            <a:pPr algn="ctr"/>
-            <a:r>
-              <a:rPr lang="en-US" dirty="0"/>
-              <a:t>Position</a:t>
-            </a:r>
-          </a:p>
-        </p:txBody>
-      </p:sp>
-      <p:sp>
-        <p:nvSpPr>
-          <p:cNvPr id="24" name="Rounded Rectangle 90">
-            <a:extLst>
-              <a:ext uri="{FF2B5EF4-FFF2-40B4-BE49-F238E27FC236}">
-                <a16:creationId xmlns:a16="http://schemas.microsoft.com/office/drawing/2014/main" id="{D48CAA2C-DBDE-4071-8BDC-9A40CCADF5CB}"/>
-              </a:ext>
-            </a:extLst>
-          </p:cNvPr>
-          <p:cNvSpPr/>
-          <p:nvPr/>
-        </p:nvSpPr>
-        <p:spPr>
-          <a:xfrm>
-            <a:off x="5318760" y="1100030"/>
-            <a:ext cx="1554480" cy="914400"/>
-          </a:xfrm>
-          <a:prstGeom prst="roundRect">
-            <a:avLst/>
-          </a:prstGeom>
-        </p:spPr>
-        <p:style>
-          <a:lnRef idx="2">
-            <a:schemeClr val="accent1">
-              <a:shade val="50000"/>
-            </a:schemeClr>
-          </a:lnRef>
-          <a:fillRef idx="1">
-            <a:schemeClr val="accent1"/>
-          </a:fillRef>
-          <a:effectRef idx="0">
-            <a:schemeClr val="accent1"/>
-          </a:effectRef>
-          <a:fontRef idx="minor">
-            <a:schemeClr val="lt1"/>
-          </a:fontRef>
-        </p:style>
-        <p:txBody>
-          <a:bodyPr rtlCol="0" anchor="ctr"/>
-          <a:lstStyle/>
-          <a:p>
-            <a:pPr algn="ctr"/>
-            <a:r>
-              <a:rPr lang="en-US" dirty="0"/>
-              <a:t>Velocity</a:t>
-            </a:r>
-          </a:p>
-        </p:txBody>
-      </p:sp>
-      <p:sp>
-        <p:nvSpPr>
-          <p:cNvPr id="25" name="Rounded Rectangle 90">
-            <a:extLst>
-              <a:ext uri="{FF2B5EF4-FFF2-40B4-BE49-F238E27FC236}">
-                <a16:creationId xmlns:a16="http://schemas.microsoft.com/office/drawing/2014/main" id="{F5F3B7AD-5434-4D87-AD82-0310621457A5}"/>
-              </a:ext>
-            </a:extLst>
-          </p:cNvPr>
-          <p:cNvSpPr/>
-          <p:nvPr/>
-        </p:nvSpPr>
-        <p:spPr>
-          <a:xfrm>
-            <a:off x="7432935" y="1100030"/>
-            <a:ext cx="1554480" cy="914400"/>
-          </a:xfrm>
-          <a:prstGeom prst="roundRect">
-            <a:avLst/>
-          </a:prstGeom>
-        </p:spPr>
-        <p:style>
-          <a:lnRef idx="2">
-            <a:schemeClr val="accent1">
-              <a:shade val="50000"/>
-            </a:schemeClr>
-          </a:lnRef>
-          <a:fillRef idx="1">
-            <a:schemeClr val="accent1"/>
-          </a:fillRef>
-          <a:effectRef idx="0">
-            <a:schemeClr val="accent1"/>
-          </a:effectRef>
-          <a:fontRef idx="minor">
-            <a:schemeClr val="lt1"/>
-          </a:fontRef>
-        </p:style>
-        <p:txBody>
-          <a:bodyPr rtlCol="0" anchor="ctr"/>
-          <a:lstStyle/>
-          <a:p>
-            <a:pPr algn="ctr"/>
-            <a:r>
-              <a:rPr lang="en-US" dirty="0"/>
-              <a:t>Acceleration</a:t>
-            </a:r>
-          </a:p>
-        </p:txBody>
-      </p:sp>
-      <p:cxnSp>
-        <p:nvCxnSpPr>
-          <p:cNvPr id="16" name="Straight Arrow Connector 15">
-            <a:extLst>
-              <a:ext uri="{FF2B5EF4-FFF2-40B4-BE49-F238E27FC236}">
-                <a16:creationId xmlns:a16="http://schemas.microsoft.com/office/drawing/2014/main" id="{ACDE72E4-26F8-4F62-864F-620085505862}"/>
-              </a:ext>
-            </a:extLst>
-          </p:cNvPr>
-          <p:cNvCxnSpPr>
-            <a:cxnSpLocks/>
-            <a:stCxn id="24" idx="1"/>
-            <a:endCxn id="20" idx="3"/>
-          </p:cNvCxnSpPr>
-          <p:nvPr/>
-        </p:nvCxnSpPr>
-        <p:spPr>
-          <a:xfrm flipH="1">
-            <a:off x="4765110" y="1557230"/>
-            <a:ext cx="553650" cy="0"/>
-          </a:xfrm>
-          <a:prstGeom prst="straightConnector1">
-            <a:avLst/>
-          </a:prstGeom>
-          <a:ln w="38100">
-            <a:headEnd type="triangle" w="med" len="med"/>
-            <a:tailEnd type="triangle" w="med" len="med"/>
-          </a:ln>
-        </p:spPr>
-        <p:style>
-          <a:lnRef idx="3">
-            <a:schemeClr val="dk1"/>
-          </a:lnRef>
-          <a:fillRef idx="0">
-            <a:schemeClr val="dk1"/>
-          </a:fillRef>
-          <a:effectRef idx="2">
-            <a:schemeClr val="dk1"/>
-          </a:effectRef>
-          <a:fontRef idx="minor">
-            <a:schemeClr val="tx1"/>
-          </a:fontRef>
-        </p:style>
-      </p:cxnSp>
-      <p:cxnSp>
-        <p:nvCxnSpPr>
-          <p:cNvPr id="34" name="Straight Arrow Connector 33">
-            <a:extLst>
-              <a:ext uri="{FF2B5EF4-FFF2-40B4-BE49-F238E27FC236}">
-                <a16:creationId xmlns:a16="http://schemas.microsoft.com/office/drawing/2014/main" id="{81D112D1-E86C-4B58-8B09-B6AAAFFDAA88}"/>
-              </a:ext>
-            </a:extLst>
-          </p:cNvPr>
-          <p:cNvCxnSpPr>
-            <a:cxnSpLocks/>
-            <a:stCxn id="24" idx="3"/>
-            <a:endCxn id="25" idx="1"/>
-          </p:cNvCxnSpPr>
-          <p:nvPr/>
-        </p:nvCxnSpPr>
-        <p:spPr>
-          <a:xfrm>
-            <a:off x="6873240" y="1557230"/>
-            <a:ext cx="559695" cy="0"/>
-          </a:xfrm>
-          <a:prstGeom prst="straightConnector1">
-            <a:avLst/>
-          </a:prstGeom>
-          <a:ln w="38100">
-            <a:headEnd type="triangle" w="med" len="med"/>
-            <a:tailEnd type="triangle" w="med" len="med"/>
-          </a:ln>
-        </p:spPr>
-        <p:style>
-          <a:lnRef idx="3">
-            <a:schemeClr val="dk1"/>
-          </a:lnRef>
-          <a:fillRef idx="0">
-            <a:schemeClr val="dk1"/>
-          </a:fillRef>
-          <a:effectRef idx="2">
-            <a:schemeClr val="dk1"/>
-          </a:effectRef>
-          <a:fontRef idx="minor">
-            <a:schemeClr val="tx1"/>
-          </a:fontRef>
-        </p:style>
-      </p:cxnSp>
-      <p:sp>
-        <p:nvSpPr>
-          <p:cNvPr id="18" name="Rounded Rectangle 33">
-            <a:extLst>
-              <a:ext uri="{FF2B5EF4-FFF2-40B4-BE49-F238E27FC236}">
-                <a16:creationId xmlns:a16="http://schemas.microsoft.com/office/drawing/2014/main" id="{D66CE481-B396-4A2B-A59C-FF97282BE6C7}"/>
-              </a:ext>
-            </a:extLst>
-          </p:cNvPr>
-          <p:cNvSpPr/>
-          <p:nvPr/>
-        </p:nvSpPr>
-        <p:spPr>
-          <a:xfrm>
-            <a:off x="158987" y="139591"/>
-            <a:ext cx="11874025" cy="6582832"/>
-          </a:xfrm>
-          <a:prstGeom prst="roundRect">
-            <a:avLst>
-              <a:gd name="adj" fmla="val 9887"/>
-            </a:avLst>
-          </a:prstGeom>
-          <a:solidFill>
-            <a:srgbClr val="BDD7EE"/>
-          </a:solidFill>
-        </p:spPr>
-        <p:style>
-          <a:lnRef idx="2">
-            <a:schemeClr val="accent1">
-              <a:shade val="50000"/>
-            </a:schemeClr>
-          </a:lnRef>
-          <a:fillRef idx="1">
-            <a:schemeClr val="accent1"/>
-          </a:fillRef>
-          <a:effectRef idx="0">
-            <a:schemeClr val="accent1"/>
-          </a:effectRef>
-          <a:fontRef idx="minor">
-            <a:schemeClr val="lt1"/>
-          </a:fontRef>
-        </p:style>
-        <p:txBody>
-          <a:bodyPr rtlCol="0" anchor="ctr"/>
-          <a:lstStyle/>
-          <a:p>
-            <a:pPr algn="ctr"/>
-            <a:r>
-              <a:rPr lang="en-US" b="1" dirty="0">
-                <a:solidFill>
-                  <a:schemeClr val="tx1"/>
-                </a:solidFill>
-              </a:rPr>
-              <a:t>Particle Kinematics</a:t>
-            </a:r>
-          </a:p>
-          <a:p>
-            <a:pPr algn="ctr"/>
-            <a:endParaRPr lang="en-US" b="1" dirty="0">
-              <a:solidFill>
-                <a:schemeClr val="tx1"/>
-              </a:solidFill>
-            </a:endParaRPr>
-          </a:p>
-          <a:p>
-            <a:pPr algn="ctr"/>
-            <a:endParaRPr lang="en-US" b="1" dirty="0">
-              <a:solidFill>
-                <a:schemeClr val="tx1"/>
-              </a:solidFill>
-            </a:endParaRPr>
-          </a:p>
-          <a:p>
-            <a:pPr algn="ctr"/>
-            <a:endParaRPr lang="en-US" b="1" dirty="0">
-              <a:solidFill>
-                <a:schemeClr val="tx1"/>
-              </a:solidFill>
-            </a:endParaRPr>
-          </a:p>
-          <a:p>
-            <a:pPr algn="ctr"/>
-            <a:endParaRPr lang="en-US" b="1" dirty="0">
-              <a:solidFill>
-                <a:schemeClr val="tx1"/>
-              </a:solidFill>
-            </a:endParaRPr>
-          </a:p>
-          <a:p>
-            <a:pPr algn="ctr"/>
-            <a:endParaRPr lang="en-US" b="1" dirty="0">
-              <a:solidFill>
-                <a:schemeClr val="tx1"/>
-              </a:solidFill>
-            </a:endParaRPr>
-          </a:p>
-          <a:p>
-            <a:pPr algn="ctr"/>
-            <a:endParaRPr lang="en-US" b="1" dirty="0">
-              <a:solidFill>
-                <a:schemeClr val="tx1"/>
-              </a:solidFill>
-            </a:endParaRPr>
-          </a:p>
-          <a:p>
-            <a:pPr algn="ctr"/>
-            <a:endParaRPr lang="en-US" b="1" dirty="0">
-              <a:solidFill>
-                <a:schemeClr val="tx1"/>
-              </a:solidFill>
-            </a:endParaRPr>
-          </a:p>
-          <a:p>
-            <a:pPr algn="ctr"/>
-            <a:endParaRPr lang="en-US" b="1" dirty="0">
-              <a:solidFill>
-                <a:schemeClr val="tx1"/>
-              </a:solidFill>
-            </a:endParaRPr>
-          </a:p>
-          <a:p>
-            <a:pPr algn="ctr"/>
-            <a:endParaRPr lang="en-US" b="1" dirty="0">
-              <a:solidFill>
-                <a:schemeClr val="tx1"/>
-              </a:solidFill>
-            </a:endParaRPr>
-          </a:p>
-          <a:p>
-            <a:pPr algn="ctr"/>
-            <a:endParaRPr lang="en-US" b="1" dirty="0">
-              <a:solidFill>
-                <a:schemeClr val="tx1"/>
-              </a:solidFill>
-            </a:endParaRPr>
-          </a:p>
-          <a:p>
-            <a:pPr algn="ctr"/>
-            <a:endParaRPr lang="en-US" b="1" dirty="0">
-              <a:solidFill>
-                <a:schemeClr val="tx1"/>
-              </a:solidFill>
-            </a:endParaRPr>
-          </a:p>
-          <a:p>
-            <a:pPr algn="ctr"/>
-            <a:endParaRPr lang="en-US" b="1" dirty="0">
-              <a:solidFill>
-                <a:schemeClr val="tx1"/>
-              </a:solidFill>
-            </a:endParaRPr>
-          </a:p>
-          <a:p>
-            <a:pPr algn="ctr"/>
-            <a:endParaRPr lang="en-US" b="1" dirty="0">
-              <a:solidFill>
-                <a:schemeClr val="tx1"/>
-              </a:solidFill>
-            </a:endParaRPr>
-          </a:p>
-          <a:p>
-            <a:pPr algn="ctr"/>
-            <a:endParaRPr lang="en-US" b="1" dirty="0">
-              <a:solidFill>
-                <a:schemeClr val="tx1"/>
-              </a:solidFill>
-            </a:endParaRPr>
-          </a:p>
-          <a:p>
-            <a:pPr algn="ctr"/>
-            <a:endParaRPr lang="en-US" b="1" dirty="0">
-              <a:solidFill>
-                <a:schemeClr val="tx1"/>
-              </a:solidFill>
-            </a:endParaRPr>
-          </a:p>
-          <a:p>
-            <a:pPr algn="ctr"/>
-            <a:endParaRPr lang="en-US" b="1" dirty="0">
-              <a:solidFill>
-                <a:schemeClr val="tx1"/>
-              </a:solidFill>
-            </a:endParaRPr>
-          </a:p>
-          <a:p>
-            <a:pPr algn="ctr"/>
-            <a:endParaRPr lang="en-US" b="1" dirty="0">
-              <a:solidFill>
-                <a:schemeClr val="tx1"/>
-              </a:solidFill>
-            </a:endParaRPr>
-          </a:p>
-          <a:p>
-            <a:pPr algn="ctr"/>
-            <a:endParaRPr lang="en-US" b="1" dirty="0">
-              <a:solidFill>
-                <a:schemeClr val="tx1"/>
-              </a:solidFill>
-            </a:endParaRPr>
-          </a:p>
-          <a:p>
-            <a:pPr algn="ctr"/>
-            <a:endParaRPr lang="en-US" b="1" dirty="0">
-              <a:solidFill>
-                <a:schemeClr val="tx1"/>
-              </a:solidFill>
-            </a:endParaRPr>
-          </a:p>
-          <a:p>
-            <a:pPr algn="ctr"/>
-            <a:endParaRPr lang="en-US" b="1" dirty="0">
-              <a:solidFill>
-                <a:schemeClr val="tx1"/>
-              </a:solidFill>
-            </a:endParaRPr>
-          </a:p>
-          <a:p>
-            <a:pPr algn="ctr"/>
-            <a:endParaRPr lang="en-US" dirty="0"/>
-          </a:p>
-        </p:txBody>
-      </p:sp>
-      <p:sp>
-        <p:nvSpPr>
-          <p:cNvPr id="26" name="Rounded Rectangle 90">
-            <a:extLst>
-              <a:ext uri="{FF2B5EF4-FFF2-40B4-BE49-F238E27FC236}">
-                <a16:creationId xmlns:a16="http://schemas.microsoft.com/office/drawing/2014/main" id="{EA04B0C0-BD73-41A2-B175-694001BDA1CD}"/>
-              </a:ext>
-            </a:extLst>
-          </p:cNvPr>
-          <p:cNvSpPr/>
-          <p:nvPr/>
-        </p:nvSpPr>
-        <p:spPr>
-          <a:xfrm>
-            <a:off x="3204930" y="1075957"/>
-            <a:ext cx="2011680" cy="1097280"/>
-          </a:xfrm>
-          <a:prstGeom prst="roundRect">
-            <a:avLst/>
-          </a:prstGeom>
-        </p:spPr>
-        <p:style>
-          <a:lnRef idx="2">
-            <a:schemeClr val="accent1">
-              <a:shade val="50000"/>
-            </a:schemeClr>
-          </a:lnRef>
-          <a:fillRef idx="1">
-            <a:schemeClr val="accent1"/>
-          </a:fillRef>
-          <a:effectRef idx="0">
-            <a:schemeClr val="accent1"/>
-          </a:effectRef>
-          <a:fontRef idx="minor">
-            <a:schemeClr val="lt1"/>
-          </a:fontRef>
-        </p:style>
-        <p:txBody>
-          <a:bodyPr rtlCol="0" anchor="ctr"/>
-          <a:lstStyle/>
-          <a:p>
-            <a:pPr algn="ctr"/>
-            <a:r>
-              <a:rPr lang="en-US" dirty="0"/>
-              <a:t>One Dimensional Continuous Motion</a:t>
-            </a:r>
-          </a:p>
-        </p:txBody>
-      </p:sp>
-      <p:sp>
-        <p:nvSpPr>
-          <p:cNvPr id="27" name="Rounded Rectangle 90">
-            <a:extLst>
-              <a:ext uri="{FF2B5EF4-FFF2-40B4-BE49-F238E27FC236}">
-                <a16:creationId xmlns:a16="http://schemas.microsoft.com/office/drawing/2014/main" id="{4C693E65-961C-4128-B8CB-1B251226449E}"/>
-              </a:ext>
-            </a:extLst>
-          </p:cNvPr>
-          <p:cNvSpPr/>
-          <p:nvPr/>
-        </p:nvSpPr>
-        <p:spPr>
-          <a:xfrm>
-            <a:off x="1659596" y="2548210"/>
-            <a:ext cx="2011680" cy="1097280"/>
-          </a:xfrm>
-          <a:prstGeom prst="roundRect">
-            <a:avLst/>
-          </a:prstGeom>
-        </p:spPr>
-        <p:style>
-          <a:lnRef idx="2">
-            <a:schemeClr val="accent1">
-              <a:shade val="50000"/>
-            </a:schemeClr>
-          </a:lnRef>
-          <a:fillRef idx="1">
-            <a:schemeClr val="accent1"/>
-          </a:fillRef>
-          <a:effectRef idx="0">
-            <a:schemeClr val="accent1"/>
-          </a:effectRef>
-          <a:fontRef idx="minor">
-            <a:schemeClr val="lt1"/>
-          </a:fontRef>
-        </p:style>
-        <p:txBody>
-          <a:bodyPr rtlCol="0" anchor="ctr"/>
-          <a:lstStyle/>
-          <a:p>
-            <a:pPr algn="ctr"/>
-            <a:r>
-              <a:rPr lang="en-US" dirty="0"/>
-              <a:t>One Dimensional Non-Continuous Motion</a:t>
-            </a:r>
-          </a:p>
-        </p:txBody>
-      </p:sp>
-      <p:sp>
-        <p:nvSpPr>
-          <p:cNvPr id="45" name="Rounded Rectangle 33">
-            <a:extLst>
-              <a:ext uri="{FF2B5EF4-FFF2-40B4-BE49-F238E27FC236}">
-                <a16:creationId xmlns:a16="http://schemas.microsoft.com/office/drawing/2014/main" id="{28E799CA-BC22-480B-AF85-48543B8D46CC}"/>
-              </a:ext>
-            </a:extLst>
-          </p:cNvPr>
-          <p:cNvSpPr/>
-          <p:nvPr/>
-        </p:nvSpPr>
-        <p:spPr>
-          <a:xfrm>
-            <a:off x="465084" y="4060335"/>
-            <a:ext cx="7491372" cy="2035241"/>
-          </a:xfrm>
-          <a:prstGeom prst="roundRect">
-            <a:avLst>
-              <a:gd name="adj" fmla="val 9887"/>
-            </a:avLst>
-          </a:prstGeom>
-          <a:solidFill>
-            <a:srgbClr val="BDD7EE"/>
-          </a:solidFill>
-        </p:spPr>
-        <p:style>
-          <a:lnRef idx="2">
-            <a:schemeClr val="accent1">
-              <a:shade val="50000"/>
-            </a:schemeClr>
-          </a:lnRef>
-          <a:fillRef idx="1">
-            <a:schemeClr val="accent1"/>
-          </a:fillRef>
-          <a:effectRef idx="0">
-            <a:schemeClr val="accent1"/>
-          </a:effectRef>
-          <a:fontRef idx="minor">
-            <a:schemeClr val="lt1"/>
-          </a:fontRef>
-        </p:style>
-        <p:txBody>
-          <a:bodyPr rtlCol="0" anchor="ctr"/>
-          <a:lstStyle/>
-          <a:p>
-            <a:pPr algn="ctr"/>
-            <a:r>
-              <a:rPr lang="en-US" b="1" dirty="0">
-                <a:solidFill>
-                  <a:schemeClr val="tx1"/>
-                </a:solidFill>
-              </a:rPr>
-              <a:t>Two Dimensional Continuous Motion in…</a:t>
-            </a:r>
-          </a:p>
-          <a:p>
-            <a:pPr algn="ctr"/>
-            <a:endParaRPr lang="en-US" b="1" dirty="0">
-              <a:solidFill>
-                <a:schemeClr val="tx1"/>
-              </a:solidFill>
-            </a:endParaRPr>
-          </a:p>
-          <a:p>
-            <a:pPr algn="ctr"/>
-            <a:endParaRPr lang="en-US" b="1" dirty="0">
-              <a:solidFill>
-                <a:schemeClr val="tx1"/>
-              </a:solidFill>
-            </a:endParaRPr>
-          </a:p>
-          <a:p>
-            <a:pPr algn="ctr"/>
-            <a:endParaRPr lang="en-US" b="1" dirty="0">
-              <a:solidFill>
-                <a:schemeClr val="tx1"/>
-              </a:solidFill>
-            </a:endParaRPr>
-          </a:p>
-          <a:p>
-            <a:pPr algn="ctr"/>
-            <a:endParaRPr lang="en-US" b="1" dirty="0">
-              <a:solidFill>
-                <a:schemeClr val="tx1"/>
-              </a:solidFill>
-            </a:endParaRPr>
-          </a:p>
-          <a:p>
-            <a:pPr algn="ctr"/>
-            <a:endParaRPr lang="en-US" dirty="0"/>
-          </a:p>
-        </p:txBody>
-      </p:sp>
-      <p:sp>
-        <p:nvSpPr>
-          <p:cNvPr id="29" name="Rounded Rectangle 90">
-            <a:extLst>
-              <a:ext uri="{FF2B5EF4-FFF2-40B4-BE49-F238E27FC236}">
-                <a16:creationId xmlns:a16="http://schemas.microsoft.com/office/drawing/2014/main" id="{26FD051D-FA69-4F75-BC71-A2072AE26EFD}"/>
-              </a:ext>
-            </a:extLst>
-          </p:cNvPr>
-          <p:cNvSpPr/>
-          <p:nvPr/>
-        </p:nvSpPr>
-        <p:spPr>
-          <a:xfrm>
-            <a:off x="749628" y="4688553"/>
-            <a:ext cx="2011680" cy="1097280"/>
-          </a:xfrm>
-          <a:prstGeom prst="roundRect">
-            <a:avLst/>
-          </a:prstGeom>
-        </p:spPr>
-        <p:style>
-          <a:lnRef idx="2">
-            <a:schemeClr val="accent1">
-              <a:shade val="50000"/>
-            </a:schemeClr>
-          </a:lnRef>
-          <a:fillRef idx="1">
-            <a:schemeClr val="accent1"/>
-          </a:fillRef>
-          <a:effectRef idx="0">
-            <a:schemeClr val="accent1"/>
-          </a:effectRef>
-          <a:fontRef idx="minor">
-            <a:schemeClr val="lt1"/>
-          </a:fontRef>
-        </p:style>
-        <p:txBody>
-          <a:bodyPr rtlCol="0" anchor="ctr"/>
-          <a:lstStyle/>
-          <a:p>
-            <a:pPr algn="ctr"/>
-            <a:r>
-              <a:rPr lang="en-US" dirty="0"/>
-              <a:t>Rectangular Coordinates</a:t>
-            </a:r>
-          </a:p>
-        </p:txBody>
-      </p:sp>
-      <p:sp>
-        <p:nvSpPr>
-          <p:cNvPr id="30" name="Rounded Rectangle 90">
-            <a:extLst>
-              <a:ext uri="{FF2B5EF4-FFF2-40B4-BE49-F238E27FC236}">
-                <a16:creationId xmlns:a16="http://schemas.microsoft.com/office/drawing/2014/main" id="{9BB97848-750B-43D4-9CEB-1149787957AE}"/>
-              </a:ext>
-            </a:extLst>
-          </p:cNvPr>
-          <p:cNvSpPr/>
-          <p:nvPr/>
-        </p:nvSpPr>
-        <p:spPr>
-          <a:xfrm>
-            <a:off x="3177367" y="4688553"/>
-            <a:ext cx="2011680" cy="1097280"/>
-          </a:xfrm>
-          <a:prstGeom prst="roundRect">
-            <a:avLst/>
-          </a:prstGeom>
-        </p:spPr>
-        <p:style>
-          <a:lnRef idx="2">
-            <a:schemeClr val="accent1">
-              <a:shade val="50000"/>
-            </a:schemeClr>
-          </a:lnRef>
-          <a:fillRef idx="1">
-            <a:schemeClr val="accent1"/>
-          </a:fillRef>
-          <a:effectRef idx="0">
-            <a:schemeClr val="accent1"/>
-          </a:effectRef>
-          <a:fontRef idx="minor">
-            <a:schemeClr val="lt1"/>
-          </a:fontRef>
-        </p:style>
-        <p:txBody>
-          <a:bodyPr rtlCol="0" anchor="ctr"/>
-          <a:lstStyle/>
-          <a:p>
-            <a:pPr algn="ctr"/>
-            <a:r>
-              <a:rPr lang="en-US" dirty="0"/>
-              <a:t>Normal-Tangential Coordinates</a:t>
-            </a:r>
-          </a:p>
-        </p:txBody>
-      </p:sp>
-      <p:sp>
-        <p:nvSpPr>
-          <p:cNvPr id="31" name="Rounded Rectangle 90">
-            <a:extLst>
-              <a:ext uri="{FF2B5EF4-FFF2-40B4-BE49-F238E27FC236}">
-                <a16:creationId xmlns:a16="http://schemas.microsoft.com/office/drawing/2014/main" id="{087E527E-F649-4A54-B0F6-85516FEF4331}"/>
-              </a:ext>
-            </a:extLst>
-          </p:cNvPr>
-          <p:cNvSpPr/>
-          <p:nvPr/>
-        </p:nvSpPr>
-        <p:spPr>
-          <a:xfrm>
-            <a:off x="5605106" y="4690840"/>
-            <a:ext cx="2011680" cy="1097280"/>
-          </a:xfrm>
-          <a:prstGeom prst="roundRect">
-            <a:avLst/>
-          </a:prstGeom>
-        </p:spPr>
-        <p:style>
-          <a:lnRef idx="2">
-            <a:schemeClr val="accent1">
-              <a:shade val="50000"/>
-            </a:schemeClr>
-          </a:lnRef>
-          <a:fillRef idx="1">
-            <a:schemeClr val="accent1"/>
-          </a:fillRef>
-          <a:effectRef idx="0">
-            <a:schemeClr val="accent1"/>
-          </a:effectRef>
-          <a:fontRef idx="minor">
-            <a:schemeClr val="lt1"/>
-          </a:fontRef>
-        </p:style>
-        <p:txBody>
-          <a:bodyPr rtlCol="0" anchor="ctr"/>
-          <a:lstStyle/>
-          <a:p>
-            <a:pPr algn="ctr"/>
-            <a:r>
-              <a:rPr lang="en-US" dirty="0"/>
-              <a:t>Polar Coordinates</a:t>
-            </a:r>
-          </a:p>
-        </p:txBody>
-      </p:sp>
-      <p:sp>
-        <p:nvSpPr>
-          <p:cNvPr id="32" name="Rounded Rectangle 90">
-            <a:extLst>
-              <a:ext uri="{FF2B5EF4-FFF2-40B4-BE49-F238E27FC236}">
-                <a16:creationId xmlns:a16="http://schemas.microsoft.com/office/drawing/2014/main" id="{9033BE42-4666-49F5-AC93-24A79245E8F2}"/>
-              </a:ext>
-            </a:extLst>
-          </p:cNvPr>
-          <p:cNvSpPr/>
-          <p:nvPr/>
-        </p:nvSpPr>
-        <p:spPr>
-          <a:xfrm>
-            <a:off x="9196439" y="3644749"/>
-            <a:ext cx="2011680" cy="1097280"/>
-          </a:xfrm>
-          <a:prstGeom prst="roundRect">
-            <a:avLst/>
-          </a:prstGeom>
-        </p:spPr>
-        <p:style>
-          <a:lnRef idx="2">
-            <a:schemeClr val="accent1">
-              <a:shade val="50000"/>
-            </a:schemeClr>
-          </a:lnRef>
-          <a:fillRef idx="1">
-            <a:schemeClr val="accent1"/>
-          </a:fillRef>
-          <a:effectRef idx="0">
-            <a:schemeClr val="accent1"/>
-          </a:effectRef>
-          <a:fontRef idx="minor">
-            <a:schemeClr val="lt1"/>
-          </a:fontRef>
-        </p:style>
-        <p:txBody>
-          <a:bodyPr rtlCol="0" anchor="ctr"/>
-          <a:lstStyle/>
-          <a:p>
-            <a:pPr algn="ctr"/>
-            <a:r>
-              <a:rPr lang="en-US" dirty="0"/>
-              <a:t>Relative Motion</a:t>
-            </a:r>
-          </a:p>
-        </p:txBody>
-      </p:sp>
-      <p:sp>
-        <p:nvSpPr>
-          <p:cNvPr id="33" name="Rounded Rectangle 90">
-            <a:extLst>
-              <a:ext uri="{FF2B5EF4-FFF2-40B4-BE49-F238E27FC236}">
-                <a16:creationId xmlns:a16="http://schemas.microsoft.com/office/drawing/2014/main" id="{7ADF989F-1023-48B0-90C1-B46EC953B355}"/>
-              </a:ext>
-            </a:extLst>
-          </p:cNvPr>
-          <p:cNvSpPr/>
-          <p:nvPr/>
-        </p:nvSpPr>
-        <p:spPr>
-          <a:xfrm>
-            <a:off x="9196439" y="2211543"/>
-            <a:ext cx="2011680" cy="1097280"/>
-          </a:xfrm>
-          <a:prstGeom prst="roundRect">
-            <a:avLst/>
-          </a:prstGeom>
-        </p:spPr>
-        <p:style>
-          <a:lnRef idx="2">
-            <a:schemeClr val="accent1">
-              <a:shade val="50000"/>
-            </a:schemeClr>
-          </a:lnRef>
-          <a:fillRef idx="1">
-            <a:schemeClr val="accent1"/>
-          </a:fillRef>
-          <a:effectRef idx="0">
-            <a:schemeClr val="accent1"/>
-          </a:effectRef>
-          <a:fontRef idx="minor">
-            <a:schemeClr val="lt1"/>
-          </a:fontRef>
-        </p:style>
-        <p:txBody>
-          <a:bodyPr rtlCol="0" anchor="ctr"/>
-          <a:lstStyle/>
-          <a:p>
-            <a:pPr algn="ctr"/>
-            <a:r>
-              <a:rPr lang="en-US" dirty="0"/>
-              <a:t>Dependent Motion</a:t>
-            </a:r>
-          </a:p>
-        </p:txBody>
-      </p:sp>
-      <p:cxnSp>
-        <p:nvCxnSpPr>
-          <p:cNvPr id="19" name="Straight Arrow Connector 18">
-            <a:extLst>
-              <a:ext uri="{FF2B5EF4-FFF2-40B4-BE49-F238E27FC236}">
-                <a16:creationId xmlns:a16="http://schemas.microsoft.com/office/drawing/2014/main" id="{78417C88-F882-4D42-91F5-89BAAB67A2D3}"/>
-              </a:ext>
-            </a:extLst>
-          </p:cNvPr>
-          <p:cNvCxnSpPr>
-            <a:cxnSpLocks/>
-            <a:stCxn id="26" idx="2"/>
-            <a:endCxn id="27" idx="0"/>
-          </p:cNvCxnSpPr>
-          <p:nvPr/>
-        </p:nvCxnSpPr>
-        <p:spPr>
-          <a:xfrm flipH="1">
-            <a:off x="2665436" y="2173237"/>
-            <a:ext cx="1545334" cy="374973"/>
-          </a:xfrm>
-          <a:prstGeom prst="straightConnector1">
-            <a:avLst/>
-          </a:prstGeom>
-          <a:ln w="38100">
-            <a:tailEnd type="triangle"/>
-          </a:ln>
-        </p:spPr>
-        <p:style>
-          <a:lnRef idx="3">
-            <a:schemeClr val="dk1"/>
-          </a:lnRef>
-          <a:fillRef idx="0">
-            <a:schemeClr val="dk1"/>
-          </a:fillRef>
-          <a:effectRef idx="2">
-            <a:schemeClr val="dk1"/>
-          </a:effectRef>
-          <a:fontRef idx="minor">
-            <a:schemeClr val="tx1"/>
-          </a:fontRef>
-        </p:style>
-      </p:cxnSp>
-      <p:cxnSp>
-        <p:nvCxnSpPr>
-          <p:cNvPr id="35" name="Straight Arrow Connector 34">
-            <a:extLst>
-              <a:ext uri="{FF2B5EF4-FFF2-40B4-BE49-F238E27FC236}">
-                <a16:creationId xmlns:a16="http://schemas.microsoft.com/office/drawing/2014/main" id="{6C453100-B0A1-44DF-B2A2-F27CA39E1F6A}"/>
-              </a:ext>
-            </a:extLst>
-          </p:cNvPr>
-          <p:cNvCxnSpPr>
-            <a:cxnSpLocks/>
-            <a:stCxn id="26" idx="2"/>
-            <a:endCxn id="45" idx="0"/>
-          </p:cNvCxnSpPr>
-          <p:nvPr/>
-        </p:nvCxnSpPr>
-        <p:spPr>
-          <a:xfrm>
-            <a:off x="4210770" y="2173237"/>
-            <a:ext cx="0" cy="1887098"/>
-          </a:xfrm>
-          <a:prstGeom prst="straightConnector1">
-            <a:avLst/>
-          </a:prstGeom>
-          <a:ln w="38100">
-            <a:tailEnd type="triangle"/>
-          </a:ln>
-        </p:spPr>
-        <p:style>
-          <a:lnRef idx="3">
-            <a:schemeClr val="dk1"/>
-          </a:lnRef>
-          <a:fillRef idx="0">
-            <a:schemeClr val="dk1"/>
-          </a:fillRef>
-          <a:effectRef idx="2">
-            <a:schemeClr val="dk1"/>
-          </a:effectRef>
-          <a:fontRef idx="minor">
-            <a:schemeClr val="tx1"/>
-          </a:fontRef>
-        </p:style>
-      </p:cxnSp>
-      <p:cxnSp>
-        <p:nvCxnSpPr>
-          <p:cNvPr id="68" name="Connector: Elbow 67">
-            <a:extLst>
-              <a:ext uri="{FF2B5EF4-FFF2-40B4-BE49-F238E27FC236}">
-                <a16:creationId xmlns:a16="http://schemas.microsoft.com/office/drawing/2014/main" id="{C80F0354-AA7D-4A41-8412-988BA94A46BB}"/>
-              </a:ext>
-            </a:extLst>
-          </p:cNvPr>
-          <p:cNvCxnSpPr>
-            <a:stCxn id="26" idx="3"/>
-            <a:endCxn id="45" idx="3"/>
-          </p:cNvCxnSpPr>
-          <p:nvPr/>
-        </p:nvCxnSpPr>
-        <p:spPr>
-          <a:xfrm>
-            <a:off x="5216610" y="1624597"/>
-            <a:ext cx="2739846" cy="3453359"/>
-          </a:xfrm>
-          <a:prstGeom prst="bentConnector3">
-            <a:avLst>
-              <a:gd name="adj1" fmla="val 108344"/>
-            </a:avLst>
-          </a:prstGeom>
-          <a:ln w="38100">
-            <a:headEnd type="triangle"/>
-            <a:tailEnd type="triangle"/>
-          </a:ln>
-        </p:spPr>
-        <p:style>
-          <a:lnRef idx="3">
-            <a:schemeClr val="dk1"/>
-          </a:lnRef>
-          <a:fillRef idx="0">
-            <a:schemeClr val="dk1"/>
-          </a:fillRef>
-          <a:effectRef idx="2">
-            <a:schemeClr val="dk1"/>
-          </a:effectRef>
-          <a:fontRef idx="minor">
-            <a:schemeClr val="tx1"/>
-          </a:fontRef>
-        </p:style>
-      </p:cxnSp>
-      <p:cxnSp>
-        <p:nvCxnSpPr>
-          <p:cNvPr id="70" name="Straight Arrow Connector 69">
-            <a:extLst>
-              <a:ext uri="{FF2B5EF4-FFF2-40B4-BE49-F238E27FC236}">
-                <a16:creationId xmlns:a16="http://schemas.microsoft.com/office/drawing/2014/main" id="{3FE5E631-6578-42C9-85A7-5A53621E1596}"/>
-              </a:ext>
-            </a:extLst>
-          </p:cNvPr>
-          <p:cNvCxnSpPr>
-            <a:cxnSpLocks/>
-            <a:endCxn id="33" idx="1"/>
-          </p:cNvCxnSpPr>
-          <p:nvPr/>
-        </p:nvCxnSpPr>
-        <p:spPr>
-          <a:xfrm>
-            <a:off x="8166538" y="2760183"/>
-            <a:ext cx="1029901" cy="0"/>
-          </a:xfrm>
-          <a:prstGeom prst="straightConnector1">
-            <a:avLst/>
-          </a:prstGeom>
-          <a:ln w="38100">
-            <a:tailEnd type="triangle"/>
-          </a:ln>
-        </p:spPr>
-        <p:style>
-          <a:lnRef idx="3">
-            <a:schemeClr val="dk1"/>
-          </a:lnRef>
-          <a:fillRef idx="0">
-            <a:schemeClr val="dk1"/>
-          </a:fillRef>
-          <a:effectRef idx="2">
-            <a:schemeClr val="dk1"/>
-          </a:effectRef>
-          <a:fontRef idx="minor">
-            <a:schemeClr val="tx1"/>
-          </a:fontRef>
-        </p:style>
-      </p:cxnSp>
-      <p:cxnSp>
-        <p:nvCxnSpPr>
-          <p:cNvPr id="74" name="Straight Arrow Connector 73">
-            <a:extLst>
-              <a:ext uri="{FF2B5EF4-FFF2-40B4-BE49-F238E27FC236}">
-                <a16:creationId xmlns:a16="http://schemas.microsoft.com/office/drawing/2014/main" id="{79ED5E94-8BBB-4AB4-91F7-B7BB93821405}"/>
-              </a:ext>
-            </a:extLst>
-          </p:cNvPr>
-          <p:cNvCxnSpPr>
-            <a:cxnSpLocks/>
-            <a:endCxn id="32" idx="1"/>
-          </p:cNvCxnSpPr>
-          <p:nvPr/>
-        </p:nvCxnSpPr>
-        <p:spPr>
-          <a:xfrm>
-            <a:off x="8166538" y="4193389"/>
-            <a:ext cx="1029901" cy="0"/>
-          </a:xfrm>
-          <a:prstGeom prst="straightConnector1">
-            <a:avLst/>
-          </a:prstGeom>
-          <a:ln w="38100">
-            <a:tailEnd type="triangle"/>
-          </a:ln>
-        </p:spPr>
-        <p:style>
-          <a:lnRef idx="3">
-            <a:schemeClr val="dk1"/>
-          </a:lnRef>
-          <a:fillRef idx="0">
-            <a:schemeClr val="dk1"/>
-          </a:fillRef>
-          <a:effectRef idx="2">
-            <a:schemeClr val="dk1"/>
-          </a:effectRef>
-          <a:fontRef idx="minor">
-            <a:schemeClr val="tx1"/>
-          </a:fontRef>
-        </p:style>
-      </p:cxnSp>
-    </p:spTree>
-    <p:extLst>
-      <p:ext uri="{BB962C8B-B14F-4D97-AF65-F5344CB8AC3E}">
-        <p14:creationId xmlns:p14="http://schemas.microsoft.com/office/powerpoint/2010/main" val="440412469"/>
-      </p:ext>
-    </p:extLst>
-  </p:cSld>
-  <p:clrMapOvr>
-    <a:masterClrMapping/>
-  </p:clrMapOvr>
-  <p:timing>
-    <p:tnLst>
-      <p:par>
-        <p:cTn id="1" dur="indefinite" restart="never" nodeType="tmRoot">
-          <p:childTnLst>
-            <p:seq concurrent="1" nextAc="seek">
-              <p:cTn id="2" dur="indefinite" nodeType="mainSeq">
-                <p:childTnLst>
-                  <p:par>
-                    <p:cTn id="3" fill="hold">
-                      <p:stCondLst>
-                        <p:cond delay="indefinite"/>
-                      </p:stCondLst>
-                      <p:childTnLst>
-                        <p:par>
-                          <p:cTn id="4" fill="hold">
-                            <p:stCondLst>
-                              <p:cond delay="0"/>
-                            </p:stCondLst>
-                            <p:childTnLst>
-                              <p:par>
-                                <p:cTn id="5" presetID="10" presetClass="entr" presetSubtype="0" fill="hold" grpId="0" nodeType="clickEffect">
-                                  <p:stCondLst>
-                                    <p:cond delay="0"/>
-                                  </p:stCondLst>
-                                  <p:childTnLst>
-                                    <p:set>
-                                      <p:cBhvr>
-                                        <p:cTn id="6" dur="1" fill="hold">
-                                          <p:stCondLst>
-                                            <p:cond delay="0"/>
-                                          </p:stCondLst>
-                                        </p:cTn>
-                                        <p:tgtEl>
-                                          <p:spTgt spid="18"/>
-                                        </p:tgtEl>
-                                        <p:attrNameLst>
-                                          <p:attrName>style.visibility</p:attrName>
-                                        </p:attrNameLst>
-                                      </p:cBhvr>
-                                      <p:to>
-                                        <p:strVal val="visible"/>
-                                      </p:to>
-                                    </p:set>
-                                    <p:animEffect transition="in" filter="fade">
-                                      <p:cBhvr>
-                                        <p:cTn id="7" dur="500"/>
-                                        <p:tgtEl>
-                                          <p:spTgt spid="18"/>
-                                        </p:tgtEl>
-                                      </p:cBhvr>
-                                    </p:animEffect>
-                                  </p:childTnLst>
-                                </p:cTn>
-                              </p:par>
-                            </p:childTnLst>
-                          </p:cTn>
-                        </p:par>
-                      </p:childTnLst>
-                    </p:cTn>
-                  </p:par>
-                  <p:par>
-                    <p:cTn id="8" fill="hold">
-                      <p:stCondLst>
-                        <p:cond delay="indefinite"/>
-                      </p:stCondLst>
-                      <p:childTnLst>
-                        <p:par>
-                          <p:cTn id="9" fill="hold">
-                            <p:stCondLst>
-                              <p:cond delay="0"/>
-                            </p:stCondLst>
-                            <p:childTnLst>
-                              <p:par>
-                                <p:cTn id="10" presetID="10" presetClass="entr" presetSubtype="0" fill="hold" grpId="0" nodeType="clickEffect">
-                                  <p:stCondLst>
-                                    <p:cond delay="0"/>
-                                  </p:stCondLst>
-                                  <p:childTnLst>
-                                    <p:set>
-                                      <p:cBhvr>
-                                        <p:cTn id="11" dur="1" fill="hold">
-                                          <p:stCondLst>
-                                            <p:cond delay="0"/>
-                                          </p:stCondLst>
-                                        </p:cTn>
-                                        <p:tgtEl>
-                                          <p:spTgt spid="26"/>
-                                        </p:tgtEl>
-                                        <p:attrNameLst>
-                                          <p:attrName>style.visibility</p:attrName>
-                                        </p:attrNameLst>
-                                      </p:cBhvr>
-                                      <p:to>
-                                        <p:strVal val="visible"/>
-                                      </p:to>
-                                    </p:set>
-                                    <p:animEffect transition="in" filter="fade">
-                                      <p:cBhvr>
-                                        <p:cTn id="12" dur="500"/>
-                                        <p:tgtEl>
-                                          <p:spTgt spid="26"/>
-                                        </p:tgtEl>
-                                      </p:cBhvr>
-                                    </p:animEffect>
-                                  </p:childTnLst>
-                                </p:cTn>
-                              </p:par>
-                            </p:childTnLst>
-                          </p:cTn>
-                        </p:par>
-                      </p:childTnLst>
-                    </p:cTn>
-                  </p:par>
-                  <p:par>
-                    <p:cTn id="13" fill="hold">
-                      <p:stCondLst>
-                        <p:cond delay="indefinite"/>
-                      </p:stCondLst>
-                      <p:childTnLst>
-                        <p:par>
-                          <p:cTn id="14" fill="hold">
-                            <p:stCondLst>
-                              <p:cond delay="0"/>
-                            </p:stCondLst>
-                            <p:childTnLst>
-                              <p:par>
-                                <p:cTn id="15" presetID="10" presetClass="entr" presetSubtype="0" fill="hold" nodeType="clickEffect">
-                                  <p:stCondLst>
-                                    <p:cond delay="0"/>
-                                  </p:stCondLst>
-                                  <p:childTnLst>
-                                    <p:set>
-                                      <p:cBhvr>
-                                        <p:cTn id="16" dur="1" fill="hold">
-                                          <p:stCondLst>
-                                            <p:cond delay="0"/>
-                                          </p:stCondLst>
-                                        </p:cTn>
-                                        <p:tgtEl>
-                                          <p:spTgt spid="19"/>
-                                        </p:tgtEl>
-                                        <p:attrNameLst>
-                                          <p:attrName>style.visibility</p:attrName>
-                                        </p:attrNameLst>
-                                      </p:cBhvr>
-                                      <p:to>
-                                        <p:strVal val="visible"/>
-                                      </p:to>
-                                    </p:set>
-                                    <p:animEffect transition="in" filter="fade">
-                                      <p:cBhvr>
-                                        <p:cTn id="17" dur="500"/>
-                                        <p:tgtEl>
-                                          <p:spTgt spid="19"/>
-                                        </p:tgtEl>
-                                      </p:cBhvr>
-                                    </p:animEffect>
-                                  </p:childTnLst>
-                                </p:cTn>
-                              </p:par>
-                              <p:par>
-                                <p:cTn id="18" presetID="10" presetClass="entr" presetSubtype="0" fill="hold" grpId="0" nodeType="withEffect">
-                                  <p:stCondLst>
-                                    <p:cond delay="0"/>
-                                  </p:stCondLst>
-                                  <p:childTnLst>
-                                    <p:set>
-                                      <p:cBhvr>
-                                        <p:cTn id="19" dur="1" fill="hold">
-                                          <p:stCondLst>
-                                            <p:cond delay="0"/>
-                                          </p:stCondLst>
-                                        </p:cTn>
-                                        <p:tgtEl>
-                                          <p:spTgt spid="27"/>
-                                        </p:tgtEl>
-                                        <p:attrNameLst>
-                                          <p:attrName>style.visibility</p:attrName>
-                                        </p:attrNameLst>
-                                      </p:cBhvr>
-                                      <p:to>
-                                        <p:strVal val="visible"/>
-                                      </p:to>
-                                    </p:set>
-                                    <p:animEffect transition="in" filter="fade">
-                                      <p:cBhvr>
-                                        <p:cTn id="20" dur="500"/>
-                                        <p:tgtEl>
-                                          <p:spTgt spid="27"/>
-                                        </p:tgtEl>
-                                      </p:cBhvr>
-                                    </p:animEffect>
-                                  </p:childTnLst>
-                                </p:cTn>
-                              </p:par>
-                            </p:childTnLst>
-                          </p:cTn>
-                        </p:par>
-                      </p:childTnLst>
-                    </p:cTn>
-                  </p:par>
-                  <p:par>
-                    <p:cTn id="21" fill="hold">
-                      <p:stCondLst>
-                        <p:cond delay="indefinite"/>
-                      </p:stCondLst>
-                      <p:childTnLst>
-                        <p:par>
-                          <p:cTn id="22" fill="hold">
-                            <p:stCondLst>
-                              <p:cond delay="0"/>
-                            </p:stCondLst>
-                            <p:childTnLst>
-                              <p:par>
-                                <p:cTn id="23" presetID="10" presetClass="entr" presetSubtype="0" fill="hold" nodeType="clickEffect">
-                                  <p:stCondLst>
-                                    <p:cond delay="0"/>
-                                  </p:stCondLst>
-                                  <p:childTnLst>
-                                    <p:set>
-                                      <p:cBhvr>
-                                        <p:cTn id="24" dur="1" fill="hold">
-                                          <p:stCondLst>
-                                            <p:cond delay="0"/>
-                                          </p:stCondLst>
-                                        </p:cTn>
-                                        <p:tgtEl>
-                                          <p:spTgt spid="35"/>
-                                        </p:tgtEl>
-                                        <p:attrNameLst>
-                                          <p:attrName>style.visibility</p:attrName>
-                                        </p:attrNameLst>
-                                      </p:cBhvr>
-                                      <p:to>
-                                        <p:strVal val="visible"/>
-                                      </p:to>
-                                    </p:set>
-                                    <p:animEffect transition="in" filter="fade">
-                                      <p:cBhvr>
-                                        <p:cTn id="25" dur="500"/>
-                                        <p:tgtEl>
-                                          <p:spTgt spid="35"/>
-                                        </p:tgtEl>
-                                      </p:cBhvr>
-                                    </p:animEffect>
-                                  </p:childTnLst>
-                                </p:cTn>
-                              </p:par>
-                              <p:par>
-                                <p:cTn id="26" presetID="10" presetClass="entr" presetSubtype="0" fill="hold" grpId="0" nodeType="withEffect">
-                                  <p:stCondLst>
-                                    <p:cond delay="0"/>
-                                  </p:stCondLst>
-                                  <p:childTnLst>
-                                    <p:set>
-                                      <p:cBhvr>
-                                        <p:cTn id="27" dur="1" fill="hold">
-                                          <p:stCondLst>
-                                            <p:cond delay="0"/>
-                                          </p:stCondLst>
-                                        </p:cTn>
-                                        <p:tgtEl>
-                                          <p:spTgt spid="45"/>
-                                        </p:tgtEl>
-                                        <p:attrNameLst>
-                                          <p:attrName>style.visibility</p:attrName>
-                                        </p:attrNameLst>
-                                      </p:cBhvr>
-                                      <p:to>
-                                        <p:strVal val="visible"/>
-                                      </p:to>
-                                    </p:set>
-                                    <p:animEffect transition="in" filter="fade">
-                                      <p:cBhvr>
-                                        <p:cTn id="28" dur="500"/>
-                                        <p:tgtEl>
-                                          <p:spTgt spid="45"/>
-                                        </p:tgtEl>
-                                      </p:cBhvr>
-                                    </p:animEffect>
-                                  </p:childTnLst>
-                                </p:cTn>
-                              </p:par>
-                            </p:childTnLst>
-                          </p:cTn>
-                        </p:par>
-                      </p:childTnLst>
-                    </p:cTn>
-                  </p:par>
-                  <p:par>
-                    <p:cTn id="29" fill="hold">
-                      <p:stCondLst>
-                        <p:cond delay="indefinite"/>
-                      </p:stCondLst>
-                      <p:childTnLst>
-                        <p:par>
-                          <p:cTn id="30" fill="hold">
-                            <p:stCondLst>
-                              <p:cond delay="0"/>
-                            </p:stCondLst>
-                            <p:childTnLst>
-                              <p:par>
-                                <p:cTn id="31" presetID="10" presetClass="entr" presetSubtype="0" fill="hold" grpId="0" nodeType="clickEffect">
-                                  <p:stCondLst>
-                                    <p:cond delay="0"/>
-                                  </p:stCondLst>
-                                  <p:childTnLst>
-                                    <p:set>
-                                      <p:cBhvr>
-                                        <p:cTn id="32" dur="1" fill="hold">
-                                          <p:stCondLst>
-                                            <p:cond delay="0"/>
-                                          </p:stCondLst>
-                                        </p:cTn>
-                                        <p:tgtEl>
-                                          <p:spTgt spid="29"/>
-                                        </p:tgtEl>
-                                        <p:attrNameLst>
-                                          <p:attrName>style.visibility</p:attrName>
-                                        </p:attrNameLst>
-                                      </p:cBhvr>
-                                      <p:to>
-                                        <p:strVal val="visible"/>
-                                      </p:to>
-                                    </p:set>
-                                    <p:animEffect transition="in" filter="fade">
-                                      <p:cBhvr>
-                                        <p:cTn id="33" dur="500"/>
-                                        <p:tgtEl>
-                                          <p:spTgt spid="29"/>
-                                        </p:tgtEl>
-                                      </p:cBhvr>
-                                    </p:animEffect>
-                                  </p:childTnLst>
-                                </p:cTn>
-                              </p:par>
-                            </p:childTnLst>
-                          </p:cTn>
-                        </p:par>
-                      </p:childTnLst>
-                    </p:cTn>
-                  </p:par>
-                  <p:par>
-                    <p:cTn id="34" fill="hold">
-                      <p:stCondLst>
-                        <p:cond delay="indefinite"/>
-                      </p:stCondLst>
-                      <p:childTnLst>
-                        <p:par>
-                          <p:cTn id="35" fill="hold">
-                            <p:stCondLst>
-                              <p:cond delay="0"/>
-                            </p:stCondLst>
-                            <p:childTnLst>
-                              <p:par>
-                                <p:cTn id="36" presetID="10" presetClass="entr" presetSubtype="0" fill="hold" grpId="0" nodeType="clickEffect">
-                                  <p:stCondLst>
-                                    <p:cond delay="0"/>
-                                  </p:stCondLst>
-                                  <p:childTnLst>
-                                    <p:set>
-                                      <p:cBhvr>
-                                        <p:cTn id="37" dur="1" fill="hold">
-                                          <p:stCondLst>
-                                            <p:cond delay="0"/>
-                                          </p:stCondLst>
-                                        </p:cTn>
-                                        <p:tgtEl>
-                                          <p:spTgt spid="30"/>
-                                        </p:tgtEl>
-                                        <p:attrNameLst>
-                                          <p:attrName>style.visibility</p:attrName>
-                                        </p:attrNameLst>
-                                      </p:cBhvr>
-                                      <p:to>
-                                        <p:strVal val="visible"/>
-                                      </p:to>
-                                    </p:set>
-                                    <p:animEffect transition="in" filter="fade">
-                                      <p:cBhvr>
-                                        <p:cTn id="38" dur="500"/>
-                                        <p:tgtEl>
-                                          <p:spTgt spid="30"/>
-                                        </p:tgtEl>
-                                      </p:cBhvr>
-                                    </p:animEffect>
-                                  </p:childTnLst>
-                                </p:cTn>
-                              </p:par>
-                            </p:childTnLst>
-                          </p:cTn>
-                        </p:par>
-                      </p:childTnLst>
-                    </p:cTn>
-                  </p:par>
-                  <p:par>
-                    <p:cTn id="39" fill="hold">
-                      <p:stCondLst>
-                        <p:cond delay="indefinite"/>
-                      </p:stCondLst>
-                      <p:childTnLst>
-                        <p:par>
-                          <p:cTn id="40" fill="hold">
-                            <p:stCondLst>
-                              <p:cond delay="0"/>
-                            </p:stCondLst>
-                            <p:childTnLst>
-                              <p:par>
-                                <p:cTn id="41" presetID="10" presetClass="entr" presetSubtype="0" fill="hold" grpId="0" nodeType="clickEffect">
-                                  <p:stCondLst>
-                                    <p:cond delay="0"/>
-                                  </p:stCondLst>
-                                  <p:childTnLst>
-                                    <p:set>
-                                      <p:cBhvr>
-                                        <p:cTn id="42" dur="1" fill="hold">
-                                          <p:stCondLst>
-                                            <p:cond delay="0"/>
-                                          </p:stCondLst>
-                                        </p:cTn>
-                                        <p:tgtEl>
-                                          <p:spTgt spid="31"/>
-                                        </p:tgtEl>
-                                        <p:attrNameLst>
-                                          <p:attrName>style.visibility</p:attrName>
-                                        </p:attrNameLst>
-                                      </p:cBhvr>
-                                      <p:to>
-                                        <p:strVal val="visible"/>
-                                      </p:to>
-                                    </p:set>
-                                    <p:animEffect transition="in" filter="fade">
-                                      <p:cBhvr>
-                                        <p:cTn id="43" dur="500"/>
-                                        <p:tgtEl>
-                                          <p:spTgt spid="31"/>
-                                        </p:tgtEl>
-                                      </p:cBhvr>
-                                    </p:animEffect>
-                                  </p:childTnLst>
-                                </p:cTn>
-                              </p:par>
-                            </p:childTnLst>
-                          </p:cTn>
-                        </p:par>
-                      </p:childTnLst>
-                    </p:cTn>
-                  </p:par>
-                  <p:par>
-                    <p:cTn id="44" fill="hold">
-                      <p:stCondLst>
-                        <p:cond delay="indefinite"/>
-                      </p:stCondLst>
-                      <p:childTnLst>
-                        <p:par>
-                          <p:cTn id="45" fill="hold">
-                            <p:stCondLst>
-                              <p:cond delay="0"/>
-                            </p:stCondLst>
-                            <p:childTnLst>
-                              <p:par>
-                                <p:cTn id="46" presetID="10" presetClass="entr" presetSubtype="0" fill="hold" grpId="0" nodeType="clickEffect">
-                                  <p:stCondLst>
-                                    <p:cond delay="0"/>
-                                  </p:stCondLst>
-                                  <p:childTnLst>
-                                    <p:set>
-                                      <p:cBhvr>
-                                        <p:cTn id="47" dur="1" fill="hold">
-                                          <p:stCondLst>
-                                            <p:cond delay="0"/>
-                                          </p:stCondLst>
-                                        </p:cTn>
-                                        <p:tgtEl>
-                                          <p:spTgt spid="33"/>
-                                        </p:tgtEl>
-                                        <p:attrNameLst>
-                                          <p:attrName>style.visibility</p:attrName>
-                                        </p:attrNameLst>
-                                      </p:cBhvr>
-                                      <p:to>
-                                        <p:strVal val="visible"/>
-                                      </p:to>
-                                    </p:set>
-                                    <p:animEffect transition="in" filter="fade">
-                                      <p:cBhvr>
-                                        <p:cTn id="48" dur="500"/>
-                                        <p:tgtEl>
-                                          <p:spTgt spid="33"/>
-                                        </p:tgtEl>
-                                      </p:cBhvr>
-                                    </p:animEffect>
-                                  </p:childTnLst>
-                                </p:cTn>
-                              </p:par>
-                            </p:childTnLst>
-                          </p:cTn>
-                        </p:par>
-                      </p:childTnLst>
-                    </p:cTn>
-                  </p:par>
-                  <p:par>
-                    <p:cTn id="49" fill="hold">
-                      <p:stCondLst>
-                        <p:cond delay="indefinite"/>
-                      </p:stCondLst>
-                      <p:childTnLst>
-                        <p:par>
-                          <p:cTn id="50" fill="hold">
-                            <p:stCondLst>
-                              <p:cond delay="0"/>
-                            </p:stCondLst>
-                            <p:childTnLst>
-                              <p:par>
-                                <p:cTn id="51" presetID="10" presetClass="entr" presetSubtype="0" fill="hold" nodeType="clickEffect">
-                                  <p:stCondLst>
-                                    <p:cond delay="0"/>
-                                  </p:stCondLst>
-                                  <p:childTnLst>
-                                    <p:set>
-                                      <p:cBhvr>
-                                        <p:cTn id="52" dur="1" fill="hold">
-                                          <p:stCondLst>
-                                            <p:cond delay="0"/>
-                                          </p:stCondLst>
-                                        </p:cTn>
-                                        <p:tgtEl>
-                                          <p:spTgt spid="68"/>
-                                        </p:tgtEl>
-                                        <p:attrNameLst>
-                                          <p:attrName>style.visibility</p:attrName>
-                                        </p:attrNameLst>
-                                      </p:cBhvr>
-                                      <p:to>
-                                        <p:strVal val="visible"/>
-                                      </p:to>
-                                    </p:set>
-                                    <p:animEffect transition="in" filter="fade">
-                                      <p:cBhvr>
-                                        <p:cTn id="53" dur="500"/>
-                                        <p:tgtEl>
-                                          <p:spTgt spid="68"/>
-                                        </p:tgtEl>
-                                      </p:cBhvr>
-                                    </p:animEffect>
-                                  </p:childTnLst>
-                                </p:cTn>
-                              </p:par>
-                              <p:par>
-                                <p:cTn id="54" presetID="10" presetClass="entr" presetSubtype="0" fill="hold" nodeType="withEffect">
-                                  <p:stCondLst>
-                                    <p:cond delay="0"/>
-                                  </p:stCondLst>
-                                  <p:childTnLst>
-                                    <p:set>
-                                      <p:cBhvr>
-                                        <p:cTn id="55" dur="1" fill="hold">
-                                          <p:stCondLst>
-                                            <p:cond delay="0"/>
-                                          </p:stCondLst>
-                                        </p:cTn>
-                                        <p:tgtEl>
-                                          <p:spTgt spid="70"/>
-                                        </p:tgtEl>
-                                        <p:attrNameLst>
-                                          <p:attrName>style.visibility</p:attrName>
-                                        </p:attrNameLst>
-                                      </p:cBhvr>
-                                      <p:to>
-                                        <p:strVal val="visible"/>
-                                      </p:to>
-                                    </p:set>
-                                    <p:animEffect transition="in" filter="fade">
-                                      <p:cBhvr>
-                                        <p:cTn id="56" dur="500"/>
-                                        <p:tgtEl>
-                                          <p:spTgt spid="70"/>
-                                        </p:tgtEl>
-                                      </p:cBhvr>
-                                    </p:animEffect>
-                                  </p:childTnLst>
-                                </p:cTn>
-                              </p:par>
-                            </p:childTnLst>
-                          </p:cTn>
-                        </p:par>
-                      </p:childTnLst>
-                    </p:cTn>
-                  </p:par>
-                  <p:par>
-                    <p:cTn id="57" fill="hold">
-                      <p:stCondLst>
-                        <p:cond delay="indefinite"/>
-                      </p:stCondLst>
-                      <p:childTnLst>
-                        <p:par>
-                          <p:cTn id="58" fill="hold">
-                            <p:stCondLst>
-                              <p:cond delay="0"/>
-                            </p:stCondLst>
-                            <p:childTnLst>
-                              <p:par>
-                                <p:cTn id="59" presetID="10" presetClass="entr" presetSubtype="0" fill="hold" grpId="0" nodeType="clickEffect">
-                                  <p:stCondLst>
-                                    <p:cond delay="0"/>
-                                  </p:stCondLst>
-                                  <p:childTnLst>
-                                    <p:set>
-                                      <p:cBhvr>
-                                        <p:cTn id="60" dur="1" fill="hold">
-                                          <p:stCondLst>
-                                            <p:cond delay="0"/>
-                                          </p:stCondLst>
-                                        </p:cTn>
-                                        <p:tgtEl>
-                                          <p:spTgt spid="32"/>
-                                        </p:tgtEl>
-                                        <p:attrNameLst>
-                                          <p:attrName>style.visibility</p:attrName>
-                                        </p:attrNameLst>
-                                      </p:cBhvr>
-                                      <p:to>
-                                        <p:strVal val="visible"/>
-                                      </p:to>
-                                    </p:set>
-                                    <p:animEffect transition="in" filter="fade">
-                                      <p:cBhvr>
-                                        <p:cTn id="61" dur="500"/>
-                                        <p:tgtEl>
-                                          <p:spTgt spid="32"/>
-                                        </p:tgtEl>
-                                      </p:cBhvr>
-                                    </p:animEffect>
-                                  </p:childTnLst>
-                                </p:cTn>
-                              </p:par>
-                            </p:childTnLst>
-                          </p:cTn>
-                        </p:par>
-                      </p:childTnLst>
-                    </p:cTn>
-                  </p:par>
-                  <p:par>
-                    <p:cTn id="62" fill="hold">
-                      <p:stCondLst>
-                        <p:cond delay="indefinite"/>
-                      </p:stCondLst>
-                      <p:childTnLst>
-                        <p:par>
-                          <p:cTn id="63" fill="hold">
-                            <p:stCondLst>
-                              <p:cond delay="0"/>
-                            </p:stCondLst>
-                            <p:childTnLst>
-                              <p:par>
-                                <p:cTn id="64" presetID="10" presetClass="entr" presetSubtype="0" fill="hold" nodeType="clickEffect">
-                                  <p:stCondLst>
-                                    <p:cond delay="0"/>
-                                  </p:stCondLst>
-                                  <p:childTnLst>
-                                    <p:set>
-                                      <p:cBhvr>
-                                        <p:cTn id="65" dur="1" fill="hold">
-                                          <p:stCondLst>
-                                            <p:cond delay="0"/>
-                                          </p:stCondLst>
-                                        </p:cTn>
-                                        <p:tgtEl>
-                                          <p:spTgt spid="74"/>
-                                        </p:tgtEl>
-                                        <p:attrNameLst>
-                                          <p:attrName>style.visibility</p:attrName>
-                                        </p:attrNameLst>
-                                      </p:cBhvr>
-                                      <p:to>
-                                        <p:strVal val="visible"/>
-                                      </p:to>
-                                    </p:set>
-                                    <p:animEffect transition="in" filter="fade">
-                                      <p:cBhvr>
-                                        <p:cTn id="66" dur="500"/>
-                                        <p:tgtEl>
-                                          <p:spTgt spid="74"/>
-                                        </p:tgtEl>
-                                      </p:cBhvr>
-                                    </p:animEffect>
-                                  </p:childTnLst>
-                                </p:cTn>
-                              </p:par>
-                            </p:childTnLst>
-                          </p:cTn>
-                        </p:par>
-                      </p:childTnLst>
-                    </p:cTn>
-                  </p:par>
-                </p:childTnLst>
-              </p:cTn>
-              <p:prevCondLst>
-                <p:cond evt="onPrev" delay="0">
-                  <p:tgtEl>
-                    <p:sldTgt/>
-                  </p:tgtEl>
-                </p:cond>
-              </p:prevCondLst>
-              <p:nextCondLst>
-                <p:cond evt="onNext" delay="0">
-                  <p:tgtEl>
-                    <p:sldTgt/>
-                  </p:tgtEl>
-                </p:cond>
-              </p:nextCondLst>
-            </p:seq>
-          </p:childTnLst>
-        </p:cTn>
-      </p:par>
-    </p:tnLst>
-    <p:bldLst>
-      <p:bldP spid="18" grpId="0" animBg="1"/>
-      <p:bldP spid="26" grpId="0" animBg="1"/>
-      <p:bldP spid="27" grpId="0" animBg="1"/>
-      <p:bldP spid="45" grpId="0" animBg="1"/>
-      <p:bldP spid="29" grpId="0" animBg="1"/>
-      <p:bldP spid="30" grpId="0" animBg="1"/>
-      <p:bldP spid="31" grpId="0" animBg="1"/>
-      <p:bldP spid="32" grpId="0" animBg="1"/>
-      <p:bldP spid="33" grpId="0" animBg="1"/>
+      <p:bldP spid="91" grpId="0" animBg="1"/>
+      <p:bldP spid="95" grpId="0" animBg="1"/>
+      <p:bldP spid="136" grpId="0" animBg="1"/>
+      <p:bldP spid="137" grpId="0" animBg="1"/>
+      <p:bldP spid="138" grpId="0" animBg="1"/>
+      <p:bldP spid="139" grpId="0" animBg="1"/>
+      <p:bldP spid="140" grpId="0" animBg="1"/>
+      <p:bldP spid="141" grpId="0" animBg="1"/>
+      <p:bldP spid="142" grpId="0" animBg="1"/>
     </p:bldLst>
   </p:timing>
 </p:sld>
@@ -6218,299 +4723,4 @@
     </a:ext>
   </a:extLst>
 </a:theme>
-</file>
-
-<file path=ppt/theme/theme2.xml><?xml version="1.0" encoding="utf-8"?>
-<a:theme xmlns:a="http://schemas.openxmlformats.org/drawingml/2006/main" name="Office Theme">
-  <a:themeElements>
-    <a:clrScheme name="Office">
-      <a:dk1>
-        <a:sysClr val="windowText" lastClr="000000"/>
-      </a:dk1>
-      <a:lt1>
-        <a:sysClr val="window" lastClr="FFFFFF"/>
-      </a:lt1>
-      <a:dk2>
-        <a:srgbClr val="44546A"/>
-      </a:dk2>
-      <a:lt2>
-        <a:srgbClr val="E7E6E6"/>
-      </a:lt2>
-      <a:accent1>
-        <a:srgbClr val="4472C4"/>
-      </a:accent1>
-      <a:accent2>
-        <a:srgbClr val="ED7D31"/>
-      </a:accent2>
-      <a:accent3>
-        <a:srgbClr val="A5A5A5"/>
-      </a:accent3>
-      <a:accent4>
-        <a:srgbClr val="FFC000"/>
-      </a:accent4>
-      <a:accent5>
-        <a:srgbClr val="5B9BD5"/>
-      </a:accent5>
-      <a:accent6>
-        <a:srgbClr val="70AD47"/>
-      </a:accent6>
-      <a:hlink>
-        <a:srgbClr val="0563C1"/>
-      </a:hlink>
-      <a:folHlink>
-        <a:srgbClr val="954F72"/>
-      </a:folHlink>
-    </a:clrScheme>
-    <a:fontScheme name="Office">
-      <a:majorFont>
-        <a:latin typeface="Calibri Light" panose="020F0302020204030204"/>
-        <a:ea typeface=""/>
-        <a:cs typeface=""/>
-        <a:font script="Jpan" typeface="游ゴシック Light"/>
-        <a:font script="Hang" typeface="맑은 고딕"/>
-        <a:font script="Hans" typeface="等线 Light"/>
-        <a:font script="Hant" typeface="新細明體"/>
-        <a:font script="Arab" typeface="Times New Roman"/>
-        <a:font script="Hebr" typeface="Times New Roman"/>
-        <a:font script="Thai" typeface="Angsana New"/>
-        <a:font script="Ethi" typeface="Nyala"/>
-        <a:font script="Beng" typeface="Vrinda"/>
-        <a:font script="Gujr" typeface="Shruti"/>
-        <a:font script="Khmr" typeface="MoolBoran"/>
-        <a:font script="Knda" typeface="Tunga"/>
-        <a:font script="Guru" typeface="Raavi"/>
-        <a:font script="Cans" typeface="Euphemia"/>
-        <a:font script="Cher" typeface="Plantagenet Cherokee"/>
-        <a:font script="Yiii" typeface="Microsoft Yi Baiti"/>
-        <a:font script="Tibt" typeface="Microsoft Himalaya"/>
-        <a:font script="Thaa" typeface="MV Boli"/>
-        <a:font script="Deva" typeface="Mangal"/>
-        <a:font script="Telu" typeface="Gautami"/>
-        <a:font script="Taml" typeface="Latha"/>
-        <a:font script="Syrc" typeface="Estrangelo Edessa"/>
-        <a:font script="Orya" typeface="Kalinga"/>
-        <a:font script="Mlym" typeface="Kartika"/>
-        <a:font script="Laoo" typeface="DokChampa"/>
-        <a:font script="Sinh" typeface="Iskoola Pota"/>
-        <a:font script="Mong" typeface="Mongolian Baiti"/>
-        <a:font script="Viet" typeface="Times New Roman"/>
-        <a:font script="Uigh" typeface="Microsoft Uighur"/>
-        <a:font script="Geor" typeface="Sylfaen"/>
-        <a:font script="Armn" typeface="Arial"/>
-        <a:font script="Bugi" typeface="Leelawadee UI"/>
-        <a:font script="Bopo" typeface="Microsoft JhengHei"/>
-        <a:font script="Java" typeface="Javanese Text"/>
-        <a:font script="Lisu" typeface="Segoe UI"/>
-        <a:font script="Mymr" typeface="Myanmar Text"/>
-        <a:font script="Nkoo" typeface="Ebrima"/>
-        <a:font script="Olck" typeface="Nirmala UI"/>
-        <a:font script="Osma" typeface="Ebrima"/>
-        <a:font script="Phag" typeface="Phagspa"/>
-        <a:font script="Syrn" typeface="Estrangelo Edessa"/>
-        <a:font script="Syrj" typeface="Estrangelo Edessa"/>
-        <a:font script="Syre" typeface="Estrangelo Edessa"/>
-        <a:font script="Sora" typeface="Nirmala UI"/>
-        <a:font script="Tale" typeface="Microsoft Tai Le"/>
-        <a:font script="Talu" typeface="Microsoft New Tai Lue"/>
-        <a:font script="Tfng" typeface="Ebrima"/>
-      </a:majorFont>
-      <a:minorFont>
-        <a:latin typeface="Calibri" panose="020F0502020204030204"/>
-        <a:ea typeface=""/>
-        <a:cs typeface=""/>
-        <a:font script="Jpan" typeface="游ゴシック"/>
-        <a:font script="Hang" typeface="맑은 고딕"/>
-        <a:font script="Hans" typeface="等线"/>
-        <a:font script="Hant" typeface="新細明體"/>
-        <a:font script="Arab" typeface="Arial"/>
-        <a:font script="Hebr" typeface="Arial"/>
-        <a:font script="Thai" typeface="Cordia New"/>
-        <a:font script="Ethi" typeface="Nyala"/>
-        <a:font script="Beng" typeface="Vrinda"/>
-        <a:font script="Gujr" typeface="Shruti"/>
-        <a:font script="Khmr" typeface="DaunPenh"/>
-        <a:font script="Knda" typeface="Tunga"/>
-        <a:font script="Guru" typeface="Raavi"/>
-        <a:font script="Cans" typeface="Euphemia"/>
-        <a:font script="Cher" typeface="Plantagenet Cherokee"/>
-        <a:font script="Yiii" typeface="Microsoft Yi Baiti"/>
-        <a:font script="Tibt" typeface="Microsoft Himalaya"/>
-        <a:font script="Thaa" typeface="MV Boli"/>
-        <a:font script="Deva" typeface="Mangal"/>
-        <a:font script="Telu" typeface="Gautami"/>
-        <a:font script="Taml" typeface="Latha"/>
-        <a:font script="Syrc" typeface="Estrangelo Edessa"/>
-        <a:font script="Orya" typeface="Kalinga"/>
-        <a:font script="Mlym" typeface="Kartika"/>
-        <a:font script="Laoo" typeface="DokChampa"/>
-        <a:font script="Sinh" typeface="Iskoola Pota"/>
-        <a:font script="Mong" typeface="Mongolian Baiti"/>
-        <a:font script="Viet" typeface="Arial"/>
-        <a:font script="Uigh" typeface="Microsoft Uighur"/>
-        <a:font script="Geor" typeface="Sylfaen"/>
-        <a:font script="Armn" typeface="Arial"/>
-        <a:font script="Bugi" typeface="Leelawadee UI"/>
-        <a:font script="Bopo" typeface="Microsoft JhengHei"/>
-        <a:font script="Java" typeface="Javanese Text"/>
-        <a:font script="Lisu" typeface="Segoe UI"/>
-        <a:font script="Mymr" typeface="Myanmar Text"/>
-        <a:font script="Nkoo" typeface="Ebrima"/>
-        <a:font script="Olck" typeface="Nirmala UI"/>
-        <a:font script="Osma" typeface="Ebrima"/>
-        <a:font script="Phag" typeface="Phagspa"/>
-        <a:font script="Syrn" typeface="Estrangelo Edessa"/>
-        <a:font script="Syrj" typeface="Estrangelo Edessa"/>
-        <a:font script="Syre" typeface="Estrangelo Edessa"/>
-        <a:font script="Sora" typeface="Nirmala UI"/>
-        <a:font script="Tale" typeface="Microsoft Tai Le"/>
-        <a:font script="Talu" typeface="Microsoft New Tai Lue"/>
-        <a:font script="Tfng" typeface="Ebrima"/>
-      </a:minorFont>
-    </a:fontScheme>
-    <a:fmtScheme name="Office">
-      <a:fillStyleLst>
-        <a:solidFill>
-          <a:schemeClr val="phClr"/>
-        </a:solidFill>
-        <a:gradFill rotWithShape="1">
-          <a:gsLst>
-            <a:gs pos="0">
-              <a:schemeClr val="phClr">
-                <a:lumMod val="110000"/>
-                <a:satMod val="105000"/>
-                <a:tint val="67000"/>
-              </a:schemeClr>
-            </a:gs>
-            <a:gs pos="50000">
-              <a:schemeClr val="phClr">
-                <a:lumMod val="105000"/>
-                <a:satMod val="103000"/>
-                <a:tint val="73000"/>
-              </a:schemeClr>
-            </a:gs>
-            <a:gs pos="100000">
-              <a:schemeClr val="phClr">
-                <a:lumMod val="105000"/>
-                <a:satMod val="109000"/>
-                <a:tint val="81000"/>
-              </a:schemeClr>
-            </a:gs>
-          </a:gsLst>
-          <a:lin ang="5400000" scaled="0"/>
-        </a:gradFill>
-        <a:gradFill rotWithShape="1">
-          <a:gsLst>
-            <a:gs pos="0">
-              <a:schemeClr val="phClr">
-                <a:satMod val="103000"/>
-                <a:lumMod val="102000"/>
-                <a:tint val="94000"/>
-              </a:schemeClr>
-            </a:gs>
-            <a:gs pos="50000">
-              <a:schemeClr val="phClr">
-                <a:satMod val="110000"/>
-                <a:lumMod val="100000"/>
-                <a:shade val="100000"/>
-              </a:schemeClr>
-            </a:gs>
-            <a:gs pos="100000">
-              <a:schemeClr val="phClr">
-                <a:lumMod val="99000"/>
-                <a:satMod val="120000"/>
-                <a:shade val="78000"/>
-              </a:schemeClr>
-            </a:gs>
-          </a:gsLst>
-          <a:lin ang="5400000" scaled="0"/>
-        </a:gradFill>
-      </a:fillStyleLst>
-      <a:lnStyleLst>
-        <a:ln w="6350" cap="flat" cmpd="sng" algn="ctr">
-          <a:solidFill>
-            <a:schemeClr val="phClr"/>
-          </a:solidFill>
-          <a:prstDash val="solid"/>
-          <a:miter lim="800000"/>
-        </a:ln>
-        <a:ln w="12700" cap="flat" cmpd="sng" algn="ctr">
-          <a:solidFill>
-            <a:schemeClr val="phClr"/>
-          </a:solidFill>
-          <a:prstDash val="solid"/>
-          <a:miter lim="800000"/>
-        </a:ln>
-        <a:ln w="19050" cap="flat" cmpd="sng" algn="ctr">
-          <a:solidFill>
-            <a:schemeClr val="phClr"/>
-          </a:solidFill>
-          <a:prstDash val="solid"/>
-          <a:miter lim="800000"/>
-        </a:ln>
-      </a:lnStyleLst>
-      <a:effectStyleLst>
-        <a:effectStyle>
-          <a:effectLst/>
-        </a:effectStyle>
-        <a:effectStyle>
-          <a:effectLst/>
-        </a:effectStyle>
-        <a:effectStyle>
-          <a:effectLst>
-            <a:outerShdw blurRad="57150" dist="19050" dir="5400000" algn="ctr" rotWithShape="0">
-              <a:srgbClr val="000000">
-                <a:alpha val="63000"/>
-              </a:srgbClr>
-            </a:outerShdw>
-          </a:effectLst>
-        </a:effectStyle>
-      </a:effectStyleLst>
-      <a:bgFillStyleLst>
-        <a:solidFill>
-          <a:schemeClr val="phClr"/>
-        </a:solidFill>
-        <a:solidFill>
-          <a:schemeClr val="phClr">
-            <a:tint val="95000"/>
-            <a:satMod val="170000"/>
-          </a:schemeClr>
-        </a:solidFill>
-        <a:gradFill rotWithShape="1">
-          <a:gsLst>
-            <a:gs pos="0">
-              <a:schemeClr val="phClr">
-                <a:tint val="93000"/>
-                <a:satMod val="150000"/>
-                <a:shade val="98000"/>
-                <a:lumMod val="102000"/>
-              </a:schemeClr>
-            </a:gs>
-            <a:gs pos="50000">
-              <a:schemeClr val="phClr">
-                <a:tint val="98000"/>
-                <a:satMod val="130000"/>
-                <a:shade val="90000"/>
-                <a:lumMod val="103000"/>
-              </a:schemeClr>
-            </a:gs>
-            <a:gs pos="100000">
-              <a:schemeClr val="phClr">
-                <a:shade val="63000"/>
-                <a:satMod val="120000"/>
-              </a:schemeClr>
-            </a:gs>
-          </a:gsLst>
-          <a:lin ang="5400000" scaled="0"/>
-        </a:gradFill>
-      </a:bgFillStyleLst>
-    </a:fmtScheme>
-  </a:themeElements>
-  <a:objectDefaults/>
-  <a:extraClrSchemeLst/>
-  <a:extLst>
-    <a:ext uri="{05A4C25C-085E-4340-85A3-A5531E510DB2}">
-      <thm15:themeFamily xmlns:thm15="http://schemas.microsoft.com/office/thememl/2012/main" name="Office Theme" id="{62F939B6-93AF-4DB8-9C6B-D6C7DFDC589F}" vid="{4A3C46E8-61CC-4603-A589-7422A47A8E4A}"/>
-    </a:ext>
-  </a:extLst>
-</a:theme>
 </file>
--- a/Lecture Slides/IntroSlides/7_Intro.pptx
+++ b/Lecture Slides/IntroSlides/7_Intro.pptx
@@ -154,10 +154,9 @@
           </a:lstStyle>
           <a:p>
             <a:r>
-              <a:rPr lang="en-US" smtClean="0"/>
+              <a:rPr lang="en-US"/>
               <a:t>Click to edit Master title style</a:t>
             </a:r>
-            <a:endParaRPr lang="en-US"/>
           </a:p>
         </p:txBody>
       </p:sp>
@@ -219,10 +218,9 @@
           </a:lstStyle>
           <a:p>
             <a:r>
-              <a:rPr lang="en-US" smtClean="0"/>
+              <a:rPr lang="en-US"/>
               <a:t>Click to edit Master subtitle style</a:t>
             </a:r>
-            <a:endParaRPr lang="en-US"/>
           </a:p>
         </p:txBody>
       </p:sp>
@@ -243,7 +241,7 @@
           <a:p>
             <a:fld id="{AA15078D-9DE8-47D0-8F0F-AA243E1A2060}" type="datetimeFigureOut">
               <a:rPr lang="en-US" smtClean="0"/>
-              <a:t>8/11/2017</a:t>
+              <a:t>6/10/2022</a:t>
             </a:fld>
             <a:endParaRPr lang="en-US"/>
           </a:p>
@@ -337,10 +335,9 @@
           <a:lstStyle/>
           <a:p>
             <a:r>
-              <a:rPr lang="en-US" smtClean="0"/>
+              <a:rPr lang="en-US"/>
               <a:t>Click to edit Master title style</a:t>
             </a:r>
-            <a:endParaRPr lang="en-US"/>
           </a:p>
         </p:txBody>
       </p:sp>
@@ -361,38 +358,37 @@
           <a:p>
             <a:pPr lvl="0"/>
             <a:r>
-              <a:rPr lang="en-US" smtClean="0"/>
+              <a:rPr lang="en-US"/>
               <a:t>Edit Master text styles</a:t>
             </a:r>
           </a:p>
           <a:p>
             <a:pPr lvl="1"/>
             <a:r>
-              <a:rPr lang="en-US" smtClean="0"/>
+              <a:rPr lang="en-US"/>
               <a:t>Second level</a:t>
             </a:r>
           </a:p>
           <a:p>
             <a:pPr lvl="2"/>
             <a:r>
-              <a:rPr lang="en-US" smtClean="0"/>
+              <a:rPr lang="en-US"/>
               <a:t>Third level</a:t>
             </a:r>
           </a:p>
           <a:p>
             <a:pPr lvl="3"/>
             <a:r>
-              <a:rPr lang="en-US" smtClean="0"/>
+              <a:rPr lang="en-US"/>
               <a:t>Fourth level</a:t>
             </a:r>
           </a:p>
           <a:p>
             <a:pPr lvl="4"/>
             <a:r>
-              <a:rPr lang="en-US" smtClean="0"/>
+              <a:rPr lang="en-US"/>
               <a:t>Fifth level</a:t>
             </a:r>
-            <a:endParaRPr lang="en-US"/>
           </a:p>
         </p:txBody>
       </p:sp>
@@ -413,7 +409,7 @@
           <a:p>
             <a:fld id="{AA15078D-9DE8-47D0-8F0F-AA243E1A2060}" type="datetimeFigureOut">
               <a:rPr lang="en-US" smtClean="0"/>
-              <a:t>8/11/2017</a:t>
+              <a:t>6/10/2022</a:t>
             </a:fld>
             <a:endParaRPr lang="en-US"/>
           </a:p>
@@ -512,10 +508,9 @@
           <a:lstStyle/>
           <a:p>
             <a:r>
-              <a:rPr lang="en-US" smtClean="0"/>
+              <a:rPr lang="en-US"/>
               <a:t>Click to edit Master title style</a:t>
             </a:r>
-            <a:endParaRPr lang="en-US"/>
           </a:p>
         </p:txBody>
       </p:sp>
@@ -541,38 +536,37 @@
           <a:p>
             <a:pPr lvl="0"/>
             <a:r>
-              <a:rPr lang="en-US" smtClean="0"/>
+              <a:rPr lang="en-US"/>
               <a:t>Edit Master text styles</a:t>
             </a:r>
           </a:p>
           <a:p>
             <a:pPr lvl="1"/>
             <a:r>
-              <a:rPr lang="en-US" smtClean="0"/>
+              <a:rPr lang="en-US"/>
               <a:t>Second level</a:t>
             </a:r>
           </a:p>
           <a:p>
             <a:pPr lvl="2"/>
             <a:r>
-              <a:rPr lang="en-US" smtClean="0"/>
+              <a:rPr lang="en-US"/>
               <a:t>Third level</a:t>
             </a:r>
           </a:p>
           <a:p>
             <a:pPr lvl="3"/>
             <a:r>
-              <a:rPr lang="en-US" smtClean="0"/>
+              <a:rPr lang="en-US"/>
               <a:t>Fourth level</a:t>
             </a:r>
           </a:p>
           <a:p>
             <a:pPr lvl="4"/>
             <a:r>
-              <a:rPr lang="en-US" smtClean="0"/>
+              <a:rPr lang="en-US"/>
               <a:t>Fifth level</a:t>
             </a:r>
-            <a:endParaRPr lang="en-US"/>
           </a:p>
         </p:txBody>
       </p:sp>
@@ -593,7 +587,7 @@
           <a:p>
             <a:fld id="{AA15078D-9DE8-47D0-8F0F-AA243E1A2060}" type="datetimeFigureOut">
               <a:rPr lang="en-US" smtClean="0"/>
-              <a:t>8/11/2017</a:t>
+              <a:t>6/10/2022</a:t>
             </a:fld>
             <a:endParaRPr lang="en-US"/>
           </a:p>
@@ -687,10 +681,9 @@
           <a:lstStyle/>
           <a:p>
             <a:r>
-              <a:rPr lang="en-US" smtClean="0"/>
+              <a:rPr lang="en-US"/>
               <a:t>Click to edit Master title style</a:t>
             </a:r>
-            <a:endParaRPr lang="en-US"/>
           </a:p>
         </p:txBody>
       </p:sp>
@@ -711,38 +704,37 @@
           <a:p>
             <a:pPr lvl="0"/>
             <a:r>
-              <a:rPr lang="en-US" smtClean="0"/>
+              <a:rPr lang="en-US"/>
               <a:t>Edit Master text styles</a:t>
             </a:r>
           </a:p>
           <a:p>
             <a:pPr lvl="1"/>
             <a:r>
-              <a:rPr lang="en-US" smtClean="0"/>
+              <a:rPr lang="en-US"/>
               <a:t>Second level</a:t>
             </a:r>
           </a:p>
           <a:p>
             <a:pPr lvl="2"/>
             <a:r>
-              <a:rPr lang="en-US" smtClean="0"/>
+              <a:rPr lang="en-US"/>
               <a:t>Third level</a:t>
             </a:r>
           </a:p>
           <a:p>
             <a:pPr lvl="3"/>
             <a:r>
-              <a:rPr lang="en-US" smtClean="0"/>
+              <a:rPr lang="en-US"/>
               <a:t>Fourth level</a:t>
             </a:r>
           </a:p>
           <a:p>
             <a:pPr lvl="4"/>
             <a:r>
-              <a:rPr lang="en-US" smtClean="0"/>
+              <a:rPr lang="en-US"/>
               <a:t>Fifth level</a:t>
             </a:r>
-            <a:endParaRPr lang="en-US"/>
           </a:p>
         </p:txBody>
       </p:sp>
@@ -763,7 +755,7 @@
           <a:p>
             <a:fld id="{AA15078D-9DE8-47D0-8F0F-AA243E1A2060}" type="datetimeFigureOut">
               <a:rPr lang="en-US" smtClean="0"/>
-              <a:t>8/11/2017</a:t>
+              <a:t>6/10/2022</a:t>
             </a:fld>
             <a:endParaRPr lang="en-US"/>
           </a:p>
@@ -866,10 +858,9 @@
           </a:lstStyle>
           <a:p>
             <a:r>
-              <a:rPr lang="en-US" smtClean="0"/>
+              <a:rPr lang="en-US"/>
               <a:t>Click to edit Master title style</a:t>
             </a:r>
-            <a:endParaRPr lang="en-US"/>
           </a:p>
         </p:txBody>
       </p:sp>
@@ -986,7 +977,7 @@
           <a:p>
             <a:pPr lvl="0"/>
             <a:r>
-              <a:rPr lang="en-US" smtClean="0"/>
+              <a:rPr lang="en-US"/>
               <a:t>Edit Master text styles</a:t>
             </a:r>
           </a:p>
@@ -1009,7 +1000,7 @@
           <a:p>
             <a:fld id="{AA15078D-9DE8-47D0-8F0F-AA243E1A2060}" type="datetimeFigureOut">
               <a:rPr lang="en-US" smtClean="0"/>
-              <a:t>8/11/2017</a:t>
+              <a:t>6/10/2022</a:t>
             </a:fld>
             <a:endParaRPr lang="en-US"/>
           </a:p>
@@ -1103,10 +1094,9 @@
           <a:lstStyle/>
           <a:p>
             <a:r>
-              <a:rPr lang="en-US" smtClean="0"/>
+              <a:rPr lang="en-US"/>
               <a:t>Click to edit Master title style</a:t>
             </a:r>
-            <a:endParaRPr lang="en-US"/>
           </a:p>
         </p:txBody>
       </p:sp>
@@ -1132,38 +1122,37 @@
           <a:p>
             <a:pPr lvl="0"/>
             <a:r>
-              <a:rPr lang="en-US" smtClean="0"/>
+              <a:rPr lang="en-US"/>
               <a:t>Edit Master text styles</a:t>
             </a:r>
           </a:p>
           <a:p>
             <a:pPr lvl="1"/>
             <a:r>
-              <a:rPr lang="en-US" smtClean="0"/>
+              <a:rPr lang="en-US"/>
               <a:t>Second level</a:t>
             </a:r>
           </a:p>
           <a:p>
             <a:pPr lvl="2"/>
             <a:r>
-              <a:rPr lang="en-US" smtClean="0"/>
+              <a:rPr lang="en-US"/>
               <a:t>Third level</a:t>
             </a:r>
           </a:p>
           <a:p>
             <a:pPr lvl="3"/>
             <a:r>
-              <a:rPr lang="en-US" smtClean="0"/>
+              <a:rPr lang="en-US"/>
               <a:t>Fourth level</a:t>
             </a:r>
           </a:p>
           <a:p>
             <a:pPr lvl="4"/>
             <a:r>
-              <a:rPr lang="en-US" smtClean="0"/>
+              <a:rPr lang="en-US"/>
               <a:t>Fifth level</a:t>
             </a:r>
-            <a:endParaRPr lang="en-US"/>
           </a:p>
         </p:txBody>
       </p:sp>
@@ -1189,38 +1178,37 @@
           <a:p>
             <a:pPr lvl="0"/>
             <a:r>
-              <a:rPr lang="en-US" smtClean="0"/>
+              <a:rPr lang="en-US"/>
               <a:t>Edit Master text styles</a:t>
             </a:r>
           </a:p>
           <a:p>
             <a:pPr lvl="1"/>
             <a:r>
-              <a:rPr lang="en-US" smtClean="0"/>
+              <a:rPr lang="en-US"/>
               <a:t>Second level</a:t>
             </a:r>
           </a:p>
           <a:p>
             <a:pPr lvl="2"/>
             <a:r>
-              <a:rPr lang="en-US" smtClean="0"/>
+              <a:rPr lang="en-US"/>
               <a:t>Third level</a:t>
             </a:r>
           </a:p>
           <a:p>
             <a:pPr lvl="3"/>
             <a:r>
-              <a:rPr lang="en-US" smtClean="0"/>
+              <a:rPr lang="en-US"/>
               <a:t>Fourth level</a:t>
             </a:r>
           </a:p>
           <a:p>
             <a:pPr lvl="4"/>
             <a:r>
-              <a:rPr lang="en-US" smtClean="0"/>
+              <a:rPr lang="en-US"/>
               <a:t>Fifth level</a:t>
             </a:r>
-            <a:endParaRPr lang="en-US"/>
           </a:p>
         </p:txBody>
       </p:sp>
@@ -1241,7 +1229,7 @@
           <a:p>
             <a:fld id="{AA15078D-9DE8-47D0-8F0F-AA243E1A2060}" type="datetimeFigureOut">
               <a:rPr lang="en-US" smtClean="0"/>
-              <a:t>8/11/2017</a:t>
+              <a:t>6/10/2022</a:t>
             </a:fld>
             <a:endParaRPr lang="en-US"/>
           </a:p>
@@ -1340,10 +1328,9 @@
           <a:lstStyle/>
           <a:p>
             <a:r>
-              <a:rPr lang="en-US" smtClean="0"/>
+              <a:rPr lang="en-US"/>
               <a:t>Click to edit Master title style</a:t>
             </a:r>
-            <a:endParaRPr lang="en-US"/>
           </a:p>
         </p:txBody>
       </p:sp>
@@ -1406,7 +1393,7 @@
           <a:p>
             <a:pPr lvl="0"/>
             <a:r>
-              <a:rPr lang="en-US" smtClean="0"/>
+              <a:rPr lang="en-US"/>
               <a:t>Edit Master text styles</a:t>
             </a:r>
           </a:p>
@@ -1434,38 +1421,37 @@
           <a:p>
             <a:pPr lvl="0"/>
             <a:r>
-              <a:rPr lang="en-US" smtClean="0"/>
+              <a:rPr lang="en-US"/>
               <a:t>Edit Master text styles</a:t>
             </a:r>
           </a:p>
           <a:p>
             <a:pPr lvl="1"/>
             <a:r>
-              <a:rPr lang="en-US" smtClean="0"/>
+              <a:rPr lang="en-US"/>
               <a:t>Second level</a:t>
             </a:r>
           </a:p>
           <a:p>
             <a:pPr lvl="2"/>
             <a:r>
-              <a:rPr lang="en-US" smtClean="0"/>
+              <a:rPr lang="en-US"/>
               <a:t>Third level</a:t>
             </a:r>
           </a:p>
           <a:p>
             <a:pPr lvl="3"/>
             <a:r>
-              <a:rPr lang="en-US" smtClean="0"/>
+              <a:rPr lang="en-US"/>
               <a:t>Fourth level</a:t>
             </a:r>
           </a:p>
           <a:p>
             <a:pPr lvl="4"/>
             <a:r>
-              <a:rPr lang="en-US" smtClean="0"/>
+              <a:rPr lang="en-US"/>
               <a:t>Fifth level</a:t>
             </a:r>
-            <a:endParaRPr lang="en-US"/>
           </a:p>
         </p:txBody>
       </p:sp>
@@ -1528,7 +1514,7 @@
           <a:p>
             <a:pPr lvl="0"/>
             <a:r>
-              <a:rPr lang="en-US" smtClean="0"/>
+              <a:rPr lang="en-US"/>
               <a:t>Edit Master text styles</a:t>
             </a:r>
           </a:p>
@@ -1556,38 +1542,37 @@
           <a:p>
             <a:pPr lvl="0"/>
             <a:r>
-              <a:rPr lang="en-US" smtClean="0"/>
+              <a:rPr lang="en-US"/>
               <a:t>Edit Master text styles</a:t>
             </a:r>
           </a:p>
           <a:p>
             <a:pPr lvl="1"/>
             <a:r>
-              <a:rPr lang="en-US" smtClean="0"/>
+              <a:rPr lang="en-US"/>
               <a:t>Second level</a:t>
             </a:r>
           </a:p>
           <a:p>
             <a:pPr lvl="2"/>
             <a:r>
-              <a:rPr lang="en-US" smtClean="0"/>
+              <a:rPr lang="en-US"/>
               <a:t>Third level</a:t>
             </a:r>
           </a:p>
           <a:p>
             <a:pPr lvl="3"/>
             <a:r>
-              <a:rPr lang="en-US" smtClean="0"/>
+              <a:rPr lang="en-US"/>
               <a:t>Fourth level</a:t>
             </a:r>
           </a:p>
           <a:p>
             <a:pPr lvl="4"/>
             <a:r>
-              <a:rPr lang="en-US" smtClean="0"/>
+              <a:rPr lang="en-US"/>
               <a:t>Fifth level</a:t>
             </a:r>
-            <a:endParaRPr lang="en-US"/>
           </a:p>
         </p:txBody>
       </p:sp>
@@ -1608,7 +1593,7 @@
           <a:p>
             <a:fld id="{AA15078D-9DE8-47D0-8F0F-AA243E1A2060}" type="datetimeFigureOut">
               <a:rPr lang="en-US" smtClean="0"/>
-              <a:t>8/11/2017</a:t>
+              <a:t>6/10/2022</a:t>
             </a:fld>
             <a:endParaRPr lang="en-US"/>
           </a:p>
@@ -1702,10 +1687,9 @@
           <a:lstStyle/>
           <a:p>
             <a:r>
-              <a:rPr lang="en-US" smtClean="0"/>
+              <a:rPr lang="en-US"/>
               <a:t>Click to edit Master title style</a:t>
             </a:r>
-            <a:endParaRPr lang="en-US"/>
           </a:p>
         </p:txBody>
       </p:sp>
@@ -1726,7 +1710,7 @@
           <a:p>
             <a:fld id="{AA15078D-9DE8-47D0-8F0F-AA243E1A2060}" type="datetimeFigureOut">
               <a:rPr lang="en-US" smtClean="0"/>
-              <a:t>8/11/2017</a:t>
+              <a:t>6/10/2022</a:t>
             </a:fld>
             <a:endParaRPr lang="en-US"/>
           </a:p>
@@ -1821,7 +1805,7 @@
           <a:p>
             <a:fld id="{AA15078D-9DE8-47D0-8F0F-AA243E1A2060}" type="datetimeFigureOut">
               <a:rPr lang="en-US" smtClean="0"/>
-              <a:t>8/11/2017</a:t>
+              <a:t>6/10/2022</a:t>
             </a:fld>
             <a:endParaRPr lang="en-US"/>
           </a:p>
@@ -1924,10 +1908,9 @@
           </a:lstStyle>
           <a:p>
             <a:r>
-              <a:rPr lang="en-US" smtClean="0"/>
+              <a:rPr lang="en-US"/>
               <a:t>Click to edit Master title style</a:t>
             </a:r>
-            <a:endParaRPr lang="en-US"/>
           </a:p>
         </p:txBody>
       </p:sp>
@@ -1981,38 +1964,37 @@
           <a:p>
             <a:pPr lvl="0"/>
             <a:r>
-              <a:rPr lang="en-US" smtClean="0"/>
+              <a:rPr lang="en-US"/>
               <a:t>Edit Master text styles</a:t>
             </a:r>
           </a:p>
           <a:p>
             <a:pPr lvl="1"/>
             <a:r>
-              <a:rPr lang="en-US" smtClean="0"/>
+              <a:rPr lang="en-US"/>
               <a:t>Second level</a:t>
             </a:r>
           </a:p>
           <a:p>
             <a:pPr lvl="2"/>
             <a:r>
-              <a:rPr lang="en-US" smtClean="0"/>
+              <a:rPr lang="en-US"/>
               <a:t>Third level</a:t>
             </a:r>
           </a:p>
           <a:p>
             <a:pPr lvl="3"/>
             <a:r>
-              <a:rPr lang="en-US" smtClean="0"/>
+              <a:rPr lang="en-US"/>
               <a:t>Fourth level</a:t>
             </a:r>
           </a:p>
           <a:p>
             <a:pPr lvl="4"/>
             <a:r>
-              <a:rPr lang="en-US" smtClean="0"/>
+              <a:rPr lang="en-US"/>
               <a:t>Fifth level</a:t>
             </a:r>
-            <a:endParaRPr lang="en-US"/>
           </a:p>
         </p:txBody>
       </p:sp>
@@ -2075,7 +2057,7 @@
           <a:p>
             <a:pPr lvl="0"/>
             <a:r>
-              <a:rPr lang="en-US" smtClean="0"/>
+              <a:rPr lang="en-US"/>
               <a:t>Edit Master text styles</a:t>
             </a:r>
           </a:p>
@@ -2098,7 +2080,7 @@
           <a:p>
             <a:fld id="{AA15078D-9DE8-47D0-8F0F-AA243E1A2060}" type="datetimeFigureOut">
               <a:rPr lang="en-US" smtClean="0"/>
-              <a:t>8/11/2017</a:t>
+              <a:t>6/10/2022</a:t>
             </a:fld>
             <a:endParaRPr lang="en-US"/>
           </a:p>
@@ -2201,10 +2183,9 @@
           </a:lstStyle>
           <a:p>
             <a:r>
-              <a:rPr lang="en-US" smtClean="0"/>
+              <a:rPr lang="en-US"/>
               <a:t>Click to edit Master title style</a:t>
             </a:r>
-            <a:endParaRPr lang="en-US"/>
           </a:p>
         </p:txBody>
       </p:sp>
@@ -2328,7 +2309,7 @@
           <a:p>
             <a:pPr lvl="0"/>
             <a:r>
-              <a:rPr lang="en-US" smtClean="0"/>
+              <a:rPr lang="en-US"/>
               <a:t>Edit Master text styles</a:t>
             </a:r>
           </a:p>
@@ -2351,7 +2332,7 @@
           <a:p>
             <a:fld id="{AA15078D-9DE8-47D0-8F0F-AA243E1A2060}" type="datetimeFigureOut">
               <a:rPr lang="en-US" smtClean="0"/>
-              <a:t>8/11/2017</a:t>
+              <a:t>6/10/2022</a:t>
             </a:fld>
             <a:endParaRPr lang="en-US"/>
           </a:p>
@@ -2460,10 +2441,9 @@
           <a:lstStyle/>
           <a:p>
             <a:r>
-              <a:rPr lang="en-US" smtClean="0"/>
+              <a:rPr lang="en-US"/>
               <a:t>Click to edit Master title style</a:t>
             </a:r>
-            <a:endParaRPr lang="en-US"/>
           </a:p>
         </p:txBody>
       </p:sp>
@@ -2494,38 +2474,37 @@
           <a:p>
             <a:pPr lvl="0"/>
             <a:r>
-              <a:rPr lang="en-US" smtClean="0"/>
+              <a:rPr lang="en-US"/>
               <a:t>Edit Master text styles</a:t>
             </a:r>
           </a:p>
           <a:p>
             <a:pPr lvl="1"/>
             <a:r>
-              <a:rPr lang="en-US" smtClean="0"/>
+              <a:rPr lang="en-US"/>
               <a:t>Second level</a:t>
             </a:r>
           </a:p>
           <a:p>
             <a:pPr lvl="2"/>
             <a:r>
-              <a:rPr lang="en-US" smtClean="0"/>
+              <a:rPr lang="en-US"/>
               <a:t>Third level</a:t>
             </a:r>
           </a:p>
           <a:p>
             <a:pPr lvl="3"/>
             <a:r>
-              <a:rPr lang="en-US" smtClean="0"/>
+              <a:rPr lang="en-US"/>
               <a:t>Fourth level</a:t>
             </a:r>
           </a:p>
           <a:p>
             <a:pPr lvl="4"/>
             <a:r>
-              <a:rPr lang="en-US" smtClean="0"/>
+              <a:rPr lang="en-US"/>
               <a:t>Fifth level</a:t>
             </a:r>
-            <a:endParaRPr lang="en-US"/>
           </a:p>
         </p:txBody>
       </p:sp>
@@ -2564,7 +2543,7 @@
           <a:p>
             <a:fld id="{AA15078D-9DE8-47D0-8F0F-AA243E1A2060}" type="datetimeFigureOut">
               <a:rPr lang="en-US" smtClean="0"/>
-              <a:t>8/11/2017</a:t>
+              <a:t>6/10/2022</a:t>
             </a:fld>
             <a:endParaRPr lang="en-US"/>
           </a:p>
@@ -2977,7 +2956,7 @@
         </p:nvSpPr>
         <p:spPr>
           <a:xfrm>
-            <a:off x="5269167" y="2101846"/>
+            <a:off x="5269167" y="1875817"/>
             <a:ext cx="1787596" cy="1014844"/>
           </a:xfrm>
           <a:prstGeom prst="roundRect">
@@ -3006,10 +2985,9 @@
           <a:p>
             <a:pPr algn="ctr"/>
             <a:r>
-              <a:rPr lang="en-US" dirty="0" smtClean="0"/>
+              <a:rPr lang="en-US" dirty="0"/>
               <a:t>Dry Friction</a:t>
             </a:r>
-            <a:endParaRPr lang="en-US" dirty="0"/>
           </a:p>
         </p:txBody>
       </p:sp>
@@ -3021,7 +2999,7 @@
         </p:nvSpPr>
         <p:spPr>
           <a:xfrm>
-            <a:off x="5362195" y="645285"/>
+            <a:off x="5362195" y="419256"/>
             <a:ext cx="1601539" cy="975694"/>
           </a:xfrm>
           <a:prstGeom prst="roundRect">
@@ -3050,10 +3028,9 @@
           <a:p>
             <a:pPr algn="ctr"/>
             <a:r>
-              <a:rPr lang="en-US" dirty="0" smtClean="0"/>
+              <a:rPr lang="en-US" dirty="0"/>
               <a:t>Forces</a:t>
             </a:r>
-            <a:endParaRPr lang="en-US" dirty="0"/>
           </a:p>
         </p:txBody>
       </p:sp>
@@ -3068,7 +3045,7 @@
         </p:nvCxnSpPr>
         <p:spPr>
           <a:xfrm>
-            <a:off x="6162965" y="1620979"/>
+            <a:off x="6162965" y="1394950"/>
             <a:ext cx="0" cy="480867"/>
           </a:xfrm>
           <a:prstGeom prst="straightConnector1">
@@ -3101,7 +3078,7 @@
         </p:nvSpPr>
         <p:spPr>
           <a:xfrm>
-            <a:off x="843622" y="4041477"/>
+            <a:off x="843622" y="3815448"/>
             <a:ext cx="1787596" cy="1014844"/>
           </a:xfrm>
           <a:prstGeom prst="roundRect">
@@ -3130,10 +3107,9 @@
           <a:p>
             <a:pPr algn="ctr"/>
             <a:r>
-              <a:rPr lang="en-US" dirty="0" smtClean="0"/>
+              <a:rPr lang="en-US" dirty="0"/>
               <a:t>Slipping vs. Tipping</a:t>
             </a:r>
-            <a:endParaRPr lang="en-US" dirty="0"/>
           </a:p>
         </p:txBody>
       </p:sp>
@@ -3145,7 +3121,7 @@
         </p:nvSpPr>
         <p:spPr>
           <a:xfrm>
-            <a:off x="936650" y="2303212"/>
+            <a:off x="936650" y="2077183"/>
             <a:ext cx="1601539" cy="975694"/>
           </a:xfrm>
           <a:prstGeom prst="roundRect">
@@ -3174,10 +3150,9 @@
           <a:p>
             <a:pPr algn="ctr"/>
             <a:r>
-              <a:rPr lang="en-US" dirty="0" smtClean="0"/>
+              <a:rPr lang="en-US" dirty="0"/>
               <a:t>Couples</a:t>
             </a:r>
-            <a:endParaRPr lang="en-US" dirty="0"/>
           </a:p>
         </p:txBody>
       </p:sp>
@@ -3189,7 +3164,7 @@
         </p:nvSpPr>
         <p:spPr>
           <a:xfrm>
-            <a:off x="3056394" y="4041477"/>
+            <a:off x="3056394" y="3815448"/>
             <a:ext cx="1787596" cy="1014844"/>
           </a:xfrm>
           <a:prstGeom prst="roundRect">
@@ -3218,10 +3193,9 @@
           <a:p>
             <a:pPr algn="ctr"/>
             <a:r>
-              <a:rPr lang="en-US" dirty="0" smtClean="0"/>
+              <a:rPr lang="en-US" dirty="0"/>
               <a:t>Wedges</a:t>
             </a:r>
-            <a:endParaRPr lang="en-US" dirty="0"/>
           </a:p>
         </p:txBody>
       </p:sp>
@@ -3233,7 +3207,7 @@
         </p:nvSpPr>
         <p:spPr>
           <a:xfrm>
-            <a:off x="3056394" y="5459265"/>
+            <a:off x="3056394" y="5233236"/>
             <a:ext cx="1787596" cy="1014844"/>
           </a:xfrm>
           <a:prstGeom prst="roundRect">
@@ -3262,10 +3236,9 @@
           <a:p>
             <a:pPr algn="ctr"/>
             <a:r>
-              <a:rPr lang="en-US" dirty="0" smtClean="0"/>
+              <a:rPr lang="en-US" dirty="0"/>
               <a:t>Power Screws</a:t>
             </a:r>
-            <a:endParaRPr lang="en-US" dirty="0"/>
           </a:p>
         </p:txBody>
       </p:sp>
@@ -3277,7 +3250,7 @@
         </p:nvSpPr>
         <p:spPr>
           <a:xfrm>
-            <a:off x="5269166" y="4041477"/>
+            <a:off x="5269166" y="3815448"/>
             <a:ext cx="1787596" cy="1014844"/>
           </a:xfrm>
           <a:prstGeom prst="roundRect">
@@ -3306,10 +3279,9 @@
           <a:p>
             <a:pPr algn="ctr"/>
             <a:r>
-              <a:rPr lang="en-US" dirty="0" smtClean="0"/>
+              <a:rPr lang="en-US" dirty="0"/>
               <a:t>Bearing Friction</a:t>
             </a:r>
-            <a:endParaRPr lang="en-US" dirty="0"/>
           </a:p>
         </p:txBody>
       </p:sp>
@@ -3321,7 +3293,7 @@
         </p:nvSpPr>
         <p:spPr>
           <a:xfrm>
-            <a:off x="7481938" y="4041477"/>
+            <a:off x="7481938" y="3815448"/>
             <a:ext cx="1787596" cy="1014844"/>
           </a:xfrm>
           <a:prstGeom prst="roundRect">
@@ -3350,10 +3322,9 @@
           <a:p>
             <a:pPr algn="ctr"/>
             <a:r>
-              <a:rPr lang="en-US" dirty="0" smtClean="0"/>
+              <a:rPr lang="en-US" dirty="0"/>
               <a:t>Disc Friction</a:t>
             </a:r>
-            <a:endParaRPr lang="en-US" dirty="0"/>
           </a:p>
         </p:txBody>
       </p:sp>
@@ -3365,7 +3336,7 @@
         </p:nvSpPr>
         <p:spPr>
           <a:xfrm>
-            <a:off x="9694710" y="4041477"/>
+            <a:off x="9694710" y="3815448"/>
             <a:ext cx="1787596" cy="1014844"/>
           </a:xfrm>
           <a:prstGeom prst="roundRect">
@@ -3394,193 +3365,12 @@
           <a:p>
             <a:pPr algn="ctr"/>
             <a:r>
-              <a:rPr lang="en-US" dirty="0" smtClean="0"/>
+              <a:rPr lang="en-US" dirty="0"/>
               <a:t>Belt Friction</a:t>
             </a:r>
-            <a:endParaRPr lang="en-US" dirty="0"/>
-          </a:p>
-        </p:txBody>
-      </p:sp>
-      <p:cxnSp>
-        <p:nvCxnSpPr>
-          <p:cNvPr id="143" name="Straight Arrow Connector 142"/>
-          <p:cNvCxnSpPr>
-            <a:stCxn id="91" idx="2"/>
-            <a:endCxn id="136" idx="0"/>
-          </p:cNvCxnSpPr>
-          <p:nvPr/>
-        </p:nvCxnSpPr>
-        <p:spPr>
-          <a:xfrm flipH="1">
-            <a:off x="1737420" y="3116690"/>
-            <a:ext cx="4425545" cy="924787"/>
-          </a:xfrm>
-          <a:prstGeom prst="straightConnector1">
-            <a:avLst/>
-          </a:prstGeom>
-          <a:ln w="38100">
-            <a:tailEnd type="triangle"/>
-          </a:ln>
-        </p:spPr>
-        <p:style>
-          <a:lnRef idx="3">
-            <a:schemeClr val="dk1"/>
-          </a:lnRef>
-          <a:fillRef idx="0">
-            <a:schemeClr val="dk1"/>
-          </a:fillRef>
-          <a:effectRef idx="2">
-            <a:schemeClr val="dk1"/>
-          </a:effectRef>
-          <a:fontRef idx="minor">
-            <a:schemeClr val="tx1"/>
-          </a:fontRef>
-        </p:style>
-      </p:cxnSp>
-      <p:cxnSp>
-        <p:nvCxnSpPr>
-          <p:cNvPr id="146" name="Straight Arrow Connector 145"/>
-          <p:cNvCxnSpPr>
-            <a:stCxn id="91" idx="2"/>
-            <a:endCxn id="138" idx="0"/>
-          </p:cNvCxnSpPr>
-          <p:nvPr/>
-        </p:nvCxnSpPr>
-        <p:spPr>
-          <a:xfrm flipH="1">
-            <a:off x="3950192" y="3116690"/>
-            <a:ext cx="2212773" cy="924787"/>
-          </a:xfrm>
-          <a:prstGeom prst="straightConnector1">
-            <a:avLst/>
-          </a:prstGeom>
-          <a:ln w="38100">
-            <a:tailEnd type="triangle"/>
-          </a:ln>
-        </p:spPr>
-        <p:style>
-          <a:lnRef idx="3">
-            <a:schemeClr val="dk1"/>
-          </a:lnRef>
-          <a:fillRef idx="0">
-            <a:schemeClr val="dk1"/>
-          </a:fillRef>
-          <a:effectRef idx="2">
-            <a:schemeClr val="dk1"/>
-          </a:effectRef>
-          <a:fontRef idx="minor">
-            <a:schemeClr val="tx1"/>
-          </a:fontRef>
-        </p:style>
-      </p:cxnSp>
-      <p:cxnSp>
-        <p:nvCxnSpPr>
-          <p:cNvPr id="149" name="Straight Arrow Connector 148"/>
-          <p:cNvCxnSpPr>
-            <a:stCxn id="91" idx="2"/>
-            <a:endCxn id="140" idx="0"/>
-          </p:cNvCxnSpPr>
-          <p:nvPr/>
-        </p:nvCxnSpPr>
-        <p:spPr>
-          <a:xfrm flipH="1">
-            <a:off x="6162964" y="3116690"/>
-            <a:ext cx="1" cy="924787"/>
-          </a:xfrm>
-          <a:prstGeom prst="straightConnector1">
-            <a:avLst/>
-          </a:prstGeom>
-          <a:ln w="38100">
-            <a:tailEnd type="triangle"/>
-          </a:ln>
-        </p:spPr>
-        <p:style>
-          <a:lnRef idx="3">
-            <a:schemeClr val="dk1"/>
-          </a:lnRef>
-          <a:fillRef idx="0">
-            <a:schemeClr val="dk1"/>
-          </a:fillRef>
-          <a:effectRef idx="2">
-            <a:schemeClr val="dk1"/>
-          </a:effectRef>
-          <a:fontRef idx="minor">
-            <a:schemeClr val="tx1"/>
-          </a:fontRef>
-        </p:style>
-      </p:cxnSp>
-      <p:cxnSp>
-        <p:nvCxnSpPr>
-          <p:cNvPr id="152" name="Straight Arrow Connector 151"/>
-          <p:cNvCxnSpPr>
-            <a:stCxn id="91" idx="2"/>
-            <a:endCxn id="141" idx="0"/>
-          </p:cNvCxnSpPr>
-          <p:nvPr/>
-        </p:nvCxnSpPr>
-        <p:spPr>
-          <a:xfrm>
-            <a:off x="6162965" y="3116690"/>
-            <a:ext cx="2212771" cy="924787"/>
-          </a:xfrm>
-          <a:prstGeom prst="straightConnector1">
-            <a:avLst/>
-          </a:prstGeom>
-          <a:ln w="38100">
-            <a:tailEnd type="triangle"/>
-          </a:ln>
-        </p:spPr>
-        <p:style>
-          <a:lnRef idx="3">
-            <a:schemeClr val="dk1"/>
-          </a:lnRef>
-          <a:fillRef idx="0">
-            <a:schemeClr val="dk1"/>
-          </a:fillRef>
-          <a:effectRef idx="2">
-            <a:schemeClr val="dk1"/>
-          </a:effectRef>
-          <a:fontRef idx="minor">
-            <a:schemeClr val="tx1"/>
-          </a:fontRef>
-        </p:style>
-      </p:cxnSp>
-      <p:cxnSp>
-        <p:nvCxnSpPr>
-          <p:cNvPr id="155" name="Straight Arrow Connector 154"/>
-          <p:cNvCxnSpPr>
-            <a:stCxn id="91" idx="2"/>
-            <a:endCxn id="142" idx="0"/>
-          </p:cNvCxnSpPr>
-          <p:nvPr/>
-        </p:nvCxnSpPr>
-        <p:spPr>
-          <a:xfrm>
-            <a:off x="6162965" y="3116690"/>
-            <a:ext cx="4425543" cy="924787"/>
-          </a:xfrm>
-          <a:prstGeom prst="straightConnector1">
-            <a:avLst/>
-          </a:prstGeom>
-          <a:ln w="38100">
-            <a:tailEnd type="triangle"/>
-          </a:ln>
-        </p:spPr>
-        <p:style>
-          <a:lnRef idx="3">
-            <a:schemeClr val="dk1"/>
-          </a:lnRef>
-          <a:fillRef idx="0">
-            <a:schemeClr val="dk1"/>
-          </a:fillRef>
-          <a:effectRef idx="2">
-            <a:schemeClr val="dk1"/>
-          </a:effectRef>
-          <a:fontRef idx="minor">
-            <a:schemeClr val="tx1"/>
-          </a:fontRef>
-        </p:style>
-      </p:cxnSp>
+          </a:p>
+        </p:txBody>
+      </p:sp>
       <p:cxnSp>
         <p:nvCxnSpPr>
           <p:cNvPr id="158" name="Straight Arrow Connector 157"/>
@@ -3592,7 +3382,7 @@
         </p:nvCxnSpPr>
         <p:spPr>
           <a:xfrm>
-            <a:off x="3950192" y="5056321"/>
+            <a:off x="3950192" y="4830292"/>
             <a:ext cx="0" cy="402944"/>
           </a:xfrm>
           <a:prstGeom prst="straightConnector1">
@@ -3628,11 +3418,236 @@
         </p:nvCxnSpPr>
         <p:spPr>
           <a:xfrm>
-            <a:off x="1737420" y="3278906"/>
+            <a:off x="1737420" y="3052877"/>
             <a:ext cx="0" cy="762571"/>
           </a:xfrm>
           <a:prstGeom prst="straightConnector1">
             <a:avLst/>
+          </a:prstGeom>
+          <a:ln w="38100">
+            <a:tailEnd type="triangle"/>
+          </a:ln>
+        </p:spPr>
+        <p:style>
+          <a:lnRef idx="3">
+            <a:schemeClr val="dk1"/>
+          </a:lnRef>
+          <a:fillRef idx="0">
+            <a:schemeClr val="dk1"/>
+          </a:fillRef>
+          <a:effectRef idx="2">
+            <a:schemeClr val="dk1"/>
+          </a:effectRef>
+          <a:fontRef idx="minor">
+            <a:schemeClr val="tx1"/>
+          </a:fontRef>
+        </p:style>
+      </p:cxnSp>
+      <p:cxnSp>
+        <p:nvCxnSpPr>
+          <p:cNvPr id="19" name="Connector: Elbow 18">
+            <a:extLst>
+              <a:ext uri="{FF2B5EF4-FFF2-40B4-BE49-F238E27FC236}">
+                <a16:creationId xmlns:a16="http://schemas.microsoft.com/office/drawing/2014/main" id="{069CDFE6-9D46-442A-BA68-EE0F0C03EA8C}"/>
+              </a:ext>
+            </a:extLst>
+          </p:cNvPr>
+          <p:cNvCxnSpPr>
+            <a:cxnSpLocks/>
+            <a:stCxn id="91" idx="2"/>
+            <a:endCxn id="136" idx="0"/>
+          </p:cNvCxnSpPr>
+          <p:nvPr/>
+        </p:nvCxnSpPr>
+        <p:spPr>
+          <a:xfrm rot="5400000">
+            <a:off x="3487800" y="1140282"/>
+            <a:ext cx="924787" cy="4425545"/>
+          </a:xfrm>
+          <a:prstGeom prst="bentConnector3">
+            <a:avLst>
+              <a:gd name="adj1" fmla="val 50000"/>
+            </a:avLst>
+          </a:prstGeom>
+          <a:ln w="38100">
+            <a:tailEnd type="triangle"/>
+          </a:ln>
+        </p:spPr>
+        <p:style>
+          <a:lnRef idx="3">
+            <a:schemeClr val="dk1"/>
+          </a:lnRef>
+          <a:fillRef idx="0">
+            <a:schemeClr val="dk1"/>
+          </a:fillRef>
+          <a:effectRef idx="2">
+            <a:schemeClr val="dk1"/>
+          </a:effectRef>
+          <a:fontRef idx="minor">
+            <a:schemeClr val="tx1"/>
+          </a:fontRef>
+        </p:style>
+      </p:cxnSp>
+      <p:cxnSp>
+        <p:nvCxnSpPr>
+          <p:cNvPr id="22" name="Connector: Elbow 21">
+            <a:extLst>
+              <a:ext uri="{FF2B5EF4-FFF2-40B4-BE49-F238E27FC236}">
+                <a16:creationId xmlns:a16="http://schemas.microsoft.com/office/drawing/2014/main" id="{EF57F430-B952-4A80-B59A-5EC716AB5C01}"/>
+              </a:ext>
+            </a:extLst>
+          </p:cNvPr>
+          <p:cNvCxnSpPr>
+            <a:cxnSpLocks/>
+            <a:stCxn id="91" idx="2"/>
+            <a:endCxn id="138" idx="0"/>
+          </p:cNvCxnSpPr>
+          <p:nvPr/>
+        </p:nvCxnSpPr>
+        <p:spPr>
+          <a:xfrm rot="5400000">
+            <a:off x="4594186" y="2246668"/>
+            <a:ext cx="924787" cy="2212773"/>
+          </a:xfrm>
+          <a:prstGeom prst="bentConnector3">
+            <a:avLst>
+              <a:gd name="adj1" fmla="val 50000"/>
+            </a:avLst>
+          </a:prstGeom>
+          <a:ln w="38100">
+            <a:tailEnd type="triangle"/>
+          </a:ln>
+        </p:spPr>
+        <p:style>
+          <a:lnRef idx="3">
+            <a:schemeClr val="dk1"/>
+          </a:lnRef>
+          <a:fillRef idx="0">
+            <a:schemeClr val="dk1"/>
+          </a:fillRef>
+          <a:effectRef idx="2">
+            <a:schemeClr val="dk1"/>
+          </a:effectRef>
+          <a:fontRef idx="minor">
+            <a:schemeClr val="tx1"/>
+          </a:fontRef>
+        </p:style>
+      </p:cxnSp>
+      <p:cxnSp>
+        <p:nvCxnSpPr>
+          <p:cNvPr id="25" name="Connector: Elbow 24">
+            <a:extLst>
+              <a:ext uri="{FF2B5EF4-FFF2-40B4-BE49-F238E27FC236}">
+                <a16:creationId xmlns:a16="http://schemas.microsoft.com/office/drawing/2014/main" id="{8688E10B-AA4A-4B04-8AA3-394B0ECAC273}"/>
+              </a:ext>
+            </a:extLst>
+          </p:cNvPr>
+          <p:cNvCxnSpPr>
+            <a:cxnSpLocks/>
+            <a:stCxn id="91" idx="2"/>
+            <a:endCxn id="140" idx="0"/>
+          </p:cNvCxnSpPr>
+          <p:nvPr/>
+        </p:nvCxnSpPr>
+        <p:spPr>
+          <a:xfrm rot="5400000">
+            <a:off x="5700572" y="3353054"/>
+            <a:ext cx="924787" cy="1"/>
+          </a:xfrm>
+          <a:prstGeom prst="bentConnector3">
+            <a:avLst>
+              <a:gd name="adj1" fmla="val 50000"/>
+            </a:avLst>
+          </a:prstGeom>
+          <a:ln w="38100">
+            <a:tailEnd type="triangle"/>
+          </a:ln>
+        </p:spPr>
+        <p:style>
+          <a:lnRef idx="3">
+            <a:schemeClr val="dk1"/>
+          </a:lnRef>
+          <a:fillRef idx="0">
+            <a:schemeClr val="dk1"/>
+          </a:fillRef>
+          <a:effectRef idx="2">
+            <a:schemeClr val="dk1"/>
+          </a:effectRef>
+          <a:fontRef idx="minor">
+            <a:schemeClr val="tx1"/>
+          </a:fontRef>
+        </p:style>
+      </p:cxnSp>
+      <p:cxnSp>
+        <p:nvCxnSpPr>
+          <p:cNvPr id="28" name="Connector: Elbow 27">
+            <a:extLst>
+              <a:ext uri="{FF2B5EF4-FFF2-40B4-BE49-F238E27FC236}">
+                <a16:creationId xmlns:a16="http://schemas.microsoft.com/office/drawing/2014/main" id="{9FBBDDF7-812F-4145-ADAA-FC5570388FB2}"/>
+              </a:ext>
+            </a:extLst>
+          </p:cNvPr>
+          <p:cNvCxnSpPr>
+            <a:cxnSpLocks/>
+            <a:stCxn id="91" idx="2"/>
+            <a:endCxn id="141" idx="0"/>
+          </p:cNvCxnSpPr>
+          <p:nvPr/>
+        </p:nvCxnSpPr>
+        <p:spPr>
+          <a:xfrm rot="16200000" flipH="1">
+            <a:off x="6806957" y="2246668"/>
+            <a:ext cx="924787" cy="2212771"/>
+          </a:xfrm>
+          <a:prstGeom prst="bentConnector3">
+            <a:avLst>
+              <a:gd name="adj1" fmla="val 50000"/>
+            </a:avLst>
+          </a:prstGeom>
+          <a:ln w="38100">
+            <a:tailEnd type="triangle"/>
+          </a:ln>
+        </p:spPr>
+        <p:style>
+          <a:lnRef idx="3">
+            <a:schemeClr val="dk1"/>
+          </a:lnRef>
+          <a:fillRef idx="0">
+            <a:schemeClr val="dk1"/>
+          </a:fillRef>
+          <a:effectRef idx="2">
+            <a:schemeClr val="dk1"/>
+          </a:effectRef>
+          <a:fontRef idx="minor">
+            <a:schemeClr val="tx1"/>
+          </a:fontRef>
+        </p:style>
+      </p:cxnSp>
+      <p:cxnSp>
+        <p:nvCxnSpPr>
+          <p:cNvPr id="31" name="Connector: Elbow 30">
+            <a:extLst>
+              <a:ext uri="{FF2B5EF4-FFF2-40B4-BE49-F238E27FC236}">
+                <a16:creationId xmlns:a16="http://schemas.microsoft.com/office/drawing/2014/main" id="{95D4A0CF-0C4E-41BA-9664-09EEC53F69B6}"/>
+              </a:ext>
+            </a:extLst>
+          </p:cNvPr>
+          <p:cNvCxnSpPr>
+            <a:cxnSpLocks/>
+            <a:stCxn id="91" idx="2"/>
+            <a:endCxn id="142" idx="0"/>
+          </p:cNvCxnSpPr>
+          <p:nvPr/>
+        </p:nvCxnSpPr>
+        <p:spPr>
+          <a:xfrm rot="16200000" flipH="1">
+            <a:off x="7913343" y="1140282"/>
+            <a:ext cx="924787" cy="4425543"/>
+          </a:xfrm>
+          <a:prstGeom prst="bentConnector3">
+            <a:avLst>
+              <a:gd name="adj1" fmla="val 50000"/>
+            </a:avLst>
           </a:prstGeom>
           <a:ln w="38100">
             <a:tailEnd type="triangle"/>
@@ -3838,7 +3853,7 @@
                                           </p:stCondLst>
                                         </p:cTn>
                                         <p:tgtEl>
-                                          <p:spTgt spid="143"/>
+                                          <p:spTgt spid="19"/>
                                         </p:tgtEl>
                                         <p:attrNameLst>
                                           <p:attrName>style.visibility</p:attrName>
@@ -3852,7 +3867,7 @@
                                       <p:cBhvr>
                                         <p:cTn id="20" dur="500"/>
                                         <p:tgtEl>
-                                          <p:spTgt spid="143"/>
+                                          <p:spTgt spid="19"/>
                                         </p:tgtEl>
                                       </p:cBhvr>
                                     </p:animEffect>
@@ -3913,7 +3928,7 @@
                             </p:stCondLst>
                             <p:childTnLst>
                               <p:par>
-                                <p:cTn id="26" presetID="10" presetClass="entr" presetSubtype="0" fill="hold" grpId="0" nodeType="clickEffect">
+                                <p:cTn id="26" presetID="10" presetClass="entr" presetSubtype="0" fill="hold" nodeType="clickEffect">
                                   <p:stCondLst>
                                     <p:cond delay="0"/>
                                   </p:stCondLst>
@@ -3921,6 +3936,41 @@
                                     <p:set>
                                       <p:cBhvr>
                                         <p:cTn id="27" dur="1" fill="hold">
+                                          <p:stCondLst>
+                                            <p:cond delay="0"/>
+                                          </p:stCondLst>
+                                        </p:cTn>
+                                        <p:tgtEl>
+                                          <p:spTgt spid="161"/>
+                                        </p:tgtEl>
+                                        <p:attrNameLst>
+                                          <p:attrName>style.visibility</p:attrName>
+                                        </p:attrNameLst>
+                                      </p:cBhvr>
+                                      <p:to>
+                                        <p:strVal val="visible"/>
+                                      </p:to>
+                                    </p:set>
+                                    <p:animEffect transition="in" filter="fade">
+                                      <p:cBhvr>
+                                        <p:cTn id="28" dur="500"/>
+                                        <p:tgtEl>
+                                          <p:spTgt spid="161"/>
+                                        </p:tgtEl>
+                                      </p:cBhvr>
+                                    </p:animEffect>
+                                  </p:childTnLst>
+                                </p:cTn>
+                              </p:par>
+                              <p:par>
+                                <p:cTn id="29" presetID="10" presetClass="entr" presetSubtype="0" fill="hold" grpId="0" nodeType="withEffect">
+                                  <p:stCondLst>
+                                    <p:cond delay="0"/>
+                                  </p:stCondLst>
+                                  <p:childTnLst>
+                                    <p:set>
+                                      <p:cBhvr>
+                                        <p:cTn id="30" dur="1" fill="hold">
                                           <p:stCondLst>
                                             <p:cond delay="0"/>
                                           </p:stCondLst>
@@ -3938,44 +3988,9 @@
                                     </p:set>
                                     <p:animEffect transition="in" filter="fade">
                                       <p:cBhvr>
-                                        <p:cTn id="28" dur="500"/>
+                                        <p:cTn id="31" dur="500"/>
                                         <p:tgtEl>
                                           <p:spTgt spid="137"/>
-                                        </p:tgtEl>
-                                      </p:cBhvr>
-                                    </p:animEffect>
-                                  </p:childTnLst>
-                                </p:cTn>
-                              </p:par>
-                              <p:par>
-                                <p:cTn id="29" presetID="10" presetClass="entr" presetSubtype="0" fill="hold" nodeType="withEffect">
-                                  <p:stCondLst>
-                                    <p:cond delay="0"/>
-                                  </p:stCondLst>
-                                  <p:childTnLst>
-                                    <p:set>
-                                      <p:cBhvr>
-                                        <p:cTn id="30" dur="1" fill="hold">
-                                          <p:stCondLst>
-                                            <p:cond delay="0"/>
-                                          </p:stCondLst>
-                                        </p:cTn>
-                                        <p:tgtEl>
-                                          <p:spTgt spid="161"/>
-                                        </p:tgtEl>
-                                        <p:attrNameLst>
-                                          <p:attrName>style.visibility</p:attrName>
-                                        </p:attrNameLst>
-                                      </p:cBhvr>
-                                      <p:to>
-                                        <p:strVal val="visible"/>
-                                      </p:to>
-                                    </p:set>
-                                    <p:animEffect transition="in" filter="fade">
-                                      <p:cBhvr>
-                                        <p:cTn id="31" dur="500"/>
-                                        <p:tgtEl>
-                                          <p:spTgt spid="161"/>
                                         </p:tgtEl>
                                       </p:cBhvr>
                                     </p:animEffect>
@@ -4001,7 +4016,7 @@
                             </p:stCondLst>
                             <p:childTnLst>
                               <p:par>
-                                <p:cTn id="34" presetID="10" presetClass="entr" presetSubtype="0" fill="hold" grpId="0" nodeType="clickEffect">
+                                <p:cTn id="34" presetID="10" presetClass="entr" presetSubtype="0" fill="hold" nodeType="clickEffect">
                                   <p:stCondLst>
                                     <p:cond delay="0"/>
                                   </p:stCondLst>
@@ -4009,6 +4024,41 @@
                                     <p:set>
                                       <p:cBhvr>
                                         <p:cTn id="35" dur="1" fill="hold">
+                                          <p:stCondLst>
+                                            <p:cond delay="0"/>
+                                          </p:stCondLst>
+                                        </p:cTn>
+                                        <p:tgtEl>
+                                          <p:spTgt spid="22"/>
+                                        </p:tgtEl>
+                                        <p:attrNameLst>
+                                          <p:attrName>style.visibility</p:attrName>
+                                        </p:attrNameLst>
+                                      </p:cBhvr>
+                                      <p:to>
+                                        <p:strVal val="visible"/>
+                                      </p:to>
+                                    </p:set>
+                                    <p:animEffect transition="in" filter="fade">
+                                      <p:cBhvr>
+                                        <p:cTn id="36" dur="500"/>
+                                        <p:tgtEl>
+                                          <p:spTgt spid="22"/>
+                                        </p:tgtEl>
+                                      </p:cBhvr>
+                                    </p:animEffect>
+                                  </p:childTnLst>
+                                </p:cTn>
+                              </p:par>
+                              <p:par>
+                                <p:cTn id="37" presetID="10" presetClass="entr" presetSubtype="0" fill="hold" grpId="0" nodeType="withEffect">
+                                  <p:stCondLst>
+                                    <p:cond delay="0"/>
+                                  </p:stCondLst>
+                                  <p:childTnLst>
+                                    <p:set>
+                                      <p:cBhvr>
+                                        <p:cTn id="38" dur="1" fill="hold">
                                           <p:stCondLst>
                                             <p:cond delay="0"/>
                                           </p:stCondLst>
@@ -4026,44 +4076,9 @@
                                     </p:set>
                                     <p:animEffect transition="in" filter="fade">
                                       <p:cBhvr>
-                                        <p:cTn id="36" dur="500"/>
+                                        <p:cTn id="39" dur="500"/>
                                         <p:tgtEl>
                                           <p:spTgt spid="138"/>
-                                        </p:tgtEl>
-                                      </p:cBhvr>
-                                    </p:animEffect>
-                                  </p:childTnLst>
-                                </p:cTn>
-                              </p:par>
-                              <p:par>
-                                <p:cTn id="37" presetID="10" presetClass="entr" presetSubtype="0" fill="hold" nodeType="withEffect">
-                                  <p:stCondLst>
-                                    <p:cond delay="0"/>
-                                  </p:stCondLst>
-                                  <p:childTnLst>
-                                    <p:set>
-                                      <p:cBhvr>
-                                        <p:cTn id="38" dur="1" fill="hold">
-                                          <p:stCondLst>
-                                            <p:cond delay="0"/>
-                                          </p:stCondLst>
-                                        </p:cTn>
-                                        <p:tgtEl>
-                                          <p:spTgt spid="146"/>
-                                        </p:tgtEl>
-                                        <p:attrNameLst>
-                                          <p:attrName>style.visibility</p:attrName>
-                                        </p:attrNameLst>
-                                      </p:cBhvr>
-                                      <p:to>
-                                        <p:strVal val="visible"/>
-                                      </p:to>
-                                    </p:set>
-                                    <p:animEffect transition="in" filter="fade">
-                                      <p:cBhvr>
-                                        <p:cTn id="39" dur="500"/>
-                                        <p:tgtEl>
-                                          <p:spTgt spid="146"/>
                                         </p:tgtEl>
                                       </p:cBhvr>
                                     </p:animEffect>
@@ -4190,7 +4205,7 @@
                                           </p:stCondLst>
                                         </p:cTn>
                                         <p:tgtEl>
-                                          <p:spTgt spid="149"/>
+                                          <p:spTgt spid="25"/>
                                         </p:tgtEl>
                                         <p:attrNameLst>
                                           <p:attrName>style.visibility</p:attrName>
@@ -4204,7 +4219,7 @@
                                       <p:cBhvr>
                                         <p:cTn id="52" dur="500"/>
                                         <p:tgtEl>
-                                          <p:spTgt spid="149"/>
+                                          <p:spTgt spid="25"/>
                                         </p:tgtEl>
                                       </p:cBhvr>
                                     </p:animEffect>
@@ -4278,7 +4293,7 @@
                                           </p:stCondLst>
                                         </p:cTn>
                                         <p:tgtEl>
-                                          <p:spTgt spid="152"/>
+                                          <p:spTgt spid="28"/>
                                         </p:tgtEl>
                                         <p:attrNameLst>
                                           <p:attrName>style.visibility</p:attrName>
@@ -4292,7 +4307,7 @@
                                       <p:cBhvr>
                                         <p:cTn id="60" dur="500"/>
                                         <p:tgtEl>
-                                          <p:spTgt spid="152"/>
+                                          <p:spTgt spid="28"/>
                                         </p:tgtEl>
                                       </p:cBhvr>
                                     </p:animEffect>
@@ -4366,7 +4381,7 @@
                                           </p:stCondLst>
                                         </p:cTn>
                                         <p:tgtEl>
-                                          <p:spTgt spid="155"/>
+                                          <p:spTgt spid="31"/>
                                         </p:tgtEl>
                                         <p:attrNameLst>
                                           <p:attrName>style.visibility</p:attrName>
@@ -4380,7 +4395,7 @@
                                       <p:cBhvr>
                                         <p:cTn id="68" dur="500"/>
                                         <p:tgtEl>
-                                          <p:spTgt spid="155"/>
+                                          <p:spTgt spid="31"/>
                                         </p:tgtEl>
                                       </p:cBhvr>
                                     </p:animEffect>
